--- a/ApiTesting.pptx
+++ b/ApiTesting.pptx
@@ -5,24 +5,26 @@
     <p:sldMasterId id="2147483648" r:id="rId2"/>
     <p:sldMasterId id="2147483661" r:id="rId3"/>
     <p:sldMasterId id="2147483674" r:id="rId4"/>
+    <p:sldMasterId id="2147483687" r:id="rId5"/>
   </p:sldMasterIdLst>
   <p:sldIdLst>
-    <p:sldId id="256" r:id="rId5"/>
-    <p:sldId id="257" r:id="rId6"/>
-    <p:sldId id="258" r:id="rId7"/>
-    <p:sldId id="259" r:id="rId8"/>
-    <p:sldId id="260" r:id="rId9"/>
-    <p:sldId id="261" r:id="rId10"/>
-    <p:sldId id="262" r:id="rId11"/>
-    <p:sldId id="263" r:id="rId12"/>
-    <p:sldId id="264" r:id="rId13"/>
-    <p:sldId id="265" r:id="rId14"/>
-    <p:sldId id="266" r:id="rId15"/>
-    <p:sldId id="267" r:id="rId16"/>
-    <p:sldId id="268" r:id="rId17"/>
+    <p:sldId id="256" r:id="rId6"/>
+    <p:sldId id="257" r:id="rId7"/>
+    <p:sldId id="258" r:id="rId8"/>
+    <p:sldId id="259" r:id="rId9"/>
+    <p:sldId id="260" r:id="rId10"/>
+    <p:sldId id="261" r:id="rId11"/>
+    <p:sldId id="262" r:id="rId12"/>
+    <p:sldId id="263" r:id="rId13"/>
+    <p:sldId id="264" r:id="rId14"/>
+    <p:sldId id="265" r:id="rId15"/>
+    <p:sldId id="266" r:id="rId16"/>
+    <p:sldId id="267" r:id="rId17"/>
+    <p:sldId id="268" r:id="rId18"/>
+    <p:sldId id="269" r:id="rId19"/>
   </p:sldIdLst>
   <p:sldSz cx="12192000" cy="6858000"/>
-  <p:notesSz cx="6858000" cy="9144000"/>
+  <p:notesSz cx="7772400" cy="10058400"/>
 </p:presentation>
 </file>
 
@@ -3386,6 +3388,189 @@
 </p:sldLayout>
 </file>
 
+<file path=ppt/slideLayouts/slideLayout37.xml><?xml version="1.0" encoding="utf-8"?>
+<p:sldLayout xmlns:a="http://schemas.openxmlformats.org/drawingml/2006/main" xmlns:p="http://schemas.openxmlformats.org/presentationml/2006/main" xmlns:r="http://schemas.openxmlformats.org/officeDocument/2006/relationships" xmlns:p14="http://schemas.microsoft.com/office/powerpoint/2010/main" xmlns:p15="http://schemas.microsoft.com/office/powerpoint/2012/main" xmlns:mc="http://schemas.openxmlformats.org/markup-compatibility/2006" type="blank" preserve="1">
+  <p:cSld name="Blank Slide">
+    <p:spTree>
+      <p:nvGrpSpPr>
+        <p:cNvPr id="1" name=""/>
+        <p:cNvGrpSpPr/>
+        <p:nvPr/>
+      </p:nvGrpSpPr>
+      <p:grpSpPr>
+        <a:xfrm>
+          <a:off x="0" y="0"/>
+          <a:ext cx="0" cy="0"/>
+          <a:chOff x="0" y="0"/>
+          <a:chExt cx="0" cy="0"/>
+        </a:xfrm>
+      </p:grpSpPr>
+    </p:spTree>
+  </p:cSld>
+</p:sldLayout>
+</file>
+
+<file path=ppt/slideLayouts/slideLayout38.xml><?xml version="1.0" encoding="utf-8"?>
+<p:sldLayout xmlns:a="http://schemas.openxmlformats.org/drawingml/2006/main" xmlns:p="http://schemas.openxmlformats.org/presentationml/2006/main" xmlns:r="http://schemas.openxmlformats.org/officeDocument/2006/relationships" xmlns:p14="http://schemas.microsoft.com/office/powerpoint/2010/main" xmlns:p15="http://schemas.microsoft.com/office/powerpoint/2012/main" xmlns:mc="http://schemas.openxmlformats.org/markup-compatibility/2006" type="tx" preserve="1">
+  <p:cSld name="Title Slide">
+    <p:spTree>
+      <p:nvGrpSpPr>
+        <p:cNvPr id="1" name=""/>
+        <p:cNvGrpSpPr/>
+        <p:nvPr/>
+      </p:nvGrpSpPr>
+      <p:grpSpPr>
+        <a:xfrm>
+          <a:off x="0" y="0"/>
+          <a:ext cx="0" cy="0"/>
+          <a:chOff x="0" y="0"/>
+          <a:chExt cx="0" cy="0"/>
+        </a:xfrm>
+      </p:grpSpPr>
+      <p:sp>
+        <p:nvSpPr>
+          <p:cNvPr id="156" name="PlaceHolder 1"/>
+          <p:cNvSpPr>
+            <a:spLocks noGrp="1"/>
+          </p:cNvSpPr>
+          <p:nvPr>
+            <p:ph type="title"/>
+          </p:nvPr>
+        </p:nvSpPr>
+        <p:spPr>
+          <a:xfrm>
+            <a:off x="609480" y="221040"/>
+            <a:ext cx="10972440" cy="1250280"/>
+          </a:xfrm>
+          <a:prstGeom prst="rect">
+            <a:avLst/>
+          </a:prstGeom>
+        </p:spPr>
+        <p:txBody>
+          <a:bodyPr lIns="0" rIns="0" tIns="0" bIns="0" anchor="ctr"/>
+          <a:p>
+            <a:pPr algn="ctr"/>
+            <a:endParaRPr b="0" lang="en-US" sz="4400" spc="-1" strike="noStrike">
+              <a:latin typeface="Arial"/>
+            </a:endParaRPr>
+          </a:p>
+        </p:txBody>
+      </p:sp>
+      <p:sp>
+        <p:nvSpPr>
+          <p:cNvPr id="157" name="PlaceHolder 2"/>
+          <p:cNvSpPr>
+            <a:spLocks noGrp="1"/>
+          </p:cNvSpPr>
+          <p:nvPr>
+            <p:ph type="subTitle"/>
+          </p:nvPr>
+        </p:nvSpPr>
+        <p:spPr>
+          <a:xfrm>
+            <a:off x="609480" y="1604520"/>
+            <a:ext cx="10972440" cy="3977280"/>
+          </a:xfrm>
+          <a:prstGeom prst="rect">
+            <a:avLst/>
+          </a:prstGeom>
+        </p:spPr>
+        <p:txBody>
+          <a:bodyPr lIns="0" rIns="0" tIns="0" bIns="0" anchor="ctr"/>
+          <a:p>
+            <a:pPr algn="ctr"/>
+            <a:endParaRPr b="0" lang="en-US" sz="3200" spc="-1" strike="noStrike">
+              <a:latin typeface="Arial"/>
+            </a:endParaRPr>
+          </a:p>
+        </p:txBody>
+      </p:sp>
+    </p:spTree>
+  </p:cSld>
+</p:sldLayout>
+</file>
+
+<file path=ppt/slideLayouts/slideLayout39.xml><?xml version="1.0" encoding="utf-8"?>
+<p:sldLayout xmlns:a="http://schemas.openxmlformats.org/drawingml/2006/main" xmlns:p="http://schemas.openxmlformats.org/presentationml/2006/main" xmlns:r="http://schemas.openxmlformats.org/officeDocument/2006/relationships" xmlns:p14="http://schemas.microsoft.com/office/powerpoint/2010/main" xmlns:p15="http://schemas.microsoft.com/office/powerpoint/2012/main" xmlns:mc="http://schemas.openxmlformats.org/markup-compatibility/2006" type="obj" preserve="1">
+  <p:cSld name="Title, Content">
+    <p:spTree>
+      <p:nvGrpSpPr>
+        <p:cNvPr id="1" name=""/>
+        <p:cNvGrpSpPr/>
+        <p:nvPr/>
+      </p:nvGrpSpPr>
+      <p:grpSpPr>
+        <a:xfrm>
+          <a:off x="0" y="0"/>
+          <a:ext cx="0" cy="0"/>
+          <a:chOff x="0" y="0"/>
+          <a:chExt cx="0" cy="0"/>
+        </a:xfrm>
+      </p:grpSpPr>
+      <p:sp>
+        <p:nvSpPr>
+          <p:cNvPr id="158" name="PlaceHolder 1"/>
+          <p:cNvSpPr>
+            <a:spLocks noGrp="1"/>
+          </p:cNvSpPr>
+          <p:nvPr>
+            <p:ph type="title"/>
+          </p:nvPr>
+        </p:nvSpPr>
+        <p:spPr>
+          <a:xfrm>
+            <a:off x="609480" y="221040"/>
+            <a:ext cx="10972440" cy="1250280"/>
+          </a:xfrm>
+          <a:prstGeom prst="rect">
+            <a:avLst/>
+          </a:prstGeom>
+        </p:spPr>
+        <p:txBody>
+          <a:bodyPr lIns="0" rIns="0" tIns="0" bIns="0" anchor="ctr"/>
+          <a:p>
+            <a:pPr algn="ctr"/>
+            <a:endParaRPr b="0" lang="en-US" sz="4400" spc="-1" strike="noStrike">
+              <a:latin typeface="Arial"/>
+            </a:endParaRPr>
+          </a:p>
+        </p:txBody>
+      </p:sp>
+      <p:sp>
+        <p:nvSpPr>
+          <p:cNvPr id="159" name="PlaceHolder 2"/>
+          <p:cNvSpPr>
+            <a:spLocks noGrp="1"/>
+          </p:cNvSpPr>
+          <p:nvPr>
+            <p:ph type="body"/>
+          </p:nvPr>
+        </p:nvSpPr>
+        <p:spPr>
+          <a:xfrm>
+            <a:off x="609480" y="1604520"/>
+            <a:ext cx="10972440" cy="3977280"/>
+          </a:xfrm>
+          <a:prstGeom prst="rect">
+            <a:avLst/>
+          </a:prstGeom>
+        </p:spPr>
+        <p:txBody>
+          <a:bodyPr lIns="0" rIns="0" tIns="0" bIns="0">
+            <a:normAutofit/>
+          </a:bodyPr>
+          <a:p>
+            <a:endParaRPr b="0" lang="en-US" sz="3200" spc="-1" strike="noStrike">
+              <a:latin typeface="Arial"/>
+            </a:endParaRPr>
+          </a:p>
+        </p:txBody>
+      </p:sp>
+    </p:spTree>
+  </p:cSld>
+</p:sldLayout>
+</file>
+
 <file path=ppt/slideLayouts/slideLayout4.xml><?xml version="1.0" encoding="utf-8"?>
 <p:sldLayout xmlns:a="http://schemas.openxmlformats.org/drawingml/2006/main" xmlns:p="http://schemas.openxmlformats.org/presentationml/2006/main" xmlns:r="http://schemas.openxmlformats.org/officeDocument/2006/relationships" xmlns:p14="http://schemas.microsoft.com/office/powerpoint/2010/main" xmlns:p15="http://schemas.microsoft.com/office/powerpoint/2012/main" xmlns:mc="http://schemas.openxmlformats.org/markup-compatibility/2006" type="twoObj" preserve="1">
   <p:cSld name="Title, 2 Content">
@@ -3476,6 +3661,1155 @@
           <a:xfrm>
             <a:off x="6231960" y="1604520"/>
             <a:ext cx="5354280" cy="3977280"/>
+          </a:xfrm>
+          <a:prstGeom prst="rect">
+            <a:avLst/>
+          </a:prstGeom>
+        </p:spPr>
+        <p:txBody>
+          <a:bodyPr lIns="0" rIns="0" tIns="0" bIns="0">
+            <a:normAutofit/>
+          </a:bodyPr>
+          <a:p>
+            <a:endParaRPr b="0" lang="en-US" sz="3200" spc="-1" strike="noStrike">
+              <a:latin typeface="Arial"/>
+            </a:endParaRPr>
+          </a:p>
+        </p:txBody>
+      </p:sp>
+    </p:spTree>
+  </p:cSld>
+</p:sldLayout>
+</file>
+
+<file path=ppt/slideLayouts/slideLayout40.xml><?xml version="1.0" encoding="utf-8"?>
+<p:sldLayout xmlns:a="http://schemas.openxmlformats.org/drawingml/2006/main" xmlns:p="http://schemas.openxmlformats.org/presentationml/2006/main" xmlns:r="http://schemas.openxmlformats.org/officeDocument/2006/relationships" xmlns:p14="http://schemas.microsoft.com/office/powerpoint/2010/main" xmlns:p15="http://schemas.microsoft.com/office/powerpoint/2012/main" xmlns:mc="http://schemas.openxmlformats.org/markup-compatibility/2006" type="twoObj" preserve="1">
+  <p:cSld name="Title, 2 Content">
+    <p:spTree>
+      <p:nvGrpSpPr>
+        <p:cNvPr id="1" name=""/>
+        <p:cNvGrpSpPr/>
+        <p:nvPr/>
+      </p:nvGrpSpPr>
+      <p:grpSpPr>
+        <a:xfrm>
+          <a:off x="0" y="0"/>
+          <a:ext cx="0" cy="0"/>
+          <a:chOff x="0" y="0"/>
+          <a:chExt cx="0" cy="0"/>
+        </a:xfrm>
+      </p:grpSpPr>
+      <p:sp>
+        <p:nvSpPr>
+          <p:cNvPr id="160" name="PlaceHolder 1"/>
+          <p:cNvSpPr>
+            <a:spLocks noGrp="1"/>
+          </p:cNvSpPr>
+          <p:nvPr>
+            <p:ph type="title"/>
+          </p:nvPr>
+        </p:nvSpPr>
+        <p:spPr>
+          <a:xfrm>
+            <a:off x="609480" y="221040"/>
+            <a:ext cx="10972440" cy="1250280"/>
+          </a:xfrm>
+          <a:prstGeom prst="rect">
+            <a:avLst/>
+          </a:prstGeom>
+        </p:spPr>
+        <p:txBody>
+          <a:bodyPr lIns="0" rIns="0" tIns="0" bIns="0" anchor="ctr"/>
+          <a:p>
+            <a:pPr algn="ctr"/>
+            <a:endParaRPr b="0" lang="en-US" sz="4400" spc="-1" strike="noStrike">
+              <a:latin typeface="Arial"/>
+            </a:endParaRPr>
+          </a:p>
+        </p:txBody>
+      </p:sp>
+      <p:sp>
+        <p:nvSpPr>
+          <p:cNvPr id="161" name="PlaceHolder 2"/>
+          <p:cNvSpPr>
+            <a:spLocks noGrp="1"/>
+          </p:cNvSpPr>
+          <p:nvPr>
+            <p:ph type="body"/>
+          </p:nvPr>
+        </p:nvSpPr>
+        <p:spPr>
+          <a:xfrm>
+            <a:off x="609480" y="1604520"/>
+            <a:ext cx="5354280" cy="3977280"/>
+          </a:xfrm>
+          <a:prstGeom prst="rect">
+            <a:avLst/>
+          </a:prstGeom>
+        </p:spPr>
+        <p:txBody>
+          <a:bodyPr lIns="0" rIns="0" tIns="0" bIns="0">
+            <a:normAutofit/>
+          </a:bodyPr>
+          <a:p>
+            <a:endParaRPr b="0" lang="en-US" sz="3200" spc="-1" strike="noStrike">
+              <a:latin typeface="Arial"/>
+            </a:endParaRPr>
+          </a:p>
+        </p:txBody>
+      </p:sp>
+      <p:sp>
+        <p:nvSpPr>
+          <p:cNvPr id="162" name="PlaceHolder 3"/>
+          <p:cNvSpPr>
+            <a:spLocks noGrp="1"/>
+          </p:cNvSpPr>
+          <p:nvPr>
+            <p:ph type="body"/>
+          </p:nvPr>
+        </p:nvSpPr>
+        <p:spPr>
+          <a:xfrm>
+            <a:off x="6231960" y="1604520"/>
+            <a:ext cx="5354280" cy="3977280"/>
+          </a:xfrm>
+          <a:prstGeom prst="rect">
+            <a:avLst/>
+          </a:prstGeom>
+        </p:spPr>
+        <p:txBody>
+          <a:bodyPr lIns="0" rIns="0" tIns="0" bIns="0">
+            <a:normAutofit/>
+          </a:bodyPr>
+          <a:p>
+            <a:endParaRPr b="0" lang="en-US" sz="3200" spc="-1" strike="noStrike">
+              <a:latin typeface="Arial"/>
+            </a:endParaRPr>
+          </a:p>
+        </p:txBody>
+      </p:sp>
+    </p:spTree>
+  </p:cSld>
+</p:sldLayout>
+</file>
+
+<file path=ppt/slideLayouts/slideLayout41.xml><?xml version="1.0" encoding="utf-8"?>
+<p:sldLayout xmlns:a="http://schemas.openxmlformats.org/drawingml/2006/main" xmlns:p="http://schemas.openxmlformats.org/presentationml/2006/main" xmlns:r="http://schemas.openxmlformats.org/officeDocument/2006/relationships" xmlns:p14="http://schemas.microsoft.com/office/powerpoint/2010/main" xmlns:p15="http://schemas.microsoft.com/office/powerpoint/2012/main" xmlns:mc="http://schemas.openxmlformats.org/markup-compatibility/2006" type="titleOnly" preserve="1">
+  <p:cSld name="Title Only">
+    <p:spTree>
+      <p:nvGrpSpPr>
+        <p:cNvPr id="1" name=""/>
+        <p:cNvGrpSpPr/>
+        <p:nvPr/>
+      </p:nvGrpSpPr>
+      <p:grpSpPr>
+        <a:xfrm>
+          <a:off x="0" y="0"/>
+          <a:ext cx="0" cy="0"/>
+          <a:chOff x="0" y="0"/>
+          <a:chExt cx="0" cy="0"/>
+        </a:xfrm>
+      </p:grpSpPr>
+      <p:sp>
+        <p:nvSpPr>
+          <p:cNvPr id="163" name="PlaceHolder 1"/>
+          <p:cNvSpPr>
+            <a:spLocks noGrp="1"/>
+          </p:cNvSpPr>
+          <p:nvPr>
+            <p:ph type="title"/>
+          </p:nvPr>
+        </p:nvSpPr>
+        <p:spPr>
+          <a:xfrm>
+            <a:off x="609480" y="221040"/>
+            <a:ext cx="10972440" cy="1250280"/>
+          </a:xfrm>
+          <a:prstGeom prst="rect">
+            <a:avLst/>
+          </a:prstGeom>
+        </p:spPr>
+        <p:txBody>
+          <a:bodyPr lIns="0" rIns="0" tIns="0" bIns="0" anchor="ctr"/>
+          <a:p>
+            <a:pPr algn="ctr"/>
+            <a:endParaRPr b="0" lang="en-US" sz="4400" spc="-1" strike="noStrike">
+              <a:latin typeface="Arial"/>
+            </a:endParaRPr>
+          </a:p>
+        </p:txBody>
+      </p:sp>
+    </p:spTree>
+  </p:cSld>
+</p:sldLayout>
+</file>
+
+<file path=ppt/slideLayouts/slideLayout42.xml><?xml version="1.0" encoding="utf-8"?>
+<p:sldLayout xmlns:a="http://schemas.openxmlformats.org/drawingml/2006/main" xmlns:p="http://schemas.openxmlformats.org/presentationml/2006/main" xmlns:r="http://schemas.openxmlformats.org/officeDocument/2006/relationships" xmlns:p14="http://schemas.microsoft.com/office/powerpoint/2010/main" xmlns:p15="http://schemas.microsoft.com/office/powerpoint/2012/main" xmlns:mc="http://schemas.openxmlformats.org/markup-compatibility/2006" type="objOnly" preserve="1">
+  <p:cSld name="Centered Text">
+    <p:spTree>
+      <p:nvGrpSpPr>
+        <p:cNvPr id="1" name=""/>
+        <p:cNvGrpSpPr/>
+        <p:nvPr/>
+      </p:nvGrpSpPr>
+      <p:grpSpPr>
+        <a:xfrm>
+          <a:off x="0" y="0"/>
+          <a:ext cx="0" cy="0"/>
+          <a:chOff x="0" y="0"/>
+          <a:chExt cx="0" cy="0"/>
+        </a:xfrm>
+      </p:grpSpPr>
+      <p:sp>
+        <p:nvSpPr>
+          <p:cNvPr id="164" name="PlaceHolder 1"/>
+          <p:cNvSpPr>
+            <a:spLocks noGrp="1"/>
+          </p:cNvSpPr>
+          <p:nvPr>
+            <p:ph type="subTitle"/>
+          </p:nvPr>
+        </p:nvSpPr>
+        <p:spPr>
+          <a:xfrm>
+            <a:off x="609480" y="273600"/>
+            <a:ext cx="10972440" cy="5307840"/>
+          </a:xfrm>
+          <a:prstGeom prst="rect">
+            <a:avLst/>
+          </a:prstGeom>
+        </p:spPr>
+        <p:txBody>
+          <a:bodyPr lIns="0" rIns="0" tIns="0" bIns="0" anchor="ctr"/>
+          <a:p>
+            <a:pPr algn="ctr"/>
+            <a:endParaRPr b="0" lang="en-US" sz="3200" spc="-1" strike="noStrike">
+              <a:latin typeface="Arial"/>
+            </a:endParaRPr>
+          </a:p>
+        </p:txBody>
+      </p:sp>
+    </p:spTree>
+  </p:cSld>
+</p:sldLayout>
+</file>
+
+<file path=ppt/slideLayouts/slideLayout43.xml><?xml version="1.0" encoding="utf-8"?>
+<p:sldLayout xmlns:a="http://schemas.openxmlformats.org/drawingml/2006/main" xmlns:p="http://schemas.openxmlformats.org/presentationml/2006/main" xmlns:r="http://schemas.openxmlformats.org/officeDocument/2006/relationships" xmlns:p14="http://schemas.microsoft.com/office/powerpoint/2010/main" xmlns:p15="http://schemas.microsoft.com/office/powerpoint/2012/main" xmlns:mc="http://schemas.openxmlformats.org/markup-compatibility/2006" type="twoObjAndObj" preserve="1">
+  <p:cSld name="Title, 2 Content and Content">
+    <p:spTree>
+      <p:nvGrpSpPr>
+        <p:cNvPr id="1" name=""/>
+        <p:cNvGrpSpPr/>
+        <p:nvPr/>
+      </p:nvGrpSpPr>
+      <p:grpSpPr>
+        <a:xfrm>
+          <a:off x="0" y="0"/>
+          <a:ext cx="0" cy="0"/>
+          <a:chOff x="0" y="0"/>
+          <a:chExt cx="0" cy="0"/>
+        </a:xfrm>
+      </p:grpSpPr>
+      <p:sp>
+        <p:nvSpPr>
+          <p:cNvPr id="165" name="PlaceHolder 1"/>
+          <p:cNvSpPr>
+            <a:spLocks noGrp="1"/>
+          </p:cNvSpPr>
+          <p:nvPr>
+            <p:ph type="title"/>
+          </p:nvPr>
+        </p:nvSpPr>
+        <p:spPr>
+          <a:xfrm>
+            <a:off x="609480" y="221040"/>
+            <a:ext cx="10972440" cy="1250280"/>
+          </a:xfrm>
+          <a:prstGeom prst="rect">
+            <a:avLst/>
+          </a:prstGeom>
+        </p:spPr>
+        <p:txBody>
+          <a:bodyPr lIns="0" rIns="0" tIns="0" bIns="0" anchor="ctr"/>
+          <a:p>
+            <a:pPr algn="ctr"/>
+            <a:endParaRPr b="0" lang="en-US" sz="4400" spc="-1" strike="noStrike">
+              <a:latin typeface="Arial"/>
+            </a:endParaRPr>
+          </a:p>
+        </p:txBody>
+      </p:sp>
+      <p:sp>
+        <p:nvSpPr>
+          <p:cNvPr id="166" name="PlaceHolder 2"/>
+          <p:cNvSpPr>
+            <a:spLocks noGrp="1"/>
+          </p:cNvSpPr>
+          <p:nvPr>
+            <p:ph type="body"/>
+          </p:nvPr>
+        </p:nvSpPr>
+        <p:spPr>
+          <a:xfrm>
+            <a:off x="609480" y="1604520"/>
+            <a:ext cx="5354280" cy="1896840"/>
+          </a:xfrm>
+          <a:prstGeom prst="rect">
+            <a:avLst/>
+          </a:prstGeom>
+        </p:spPr>
+        <p:txBody>
+          <a:bodyPr lIns="0" rIns="0" tIns="0" bIns="0">
+            <a:normAutofit/>
+          </a:bodyPr>
+          <a:p>
+            <a:endParaRPr b="0" lang="en-US" sz="3200" spc="-1" strike="noStrike">
+              <a:latin typeface="Arial"/>
+            </a:endParaRPr>
+          </a:p>
+        </p:txBody>
+      </p:sp>
+      <p:sp>
+        <p:nvSpPr>
+          <p:cNvPr id="167" name="PlaceHolder 3"/>
+          <p:cNvSpPr>
+            <a:spLocks noGrp="1"/>
+          </p:cNvSpPr>
+          <p:nvPr>
+            <p:ph type="body"/>
+          </p:nvPr>
+        </p:nvSpPr>
+        <p:spPr>
+          <a:xfrm>
+            <a:off x="6231960" y="1604520"/>
+            <a:ext cx="5354280" cy="3977280"/>
+          </a:xfrm>
+          <a:prstGeom prst="rect">
+            <a:avLst/>
+          </a:prstGeom>
+        </p:spPr>
+        <p:txBody>
+          <a:bodyPr lIns="0" rIns="0" tIns="0" bIns="0">
+            <a:normAutofit/>
+          </a:bodyPr>
+          <a:p>
+            <a:endParaRPr b="0" lang="en-US" sz="3200" spc="-1" strike="noStrike">
+              <a:latin typeface="Arial"/>
+            </a:endParaRPr>
+          </a:p>
+        </p:txBody>
+      </p:sp>
+      <p:sp>
+        <p:nvSpPr>
+          <p:cNvPr id="168" name="PlaceHolder 4"/>
+          <p:cNvSpPr>
+            <a:spLocks noGrp="1"/>
+          </p:cNvSpPr>
+          <p:nvPr>
+            <p:ph type="body"/>
+          </p:nvPr>
+        </p:nvSpPr>
+        <p:spPr>
+          <a:xfrm>
+            <a:off x="609480" y="3682080"/>
+            <a:ext cx="5354280" cy="1896840"/>
+          </a:xfrm>
+          <a:prstGeom prst="rect">
+            <a:avLst/>
+          </a:prstGeom>
+        </p:spPr>
+        <p:txBody>
+          <a:bodyPr lIns="0" rIns="0" tIns="0" bIns="0">
+            <a:normAutofit/>
+          </a:bodyPr>
+          <a:p>
+            <a:endParaRPr b="0" lang="en-US" sz="3200" spc="-1" strike="noStrike">
+              <a:latin typeface="Arial"/>
+            </a:endParaRPr>
+          </a:p>
+        </p:txBody>
+      </p:sp>
+    </p:spTree>
+  </p:cSld>
+</p:sldLayout>
+</file>
+
+<file path=ppt/slideLayouts/slideLayout44.xml><?xml version="1.0" encoding="utf-8"?>
+<p:sldLayout xmlns:a="http://schemas.openxmlformats.org/drawingml/2006/main" xmlns:p="http://schemas.openxmlformats.org/presentationml/2006/main" xmlns:r="http://schemas.openxmlformats.org/officeDocument/2006/relationships" xmlns:p14="http://schemas.microsoft.com/office/powerpoint/2010/main" xmlns:p15="http://schemas.microsoft.com/office/powerpoint/2012/main" xmlns:mc="http://schemas.openxmlformats.org/markup-compatibility/2006" type="objAndTwoObj" preserve="1">
+  <p:cSld name="Title Content and 2 Content">
+    <p:spTree>
+      <p:nvGrpSpPr>
+        <p:cNvPr id="1" name=""/>
+        <p:cNvGrpSpPr/>
+        <p:nvPr/>
+      </p:nvGrpSpPr>
+      <p:grpSpPr>
+        <a:xfrm>
+          <a:off x="0" y="0"/>
+          <a:ext cx="0" cy="0"/>
+          <a:chOff x="0" y="0"/>
+          <a:chExt cx="0" cy="0"/>
+        </a:xfrm>
+      </p:grpSpPr>
+      <p:sp>
+        <p:nvSpPr>
+          <p:cNvPr id="169" name="PlaceHolder 1"/>
+          <p:cNvSpPr>
+            <a:spLocks noGrp="1"/>
+          </p:cNvSpPr>
+          <p:nvPr>
+            <p:ph type="title"/>
+          </p:nvPr>
+        </p:nvSpPr>
+        <p:spPr>
+          <a:xfrm>
+            <a:off x="609480" y="221040"/>
+            <a:ext cx="10972440" cy="1250280"/>
+          </a:xfrm>
+          <a:prstGeom prst="rect">
+            <a:avLst/>
+          </a:prstGeom>
+        </p:spPr>
+        <p:txBody>
+          <a:bodyPr lIns="0" rIns="0" tIns="0" bIns="0" anchor="ctr"/>
+          <a:p>
+            <a:pPr algn="ctr"/>
+            <a:endParaRPr b="0" lang="en-US" sz="4400" spc="-1" strike="noStrike">
+              <a:latin typeface="Arial"/>
+            </a:endParaRPr>
+          </a:p>
+        </p:txBody>
+      </p:sp>
+      <p:sp>
+        <p:nvSpPr>
+          <p:cNvPr id="170" name="PlaceHolder 2"/>
+          <p:cNvSpPr>
+            <a:spLocks noGrp="1"/>
+          </p:cNvSpPr>
+          <p:nvPr>
+            <p:ph type="body"/>
+          </p:nvPr>
+        </p:nvSpPr>
+        <p:spPr>
+          <a:xfrm>
+            <a:off x="609480" y="1604520"/>
+            <a:ext cx="5354280" cy="3977280"/>
+          </a:xfrm>
+          <a:prstGeom prst="rect">
+            <a:avLst/>
+          </a:prstGeom>
+        </p:spPr>
+        <p:txBody>
+          <a:bodyPr lIns="0" rIns="0" tIns="0" bIns="0">
+            <a:normAutofit/>
+          </a:bodyPr>
+          <a:p>
+            <a:endParaRPr b="0" lang="en-US" sz="3200" spc="-1" strike="noStrike">
+              <a:latin typeface="Arial"/>
+            </a:endParaRPr>
+          </a:p>
+        </p:txBody>
+      </p:sp>
+      <p:sp>
+        <p:nvSpPr>
+          <p:cNvPr id="171" name="PlaceHolder 3"/>
+          <p:cNvSpPr>
+            <a:spLocks noGrp="1"/>
+          </p:cNvSpPr>
+          <p:nvPr>
+            <p:ph type="body"/>
+          </p:nvPr>
+        </p:nvSpPr>
+        <p:spPr>
+          <a:xfrm>
+            <a:off x="6231960" y="1604520"/>
+            <a:ext cx="5354280" cy="1896840"/>
+          </a:xfrm>
+          <a:prstGeom prst="rect">
+            <a:avLst/>
+          </a:prstGeom>
+        </p:spPr>
+        <p:txBody>
+          <a:bodyPr lIns="0" rIns="0" tIns="0" bIns="0">
+            <a:normAutofit/>
+          </a:bodyPr>
+          <a:p>
+            <a:endParaRPr b="0" lang="en-US" sz="3200" spc="-1" strike="noStrike">
+              <a:latin typeface="Arial"/>
+            </a:endParaRPr>
+          </a:p>
+        </p:txBody>
+      </p:sp>
+      <p:sp>
+        <p:nvSpPr>
+          <p:cNvPr id="172" name="PlaceHolder 4"/>
+          <p:cNvSpPr>
+            <a:spLocks noGrp="1"/>
+          </p:cNvSpPr>
+          <p:nvPr>
+            <p:ph type="body"/>
+          </p:nvPr>
+        </p:nvSpPr>
+        <p:spPr>
+          <a:xfrm>
+            <a:off x="6231960" y="3682080"/>
+            <a:ext cx="5354280" cy="1896840"/>
+          </a:xfrm>
+          <a:prstGeom prst="rect">
+            <a:avLst/>
+          </a:prstGeom>
+        </p:spPr>
+        <p:txBody>
+          <a:bodyPr lIns="0" rIns="0" tIns="0" bIns="0">
+            <a:normAutofit/>
+          </a:bodyPr>
+          <a:p>
+            <a:endParaRPr b="0" lang="en-US" sz="3200" spc="-1" strike="noStrike">
+              <a:latin typeface="Arial"/>
+            </a:endParaRPr>
+          </a:p>
+        </p:txBody>
+      </p:sp>
+    </p:spTree>
+  </p:cSld>
+</p:sldLayout>
+</file>
+
+<file path=ppt/slideLayouts/slideLayout45.xml><?xml version="1.0" encoding="utf-8"?>
+<p:sldLayout xmlns:a="http://schemas.openxmlformats.org/drawingml/2006/main" xmlns:p="http://schemas.openxmlformats.org/presentationml/2006/main" xmlns:r="http://schemas.openxmlformats.org/officeDocument/2006/relationships" xmlns:p14="http://schemas.microsoft.com/office/powerpoint/2010/main" xmlns:p15="http://schemas.microsoft.com/office/powerpoint/2012/main" xmlns:mc="http://schemas.openxmlformats.org/markup-compatibility/2006" type="twoObjOverTx" preserve="1">
+  <p:cSld name="Title, 2 Content over Content">
+    <p:spTree>
+      <p:nvGrpSpPr>
+        <p:cNvPr id="1" name=""/>
+        <p:cNvGrpSpPr/>
+        <p:nvPr/>
+      </p:nvGrpSpPr>
+      <p:grpSpPr>
+        <a:xfrm>
+          <a:off x="0" y="0"/>
+          <a:ext cx="0" cy="0"/>
+          <a:chOff x="0" y="0"/>
+          <a:chExt cx="0" cy="0"/>
+        </a:xfrm>
+      </p:grpSpPr>
+      <p:sp>
+        <p:nvSpPr>
+          <p:cNvPr id="173" name="PlaceHolder 1"/>
+          <p:cNvSpPr>
+            <a:spLocks noGrp="1"/>
+          </p:cNvSpPr>
+          <p:nvPr>
+            <p:ph type="title"/>
+          </p:nvPr>
+        </p:nvSpPr>
+        <p:spPr>
+          <a:xfrm>
+            <a:off x="609480" y="221040"/>
+            <a:ext cx="10972440" cy="1250280"/>
+          </a:xfrm>
+          <a:prstGeom prst="rect">
+            <a:avLst/>
+          </a:prstGeom>
+        </p:spPr>
+        <p:txBody>
+          <a:bodyPr lIns="0" rIns="0" tIns="0" bIns="0" anchor="ctr"/>
+          <a:p>
+            <a:pPr algn="ctr"/>
+            <a:endParaRPr b="0" lang="en-US" sz="4400" spc="-1" strike="noStrike">
+              <a:latin typeface="Arial"/>
+            </a:endParaRPr>
+          </a:p>
+        </p:txBody>
+      </p:sp>
+      <p:sp>
+        <p:nvSpPr>
+          <p:cNvPr id="174" name="PlaceHolder 2"/>
+          <p:cNvSpPr>
+            <a:spLocks noGrp="1"/>
+          </p:cNvSpPr>
+          <p:nvPr>
+            <p:ph type="body"/>
+          </p:nvPr>
+        </p:nvSpPr>
+        <p:spPr>
+          <a:xfrm>
+            <a:off x="609480" y="1604520"/>
+            <a:ext cx="5354280" cy="1896840"/>
+          </a:xfrm>
+          <a:prstGeom prst="rect">
+            <a:avLst/>
+          </a:prstGeom>
+        </p:spPr>
+        <p:txBody>
+          <a:bodyPr lIns="0" rIns="0" tIns="0" bIns="0">
+            <a:normAutofit/>
+          </a:bodyPr>
+          <a:p>
+            <a:endParaRPr b="0" lang="en-US" sz="3200" spc="-1" strike="noStrike">
+              <a:latin typeface="Arial"/>
+            </a:endParaRPr>
+          </a:p>
+        </p:txBody>
+      </p:sp>
+      <p:sp>
+        <p:nvSpPr>
+          <p:cNvPr id="175" name="PlaceHolder 3"/>
+          <p:cNvSpPr>
+            <a:spLocks noGrp="1"/>
+          </p:cNvSpPr>
+          <p:nvPr>
+            <p:ph type="body"/>
+          </p:nvPr>
+        </p:nvSpPr>
+        <p:spPr>
+          <a:xfrm>
+            <a:off x="6231960" y="1604520"/>
+            <a:ext cx="5354280" cy="1896840"/>
+          </a:xfrm>
+          <a:prstGeom prst="rect">
+            <a:avLst/>
+          </a:prstGeom>
+        </p:spPr>
+        <p:txBody>
+          <a:bodyPr lIns="0" rIns="0" tIns="0" bIns="0">
+            <a:normAutofit/>
+          </a:bodyPr>
+          <a:p>
+            <a:endParaRPr b="0" lang="en-US" sz="3200" spc="-1" strike="noStrike">
+              <a:latin typeface="Arial"/>
+            </a:endParaRPr>
+          </a:p>
+        </p:txBody>
+      </p:sp>
+      <p:sp>
+        <p:nvSpPr>
+          <p:cNvPr id="176" name="PlaceHolder 4"/>
+          <p:cNvSpPr>
+            <a:spLocks noGrp="1"/>
+          </p:cNvSpPr>
+          <p:nvPr>
+            <p:ph type="body"/>
+          </p:nvPr>
+        </p:nvSpPr>
+        <p:spPr>
+          <a:xfrm>
+            <a:off x="609480" y="3682080"/>
+            <a:ext cx="10972440" cy="1896840"/>
+          </a:xfrm>
+          <a:prstGeom prst="rect">
+            <a:avLst/>
+          </a:prstGeom>
+        </p:spPr>
+        <p:txBody>
+          <a:bodyPr lIns="0" rIns="0" tIns="0" bIns="0">
+            <a:normAutofit/>
+          </a:bodyPr>
+          <a:p>
+            <a:endParaRPr b="0" lang="en-US" sz="3200" spc="-1" strike="noStrike">
+              <a:latin typeface="Arial"/>
+            </a:endParaRPr>
+          </a:p>
+        </p:txBody>
+      </p:sp>
+    </p:spTree>
+  </p:cSld>
+</p:sldLayout>
+</file>
+
+<file path=ppt/slideLayouts/slideLayout46.xml><?xml version="1.0" encoding="utf-8"?>
+<p:sldLayout xmlns:a="http://schemas.openxmlformats.org/drawingml/2006/main" xmlns:p="http://schemas.openxmlformats.org/presentationml/2006/main" xmlns:r="http://schemas.openxmlformats.org/officeDocument/2006/relationships" xmlns:p14="http://schemas.microsoft.com/office/powerpoint/2010/main" xmlns:p15="http://schemas.microsoft.com/office/powerpoint/2012/main" xmlns:mc="http://schemas.openxmlformats.org/markup-compatibility/2006" type="objOverTx" preserve="1">
+  <p:cSld name="Title, Content over Content">
+    <p:spTree>
+      <p:nvGrpSpPr>
+        <p:cNvPr id="1" name=""/>
+        <p:cNvGrpSpPr/>
+        <p:nvPr/>
+      </p:nvGrpSpPr>
+      <p:grpSpPr>
+        <a:xfrm>
+          <a:off x="0" y="0"/>
+          <a:ext cx="0" cy="0"/>
+          <a:chOff x="0" y="0"/>
+          <a:chExt cx="0" cy="0"/>
+        </a:xfrm>
+      </p:grpSpPr>
+      <p:sp>
+        <p:nvSpPr>
+          <p:cNvPr id="177" name="PlaceHolder 1"/>
+          <p:cNvSpPr>
+            <a:spLocks noGrp="1"/>
+          </p:cNvSpPr>
+          <p:nvPr>
+            <p:ph type="title"/>
+          </p:nvPr>
+        </p:nvSpPr>
+        <p:spPr>
+          <a:xfrm>
+            <a:off x="609480" y="221040"/>
+            <a:ext cx="10972440" cy="1250280"/>
+          </a:xfrm>
+          <a:prstGeom prst="rect">
+            <a:avLst/>
+          </a:prstGeom>
+        </p:spPr>
+        <p:txBody>
+          <a:bodyPr lIns="0" rIns="0" tIns="0" bIns="0" anchor="ctr"/>
+          <a:p>
+            <a:pPr algn="ctr"/>
+            <a:endParaRPr b="0" lang="en-US" sz="4400" spc="-1" strike="noStrike">
+              <a:latin typeface="Arial"/>
+            </a:endParaRPr>
+          </a:p>
+        </p:txBody>
+      </p:sp>
+      <p:sp>
+        <p:nvSpPr>
+          <p:cNvPr id="178" name="PlaceHolder 2"/>
+          <p:cNvSpPr>
+            <a:spLocks noGrp="1"/>
+          </p:cNvSpPr>
+          <p:nvPr>
+            <p:ph type="body"/>
+          </p:nvPr>
+        </p:nvSpPr>
+        <p:spPr>
+          <a:xfrm>
+            <a:off x="609480" y="1604520"/>
+            <a:ext cx="10972440" cy="1896840"/>
+          </a:xfrm>
+          <a:prstGeom prst="rect">
+            <a:avLst/>
+          </a:prstGeom>
+        </p:spPr>
+        <p:txBody>
+          <a:bodyPr lIns="0" rIns="0" tIns="0" bIns="0">
+            <a:normAutofit/>
+          </a:bodyPr>
+          <a:p>
+            <a:endParaRPr b="0" lang="en-US" sz="3200" spc="-1" strike="noStrike">
+              <a:latin typeface="Arial"/>
+            </a:endParaRPr>
+          </a:p>
+        </p:txBody>
+      </p:sp>
+      <p:sp>
+        <p:nvSpPr>
+          <p:cNvPr id="179" name="PlaceHolder 3"/>
+          <p:cNvSpPr>
+            <a:spLocks noGrp="1"/>
+          </p:cNvSpPr>
+          <p:nvPr>
+            <p:ph type="body"/>
+          </p:nvPr>
+        </p:nvSpPr>
+        <p:spPr>
+          <a:xfrm>
+            <a:off x="609480" y="3682080"/>
+            <a:ext cx="10972440" cy="1896840"/>
+          </a:xfrm>
+          <a:prstGeom prst="rect">
+            <a:avLst/>
+          </a:prstGeom>
+        </p:spPr>
+        <p:txBody>
+          <a:bodyPr lIns="0" rIns="0" tIns="0" bIns="0">
+            <a:normAutofit/>
+          </a:bodyPr>
+          <a:p>
+            <a:endParaRPr b="0" lang="en-US" sz="3200" spc="-1" strike="noStrike">
+              <a:latin typeface="Arial"/>
+            </a:endParaRPr>
+          </a:p>
+        </p:txBody>
+      </p:sp>
+    </p:spTree>
+  </p:cSld>
+</p:sldLayout>
+</file>
+
+<file path=ppt/slideLayouts/slideLayout47.xml><?xml version="1.0" encoding="utf-8"?>
+<p:sldLayout xmlns:a="http://schemas.openxmlformats.org/drawingml/2006/main" xmlns:p="http://schemas.openxmlformats.org/presentationml/2006/main" xmlns:r="http://schemas.openxmlformats.org/officeDocument/2006/relationships" xmlns:p14="http://schemas.microsoft.com/office/powerpoint/2010/main" xmlns:p15="http://schemas.microsoft.com/office/powerpoint/2012/main" xmlns:mc="http://schemas.openxmlformats.org/markup-compatibility/2006" type="fourObj" preserve="1">
+  <p:cSld name="Title, 4 Content">
+    <p:spTree>
+      <p:nvGrpSpPr>
+        <p:cNvPr id="1" name=""/>
+        <p:cNvGrpSpPr/>
+        <p:nvPr/>
+      </p:nvGrpSpPr>
+      <p:grpSpPr>
+        <a:xfrm>
+          <a:off x="0" y="0"/>
+          <a:ext cx="0" cy="0"/>
+          <a:chOff x="0" y="0"/>
+          <a:chExt cx="0" cy="0"/>
+        </a:xfrm>
+      </p:grpSpPr>
+      <p:sp>
+        <p:nvSpPr>
+          <p:cNvPr id="180" name="PlaceHolder 1"/>
+          <p:cNvSpPr>
+            <a:spLocks noGrp="1"/>
+          </p:cNvSpPr>
+          <p:nvPr>
+            <p:ph type="title"/>
+          </p:nvPr>
+        </p:nvSpPr>
+        <p:spPr>
+          <a:xfrm>
+            <a:off x="609480" y="221040"/>
+            <a:ext cx="10972440" cy="1250280"/>
+          </a:xfrm>
+          <a:prstGeom prst="rect">
+            <a:avLst/>
+          </a:prstGeom>
+        </p:spPr>
+        <p:txBody>
+          <a:bodyPr lIns="0" rIns="0" tIns="0" bIns="0" anchor="ctr"/>
+          <a:p>
+            <a:pPr algn="ctr"/>
+            <a:endParaRPr b="0" lang="en-US" sz="4400" spc="-1" strike="noStrike">
+              <a:latin typeface="Arial"/>
+            </a:endParaRPr>
+          </a:p>
+        </p:txBody>
+      </p:sp>
+      <p:sp>
+        <p:nvSpPr>
+          <p:cNvPr id="181" name="PlaceHolder 2"/>
+          <p:cNvSpPr>
+            <a:spLocks noGrp="1"/>
+          </p:cNvSpPr>
+          <p:nvPr>
+            <p:ph type="body"/>
+          </p:nvPr>
+        </p:nvSpPr>
+        <p:spPr>
+          <a:xfrm>
+            <a:off x="609480" y="1604520"/>
+            <a:ext cx="5354280" cy="1896840"/>
+          </a:xfrm>
+          <a:prstGeom prst="rect">
+            <a:avLst/>
+          </a:prstGeom>
+        </p:spPr>
+        <p:txBody>
+          <a:bodyPr lIns="0" rIns="0" tIns="0" bIns="0">
+            <a:normAutofit/>
+          </a:bodyPr>
+          <a:p>
+            <a:endParaRPr b="0" lang="en-US" sz="3200" spc="-1" strike="noStrike">
+              <a:latin typeface="Arial"/>
+            </a:endParaRPr>
+          </a:p>
+        </p:txBody>
+      </p:sp>
+      <p:sp>
+        <p:nvSpPr>
+          <p:cNvPr id="182" name="PlaceHolder 3"/>
+          <p:cNvSpPr>
+            <a:spLocks noGrp="1"/>
+          </p:cNvSpPr>
+          <p:nvPr>
+            <p:ph type="body"/>
+          </p:nvPr>
+        </p:nvSpPr>
+        <p:spPr>
+          <a:xfrm>
+            <a:off x="6231960" y="1604520"/>
+            <a:ext cx="5354280" cy="1896840"/>
+          </a:xfrm>
+          <a:prstGeom prst="rect">
+            <a:avLst/>
+          </a:prstGeom>
+        </p:spPr>
+        <p:txBody>
+          <a:bodyPr lIns="0" rIns="0" tIns="0" bIns="0">
+            <a:normAutofit/>
+          </a:bodyPr>
+          <a:p>
+            <a:endParaRPr b="0" lang="en-US" sz="3200" spc="-1" strike="noStrike">
+              <a:latin typeface="Arial"/>
+            </a:endParaRPr>
+          </a:p>
+        </p:txBody>
+      </p:sp>
+      <p:sp>
+        <p:nvSpPr>
+          <p:cNvPr id="183" name="PlaceHolder 4"/>
+          <p:cNvSpPr>
+            <a:spLocks noGrp="1"/>
+          </p:cNvSpPr>
+          <p:nvPr>
+            <p:ph type="body"/>
+          </p:nvPr>
+        </p:nvSpPr>
+        <p:spPr>
+          <a:xfrm>
+            <a:off x="609480" y="3682080"/>
+            <a:ext cx="5354280" cy="1896840"/>
+          </a:xfrm>
+          <a:prstGeom prst="rect">
+            <a:avLst/>
+          </a:prstGeom>
+        </p:spPr>
+        <p:txBody>
+          <a:bodyPr lIns="0" rIns="0" tIns="0" bIns="0">
+            <a:normAutofit/>
+          </a:bodyPr>
+          <a:p>
+            <a:endParaRPr b="0" lang="en-US" sz="3200" spc="-1" strike="noStrike">
+              <a:latin typeface="Arial"/>
+            </a:endParaRPr>
+          </a:p>
+        </p:txBody>
+      </p:sp>
+      <p:sp>
+        <p:nvSpPr>
+          <p:cNvPr id="184" name="PlaceHolder 5"/>
+          <p:cNvSpPr>
+            <a:spLocks noGrp="1"/>
+          </p:cNvSpPr>
+          <p:nvPr>
+            <p:ph type="body"/>
+          </p:nvPr>
+        </p:nvSpPr>
+        <p:spPr>
+          <a:xfrm>
+            <a:off x="6231960" y="3682080"/>
+            <a:ext cx="5354280" cy="1896840"/>
+          </a:xfrm>
+          <a:prstGeom prst="rect">
+            <a:avLst/>
+          </a:prstGeom>
+        </p:spPr>
+        <p:txBody>
+          <a:bodyPr lIns="0" rIns="0" tIns="0" bIns="0">
+            <a:normAutofit/>
+          </a:bodyPr>
+          <a:p>
+            <a:endParaRPr b="0" lang="en-US" sz="3200" spc="-1" strike="noStrike">
+              <a:latin typeface="Arial"/>
+            </a:endParaRPr>
+          </a:p>
+        </p:txBody>
+      </p:sp>
+    </p:spTree>
+  </p:cSld>
+</p:sldLayout>
+</file>
+
+<file path=ppt/slideLayouts/slideLayout48.xml><?xml version="1.0" encoding="utf-8"?>
+<p:sldLayout xmlns:a="http://schemas.openxmlformats.org/drawingml/2006/main" xmlns:p="http://schemas.openxmlformats.org/presentationml/2006/main" xmlns:r="http://schemas.openxmlformats.org/officeDocument/2006/relationships" xmlns:p14="http://schemas.microsoft.com/office/powerpoint/2010/main" xmlns:p15="http://schemas.microsoft.com/office/powerpoint/2012/main" xmlns:mc="http://schemas.openxmlformats.org/markup-compatibility/2006" type="blank" preserve="1">
+  <p:cSld name="Title, 6 Content">
+    <p:spTree>
+      <p:nvGrpSpPr>
+        <p:cNvPr id="1" name=""/>
+        <p:cNvGrpSpPr/>
+        <p:nvPr/>
+      </p:nvGrpSpPr>
+      <p:grpSpPr>
+        <a:xfrm>
+          <a:off x="0" y="0"/>
+          <a:ext cx="0" cy="0"/>
+          <a:chOff x="0" y="0"/>
+          <a:chExt cx="0" cy="0"/>
+        </a:xfrm>
+      </p:grpSpPr>
+      <p:sp>
+        <p:nvSpPr>
+          <p:cNvPr id="185" name="PlaceHolder 1"/>
+          <p:cNvSpPr>
+            <a:spLocks noGrp="1"/>
+          </p:cNvSpPr>
+          <p:nvPr>
+            <p:ph type="title"/>
+          </p:nvPr>
+        </p:nvSpPr>
+        <p:spPr>
+          <a:xfrm>
+            <a:off x="609480" y="221040"/>
+            <a:ext cx="10972440" cy="1250280"/>
+          </a:xfrm>
+          <a:prstGeom prst="rect">
+            <a:avLst/>
+          </a:prstGeom>
+        </p:spPr>
+        <p:txBody>
+          <a:bodyPr lIns="0" rIns="0" tIns="0" bIns="0" anchor="ctr"/>
+          <a:p>
+            <a:pPr algn="ctr"/>
+            <a:endParaRPr b="0" lang="en-US" sz="4400" spc="-1" strike="noStrike">
+              <a:latin typeface="Arial"/>
+            </a:endParaRPr>
+          </a:p>
+        </p:txBody>
+      </p:sp>
+      <p:sp>
+        <p:nvSpPr>
+          <p:cNvPr id="186" name="PlaceHolder 2"/>
+          <p:cNvSpPr>
+            <a:spLocks noGrp="1"/>
+          </p:cNvSpPr>
+          <p:nvPr>
+            <p:ph type="body"/>
+          </p:nvPr>
+        </p:nvSpPr>
+        <p:spPr>
+          <a:xfrm>
+            <a:off x="609480" y="1604520"/>
+            <a:ext cx="3533040" cy="1896840"/>
+          </a:xfrm>
+          <a:prstGeom prst="rect">
+            <a:avLst/>
+          </a:prstGeom>
+        </p:spPr>
+        <p:txBody>
+          <a:bodyPr lIns="0" rIns="0" tIns="0" bIns="0">
+            <a:normAutofit/>
+          </a:bodyPr>
+          <a:p>
+            <a:endParaRPr b="0" lang="en-US" sz="3200" spc="-1" strike="noStrike">
+              <a:latin typeface="Arial"/>
+            </a:endParaRPr>
+          </a:p>
+        </p:txBody>
+      </p:sp>
+      <p:sp>
+        <p:nvSpPr>
+          <p:cNvPr id="187" name="PlaceHolder 3"/>
+          <p:cNvSpPr>
+            <a:spLocks noGrp="1"/>
+          </p:cNvSpPr>
+          <p:nvPr>
+            <p:ph type="body"/>
+          </p:nvPr>
+        </p:nvSpPr>
+        <p:spPr>
+          <a:xfrm>
+            <a:off x="4319640" y="1604520"/>
+            <a:ext cx="3533040" cy="1896840"/>
+          </a:xfrm>
+          <a:prstGeom prst="rect">
+            <a:avLst/>
+          </a:prstGeom>
+        </p:spPr>
+        <p:txBody>
+          <a:bodyPr lIns="0" rIns="0" tIns="0" bIns="0">
+            <a:normAutofit/>
+          </a:bodyPr>
+          <a:p>
+            <a:endParaRPr b="0" lang="en-US" sz="3200" spc="-1" strike="noStrike">
+              <a:latin typeface="Arial"/>
+            </a:endParaRPr>
+          </a:p>
+        </p:txBody>
+      </p:sp>
+      <p:sp>
+        <p:nvSpPr>
+          <p:cNvPr id="188" name="PlaceHolder 4"/>
+          <p:cNvSpPr>
+            <a:spLocks noGrp="1"/>
+          </p:cNvSpPr>
+          <p:nvPr>
+            <p:ph type="body"/>
+          </p:nvPr>
+        </p:nvSpPr>
+        <p:spPr>
+          <a:xfrm>
+            <a:off x="8029800" y="1604520"/>
+            <a:ext cx="3533040" cy="1896840"/>
+          </a:xfrm>
+          <a:prstGeom prst="rect">
+            <a:avLst/>
+          </a:prstGeom>
+        </p:spPr>
+        <p:txBody>
+          <a:bodyPr lIns="0" rIns="0" tIns="0" bIns="0">
+            <a:normAutofit/>
+          </a:bodyPr>
+          <a:p>
+            <a:endParaRPr b="0" lang="en-US" sz="3200" spc="-1" strike="noStrike">
+              <a:latin typeface="Arial"/>
+            </a:endParaRPr>
+          </a:p>
+        </p:txBody>
+      </p:sp>
+      <p:sp>
+        <p:nvSpPr>
+          <p:cNvPr id="189" name="PlaceHolder 5"/>
+          <p:cNvSpPr>
+            <a:spLocks noGrp="1"/>
+          </p:cNvSpPr>
+          <p:nvPr>
+            <p:ph type="body"/>
+          </p:nvPr>
+        </p:nvSpPr>
+        <p:spPr>
+          <a:xfrm>
+            <a:off x="609480" y="3682080"/>
+            <a:ext cx="3533040" cy="1896840"/>
+          </a:xfrm>
+          <a:prstGeom prst="rect">
+            <a:avLst/>
+          </a:prstGeom>
+        </p:spPr>
+        <p:txBody>
+          <a:bodyPr lIns="0" rIns="0" tIns="0" bIns="0">
+            <a:normAutofit/>
+          </a:bodyPr>
+          <a:p>
+            <a:endParaRPr b="0" lang="en-US" sz="3200" spc="-1" strike="noStrike">
+              <a:latin typeface="Arial"/>
+            </a:endParaRPr>
+          </a:p>
+        </p:txBody>
+      </p:sp>
+      <p:sp>
+        <p:nvSpPr>
+          <p:cNvPr id="190" name="PlaceHolder 6"/>
+          <p:cNvSpPr>
+            <a:spLocks noGrp="1"/>
+          </p:cNvSpPr>
+          <p:nvPr>
+            <p:ph type="body"/>
+          </p:nvPr>
+        </p:nvSpPr>
+        <p:spPr>
+          <a:xfrm>
+            <a:off x="4319640" y="3682080"/>
+            <a:ext cx="3533040" cy="1896840"/>
+          </a:xfrm>
+          <a:prstGeom prst="rect">
+            <a:avLst/>
+          </a:prstGeom>
+        </p:spPr>
+        <p:txBody>
+          <a:bodyPr lIns="0" rIns="0" tIns="0" bIns="0">
+            <a:normAutofit/>
+          </a:bodyPr>
+          <a:p>
+            <a:endParaRPr b="0" lang="en-US" sz="3200" spc="-1" strike="noStrike">
+              <a:latin typeface="Arial"/>
+            </a:endParaRPr>
+          </a:p>
+        </p:txBody>
+      </p:sp>
+      <p:sp>
+        <p:nvSpPr>
+          <p:cNvPr id="191" name="PlaceHolder 7"/>
+          <p:cNvSpPr>
+            <a:spLocks noGrp="1"/>
+          </p:cNvSpPr>
+          <p:nvPr>
+            <p:ph type="body"/>
+          </p:nvPr>
+        </p:nvSpPr>
+        <p:spPr>
+          <a:xfrm>
+            <a:off x="8029800" y="3682080"/>
+            <a:ext cx="3533040" cy="1896840"/>
           </a:xfrm>
           <a:prstGeom prst="rect">
             <a:avLst/>
@@ -4058,9 +5392,9 @@
         <p:grpSpPr>
           <a:xfrm>
             <a:off x="150840" y="0"/>
-            <a:ext cx="2436120" cy="6857280"/>
+            <a:ext cx="2435760" cy="6856920"/>
             <a:chOff x="150840" y="0"/>
-            <a:chExt cx="2436120" cy="6857280"/>
+            <a:chExt cx="2435760" cy="6856920"/>
           </a:xfrm>
         </p:grpSpPr>
         <p:sp>
@@ -4072,7 +5406,7 @@
           <p:spPr>
             <a:xfrm>
               <a:off x="457200" y="0"/>
-              <a:ext cx="1121760" cy="5328360"/>
+              <a:ext cx="1121400" cy="5328000"/>
             </a:xfrm>
             <a:custGeom>
               <a:avLst/>
@@ -4123,7 +5457,7 @@
           <p:spPr>
             <a:xfrm>
               <a:off x="150840" y="0"/>
-              <a:ext cx="1116720" cy="5276160"/>
+              <a:ext cx="1116360" cy="5275800"/>
             </a:xfrm>
             <a:custGeom>
               <a:avLst/>
@@ -4177,7 +5511,7 @@
           <p:spPr>
             <a:xfrm>
               <a:off x="150840" y="5238720"/>
-              <a:ext cx="1227960" cy="1618560"/>
+              <a:ext cx="1227600" cy="1618200"/>
             </a:xfrm>
             <a:custGeom>
               <a:avLst/>
@@ -4228,7 +5562,7 @@
           <p:spPr>
             <a:xfrm>
               <a:off x="457200" y="5291280"/>
-              <a:ext cx="1494720" cy="1566000"/>
+              <a:ext cx="1494360" cy="1565640"/>
             </a:xfrm>
             <a:custGeom>
               <a:avLst/>
@@ -4278,7 +5612,7 @@
           <p:spPr>
             <a:xfrm>
               <a:off x="457200" y="5286240"/>
-              <a:ext cx="2129760" cy="1571040"/>
+              <a:ext cx="2129400" cy="1570680"/>
             </a:xfrm>
             <a:custGeom>
               <a:avLst/>
@@ -4334,7 +5668,7 @@
           <p:spPr>
             <a:xfrm>
               <a:off x="150840" y="5238720"/>
-              <a:ext cx="1694880" cy="1618560"/>
+              <a:ext cx="1694520" cy="1618200"/>
             </a:xfrm>
             <a:custGeom>
               <a:avLst/>
@@ -4404,9 +5738,9 @@
         <p:grpSpPr>
           <a:xfrm>
             <a:off x="546120" y="-4680"/>
-            <a:ext cx="5014080" cy="6861960"/>
+            <a:ext cx="5013720" cy="6861600"/>
             <a:chOff x="546120" y="-4680"/>
-            <a:chExt cx="5014080" cy="6861960"/>
+            <a:chExt cx="5013720" cy="6861600"/>
           </a:xfrm>
         </p:grpSpPr>
         <p:sp>
@@ -4418,7 +5752,7 @@
           <p:spPr>
             <a:xfrm>
               <a:off x="984240" y="-4680"/>
-              <a:ext cx="1063080" cy="2782080"/>
+              <a:ext cx="1062720" cy="2781720"/>
             </a:xfrm>
             <a:custGeom>
               <a:avLst/>
@@ -4469,7 +5803,7 @@
           <p:spPr>
             <a:xfrm>
               <a:off x="546120" y="-4680"/>
-              <a:ext cx="1034280" cy="2672640"/>
+              <a:ext cx="1033920" cy="2672280"/>
             </a:xfrm>
             <a:custGeom>
               <a:avLst/>
@@ -4526,7 +5860,7 @@
           <p:spPr>
             <a:xfrm>
               <a:off x="546120" y="2583000"/>
-              <a:ext cx="2693160" cy="4274280"/>
+              <a:ext cx="2692800" cy="4273920"/>
             </a:xfrm>
             <a:custGeom>
               <a:avLst/>
@@ -4577,7 +5911,7 @@
           <p:spPr>
             <a:xfrm>
               <a:off x="988920" y="2692440"/>
-              <a:ext cx="3331440" cy="4164840"/>
+              <a:ext cx="3331080" cy="4164480"/>
             </a:xfrm>
             <a:custGeom>
               <a:avLst/>
@@ -4627,7 +5961,7 @@
           <p:spPr>
             <a:xfrm>
               <a:off x="984240" y="2687760"/>
-              <a:ext cx="4575960" cy="4169520"/>
+              <a:ext cx="4575600" cy="4169160"/>
             </a:xfrm>
             <a:custGeom>
               <a:avLst/>
@@ -4683,7 +6017,7 @@
           <p:spPr>
             <a:xfrm>
               <a:off x="546120" y="2577960"/>
-              <a:ext cx="3583800" cy="4279320"/>
+              <a:ext cx="3583440" cy="4278960"/>
             </a:xfrm>
             <a:custGeom>
               <a:avLst/>
@@ -4750,8 +6084,8 @@
         </p:nvSpPr>
         <p:spPr>
           <a:xfrm>
-            <a:off x="1484280" y="685800"/>
-            <a:ext cx="10018080" cy="1751760"/>
+            <a:off x="609480" y="221040"/>
+            <a:ext cx="10972080" cy="1249920"/>
           </a:xfrm>
           <a:prstGeom prst="rect">
             <a:avLst/>
@@ -4785,7 +6119,7 @@
         <p:spPr>
           <a:xfrm>
             <a:off x="609480" y="1604520"/>
-            <a:ext cx="10972440" cy="3977280"/>
+            <a:ext cx="10972080" cy="3976920"/>
           </a:xfrm>
           <a:prstGeom prst="rect">
             <a:avLst/>
@@ -4808,12 +6142,12 @@
               <a:buChar char=""/>
             </a:pPr>
             <a:r>
-              <a:rPr b="0" lang="en-US" sz="3200" spc="-1" strike="noStrike">
+              <a:rPr b="0" lang="en-US" sz="1800" spc="-1" strike="noStrike">
                 <a:latin typeface="Arial"/>
               </a:rPr>
               <a:t>Для правки структуры щёлкните мышью</a:t>
             </a:r>
-            <a:endParaRPr b="0" lang="en-US" sz="3200" spc="-1" strike="noStrike">
+            <a:endParaRPr b="0" lang="en-US" sz="1800" spc="-1" strike="noStrike">
               <a:latin typeface="Arial"/>
             </a:endParaRPr>
           </a:p>
@@ -4830,12 +6164,12 @@
               <a:buChar char=""/>
             </a:pPr>
             <a:r>
-              <a:rPr b="0" lang="en-US" sz="2800" spc="-1" strike="noStrike">
+              <a:rPr b="0" lang="en-US" sz="1800" spc="-1" strike="noStrike">
                 <a:latin typeface="Arial"/>
               </a:rPr>
               <a:t>Второй уровень структуры</a:t>
             </a:r>
-            <a:endParaRPr b="0" lang="en-US" sz="2800" spc="-1" strike="noStrike">
+            <a:endParaRPr b="0" lang="en-US" sz="1800" spc="-1" strike="noStrike">
               <a:latin typeface="Arial"/>
             </a:endParaRPr>
           </a:p>
@@ -4852,12 +6186,12 @@
               <a:buChar char=""/>
             </a:pPr>
             <a:r>
-              <a:rPr b="0" lang="en-US" sz="2400" spc="-1" strike="noStrike">
+              <a:rPr b="0" lang="en-US" sz="1800" spc="-1" strike="noStrike">
                 <a:latin typeface="Arial"/>
               </a:rPr>
               <a:t>Третий уровень структуры</a:t>
             </a:r>
-            <a:endParaRPr b="0" lang="en-US" sz="2400" spc="-1" strike="noStrike">
+            <a:endParaRPr b="0" lang="en-US" sz="1800" spc="-1" strike="noStrike">
               <a:latin typeface="Arial"/>
             </a:endParaRPr>
           </a:p>
@@ -4874,12 +6208,12 @@
               <a:buChar char=""/>
             </a:pPr>
             <a:r>
-              <a:rPr b="0" lang="en-US" sz="2000" spc="-1" strike="noStrike">
+              <a:rPr b="0" lang="en-US" sz="1800" spc="-1" strike="noStrike">
                 <a:latin typeface="Arial"/>
               </a:rPr>
               <a:t>Четвёртый уровень структуры</a:t>
             </a:r>
-            <a:endParaRPr b="0" lang="en-US" sz="2000" spc="-1" strike="noStrike">
+            <a:endParaRPr b="0" lang="en-US" sz="1800" spc="-1" strike="noStrike">
               <a:latin typeface="Arial"/>
             </a:endParaRPr>
           </a:p>
@@ -4896,12 +6230,12 @@
               <a:buChar char=""/>
             </a:pPr>
             <a:r>
-              <a:rPr b="0" lang="en-US" sz="2000" spc="-1" strike="noStrike">
+              <a:rPr b="0" lang="en-US" sz="1800" spc="-1" strike="noStrike">
                 <a:latin typeface="Arial"/>
               </a:rPr>
               <a:t>Пятый уровень структуры</a:t>
             </a:r>
-            <a:endParaRPr b="0" lang="en-US" sz="2000" spc="-1" strike="noStrike">
+            <a:endParaRPr b="0" lang="en-US" sz="1800" spc="-1" strike="noStrike">
               <a:latin typeface="Arial"/>
             </a:endParaRPr>
           </a:p>
@@ -4918,12 +6252,12 @@
               <a:buChar char=""/>
             </a:pPr>
             <a:r>
-              <a:rPr b="0" lang="en-US" sz="2000" spc="-1" strike="noStrike">
+              <a:rPr b="0" lang="en-US" sz="1800" spc="-1" strike="noStrike">
                 <a:latin typeface="Arial"/>
               </a:rPr>
               <a:t>Шестой уровень структуры</a:t>
             </a:r>
-            <a:endParaRPr b="0" lang="en-US" sz="2000" spc="-1" strike="noStrike">
+            <a:endParaRPr b="0" lang="en-US" sz="1800" spc="-1" strike="noStrike">
               <a:latin typeface="Arial"/>
             </a:endParaRPr>
           </a:p>
@@ -4940,12 +6274,12 @@
               <a:buChar char=""/>
             </a:pPr>
             <a:r>
-              <a:rPr b="0" lang="en-US" sz="2000" spc="-1" strike="noStrike">
+              <a:rPr b="0" lang="en-US" sz="1800" spc="-1" strike="noStrike">
                 <a:latin typeface="Arial"/>
               </a:rPr>
               <a:t>Седьмой уровень структуры</a:t>
             </a:r>
-            <a:endParaRPr b="0" lang="en-US" sz="2000" spc="-1" strike="noStrike">
+            <a:endParaRPr b="0" lang="en-US" sz="1800" spc="-1" strike="noStrike">
               <a:latin typeface="Arial"/>
             </a:endParaRPr>
           </a:p>
@@ -5007,9 +6341,9 @@
         <p:grpSpPr>
           <a:xfrm>
             <a:off x="150840" y="0"/>
-            <a:ext cx="2436120" cy="6857280"/>
+            <a:ext cx="2435760" cy="6856920"/>
             <a:chOff x="150840" y="0"/>
-            <a:chExt cx="2436120" cy="6857280"/>
+            <a:chExt cx="2435760" cy="6856920"/>
           </a:xfrm>
         </p:grpSpPr>
         <p:sp>
@@ -5021,7 +6355,7 @@
           <p:spPr>
             <a:xfrm>
               <a:off x="457200" y="0"/>
-              <a:ext cx="1121760" cy="5328360"/>
+              <a:ext cx="1121400" cy="5328000"/>
             </a:xfrm>
             <a:custGeom>
               <a:avLst/>
@@ -5072,7 +6406,7 @@
           <p:spPr>
             <a:xfrm>
               <a:off x="150840" y="0"/>
-              <a:ext cx="1116720" cy="5276160"/>
+              <a:ext cx="1116360" cy="5275800"/>
             </a:xfrm>
             <a:custGeom>
               <a:avLst/>
@@ -5126,7 +6460,7 @@
           <p:spPr>
             <a:xfrm>
               <a:off x="150840" y="5238720"/>
-              <a:ext cx="1227960" cy="1618560"/>
+              <a:ext cx="1227600" cy="1618200"/>
             </a:xfrm>
             <a:custGeom>
               <a:avLst/>
@@ -5177,7 +6511,7 @@
           <p:spPr>
             <a:xfrm>
               <a:off x="457200" y="5291280"/>
-              <a:ext cx="1494720" cy="1566000"/>
+              <a:ext cx="1494360" cy="1565640"/>
             </a:xfrm>
             <a:custGeom>
               <a:avLst/>
@@ -5227,7 +6561,7 @@
           <p:spPr>
             <a:xfrm>
               <a:off x="457200" y="5286240"/>
-              <a:ext cx="2129760" cy="1571040"/>
+              <a:ext cx="2129400" cy="1570680"/>
             </a:xfrm>
             <a:custGeom>
               <a:avLst/>
@@ -5283,7 +6617,7 @@
           <p:spPr>
             <a:xfrm>
               <a:off x="150840" y="5238720"/>
-              <a:ext cx="1694880" cy="1618560"/>
+              <a:ext cx="1694520" cy="1618200"/>
             </a:xfrm>
             <a:custGeom>
               <a:avLst/>
@@ -5614,9 +6948,9 @@
         <p:grpSpPr>
           <a:xfrm>
             <a:off x="150840" y="0"/>
-            <a:ext cx="2436120" cy="6857280"/>
+            <a:ext cx="2435760" cy="6856920"/>
             <a:chOff x="150840" y="0"/>
-            <a:chExt cx="2436120" cy="6857280"/>
+            <a:chExt cx="2435760" cy="6856920"/>
           </a:xfrm>
         </p:grpSpPr>
         <p:sp>
@@ -5628,7 +6962,7 @@
           <p:spPr>
             <a:xfrm>
               <a:off x="457200" y="0"/>
-              <a:ext cx="1121760" cy="5328360"/>
+              <a:ext cx="1121400" cy="5328000"/>
             </a:xfrm>
             <a:custGeom>
               <a:avLst/>
@@ -5679,7 +7013,7 @@
           <p:spPr>
             <a:xfrm>
               <a:off x="150840" y="0"/>
-              <a:ext cx="1116720" cy="5276160"/>
+              <a:ext cx="1116360" cy="5275800"/>
             </a:xfrm>
             <a:custGeom>
               <a:avLst/>
@@ -5733,7 +7067,7 @@
           <p:spPr>
             <a:xfrm>
               <a:off x="150840" y="5238720"/>
-              <a:ext cx="1227960" cy="1618560"/>
+              <a:ext cx="1227600" cy="1618200"/>
             </a:xfrm>
             <a:custGeom>
               <a:avLst/>
@@ -5784,7 +7118,7 @@
           <p:spPr>
             <a:xfrm>
               <a:off x="457200" y="5291280"/>
-              <a:ext cx="1494720" cy="1566000"/>
+              <a:ext cx="1494360" cy="1565640"/>
             </a:xfrm>
             <a:custGeom>
               <a:avLst/>
@@ -5834,7 +7168,7 @@
           <p:spPr>
             <a:xfrm>
               <a:off x="457200" y="5286240"/>
-              <a:ext cx="2129760" cy="1571040"/>
+              <a:ext cx="2129400" cy="1570680"/>
             </a:xfrm>
             <a:custGeom>
               <a:avLst/>
@@ -5890,7 +7224,7 @@
           <p:spPr>
             <a:xfrm>
               <a:off x="150840" y="5238720"/>
-              <a:ext cx="1694880" cy="1618560"/>
+              <a:ext cx="1694520" cy="1618200"/>
             </a:xfrm>
             <a:custGeom>
               <a:avLst/>
@@ -6185,6 +7519,1507 @@
 </p:sldMaster>
 </file>
 
+<file path=ppt/slideMasters/slideMaster4.xml><?xml version="1.0" encoding="utf-8"?>
+<p:sldMaster xmlns:a="http://schemas.openxmlformats.org/drawingml/2006/main" xmlns:p="http://schemas.openxmlformats.org/presentationml/2006/main" xmlns:r="http://schemas.openxmlformats.org/officeDocument/2006/relationships" xmlns:p14="http://schemas.microsoft.com/office/powerpoint/2010/main" xmlns:p15="http://schemas.microsoft.com/office/powerpoint/2012/main" xmlns:mc="http://schemas.openxmlformats.org/markup-compatibility/2006">
+  <p:cSld>
+    <p:bg>
+      <p:bgPr>
+        <a:blipFill rotWithShape="0">
+          <a:blip r:embed="rId2"/>
+          <a:stretch>
+            <a:fillRect/>
+          </a:stretch>
+        </a:blipFill>
+      </p:bgPr>
+    </p:bg>
+    <p:spTree>
+      <p:nvGrpSpPr>
+        <p:cNvPr id="1" name=""/>
+        <p:cNvGrpSpPr/>
+        <p:nvPr/>
+      </p:nvGrpSpPr>
+      <p:grpSpPr>
+        <a:xfrm>
+          <a:off x="0" y="0"/>
+          <a:ext cx="0" cy="0"/>
+          <a:chOff x="0" y="0"/>
+          <a:chExt cx="0" cy="0"/>
+        </a:xfrm>
+      </p:grpSpPr>
+      <p:grpSp>
+        <p:nvGrpSpPr>
+          <p:cNvPr id="142" name="Group 1"/>
+          <p:cNvGrpSpPr/>
+          <p:nvPr/>
+        </p:nvGrpSpPr>
+        <p:grpSpPr>
+          <a:xfrm>
+            <a:off x="150840" y="0"/>
+            <a:ext cx="2435760" cy="6856920"/>
+            <a:chOff x="150840" y="0"/>
+            <a:chExt cx="2435760" cy="6856920"/>
+          </a:xfrm>
+        </p:grpSpPr>
+        <p:sp>
+          <p:nvSpPr>
+            <p:cNvPr id="143" name="CustomShape 2"/>
+            <p:cNvSpPr/>
+            <p:nvPr/>
+          </p:nvSpPr>
+          <p:spPr>
+            <a:xfrm>
+              <a:off x="457200" y="0"/>
+              <a:ext cx="1121400" cy="5328000"/>
+            </a:xfrm>
+            <a:custGeom>
+              <a:avLst/>
+              <a:gdLst/>
+              <a:ahLst/>
+              <a:rect l="l" t="t" r="r" b="b"/>
+              <a:pathLst>
+                <a:path w="707" h="3357">
+                  <a:moveTo>
+                    <a:pt x="0" y="3330"/>
+                  </a:moveTo>
+                  <a:lnTo>
+                    <a:pt x="156" y="3357"/>
+                  </a:lnTo>
+                  <a:lnTo>
+                    <a:pt x="707" y="0"/>
+                  </a:lnTo>
+                  <a:lnTo>
+                    <a:pt x="547" y="0"/>
+                  </a:lnTo>
+                  <a:lnTo>
+                    <a:pt x="0" y="3330"/>
+                  </a:lnTo>
+                  <a:close/>
+                </a:path>
+              </a:pathLst>
+            </a:custGeom>
+            <a:solidFill>
+              <a:schemeClr val="accent1"/>
+            </a:solidFill>
+            <a:ln>
+              <a:noFill/>
+            </a:ln>
+          </p:spPr>
+          <p:style>
+            <a:lnRef idx="0"/>
+            <a:fillRef idx="0"/>
+            <a:effectRef idx="0"/>
+            <a:fontRef idx="minor"/>
+          </p:style>
+        </p:sp>
+        <p:sp>
+          <p:nvSpPr>
+            <p:cNvPr id="144" name="CustomShape 3"/>
+            <p:cNvSpPr/>
+            <p:nvPr/>
+          </p:nvSpPr>
+          <p:spPr>
+            <a:xfrm>
+              <a:off x="150840" y="0"/>
+              <a:ext cx="1116360" cy="5275800"/>
+            </a:xfrm>
+            <a:custGeom>
+              <a:avLst/>
+              <a:gdLst/>
+              <a:ahLst/>
+              <a:rect l="l" t="t" r="r" b="b"/>
+              <a:pathLst>
+                <a:path w="704" h="3324">
+                  <a:moveTo>
+                    <a:pt x="704" y="0"/>
+                  </a:moveTo>
+                  <a:lnTo>
+                    <a:pt x="545" y="0"/>
+                  </a:lnTo>
+                  <a:lnTo>
+                    <a:pt x="0" y="3300"/>
+                  </a:lnTo>
+                  <a:lnTo>
+                    <a:pt x="157" y="3324"/>
+                  </a:lnTo>
+                  <a:lnTo>
+                    <a:pt x="704" y="0"/>
+                  </a:lnTo>
+                  <a:close/>
+                </a:path>
+              </a:pathLst>
+            </a:custGeom>
+            <a:solidFill>
+              <a:schemeClr val="tx1">
+                <a:lumMod val="65000"/>
+                <a:lumOff val="35000"/>
+              </a:schemeClr>
+            </a:solidFill>
+            <a:ln>
+              <a:noFill/>
+            </a:ln>
+          </p:spPr>
+          <p:style>
+            <a:lnRef idx="0"/>
+            <a:fillRef idx="0"/>
+            <a:effectRef idx="0"/>
+            <a:fontRef idx="minor"/>
+          </p:style>
+        </p:sp>
+        <p:sp>
+          <p:nvSpPr>
+            <p:cNvPr id="145" name="CustomShape 4"/>
+            <p:cNvSpPr/>
+            <p:nvPr/>
+          </p:nvSpPr>
+          <p:spPr>
+            <a:xfrm>
+              <a:off x="150840" y="5238720"/>
+              <a:ext cx="1227600" cy="1618200"/>
+            </a:xfrm>
+            <a:custGeom>
+              <a:avLst/>
+              <a:gdLst/>
+              <a:ahLst/>
+              <a:rect l="l" t="t" r="r" b="b"/>
+              <a:pathLst>
+                <a:path w="774" h="1020">
+                  <a:moveTo>
+                    <a:pt x="0" y="0"/>
+                  </a:moveTo>
+                  <a:lnTo>
+                    <a:pt x="740" y="1020"/>
+                  </a:lnTo>
+                  <a:lnTo>
+                    <a:pt x="774" y="1020"/>
+                  </a:lnTo>
+                  <a:lnTo>
+                    <a:pt x="0" y="0"/>
+                  </a:lnTo>
+                  <a:close/>
+                </a:path>
+              </a:pathLst>
+            </a:custGeom>
+            <a:solidFill>
+              <a:schemeClr val="tx1">
+                <a:lumMod val="85000"/>
+                <a:lumOff val="15000"/>
+              </a:schemeClr>
+            </a:solidFill>
+            <a:ln>
+              <a:noFill/>
+            </a:ln>
+          </p:spPr>
+          <p:style>
+            <a:lnRef idx="0"/>
+            <a:fillRef idx="0"/>
+            <a:effectRef idx="0"/>
+            <a:fontRef idx="minor"/>
+          </p:style>
+        </p:sp>
+        <p:sp>
+          <p:nvSpPr>
+            <p:cNvPr id="146" name="CustomShape 5"/>
+            <p:cNvSpPr/>
+            <p:nvPr/>
+          </p:nvSpPr>
+          <p:spPr>
+            <a:xfrm>
+              <a:off x="457200" y="5291280"/>
+              <a:ext cx="1494360" cy="1565640"/>
+            </a:xfrm>
+            <a:custGeom>
+              <a:avLst/>
+              <a:gdLst/>
+              <a:ahLst/>
+              <a:rect l="l" t="t" r="r" b="b"/>
+              <a:pathLst>
+                <a:path w="942" h="987">
+                  <a:moveTo>
+                    <a:pt x="0" y="0"/>
+                  </a:moveTo>
+                  <a:lnTo>
+                    <a:pt x="909" y="987"/>
+                  </a:lnTo>
+                  <a:lnTo>
+                    <a:pt x="942" y="987"/>
+                  </a:lnTo>
+                  <a:lnTo>
+                    <a:pt x="0" y="0"/>
+                  </a:lnTo>
+                  <a:close/>
+                </a:path>
+              </a:pathLst>
+            </a:custGeom>
+            <a:solidFill>
+              <a:schemeClr val="accent1">
+                <a:lumMod val="50000"/>
+              </a:schemeClr>
+            </a:solidFill>
+            <a:ln>
+              <a:noFill/>
+            </a:ln>
+          </p:spPr>
+          <p:style>
+            <a:lnRef idx="0"/>
+            <a:fillRef idx="0"/>
+            <a:effectRef idx="0"/>
+            <a:fontRef idx="minor"/>
+          </p:style>
+        </p:sp>
+        <p:sp>
+          <p:nvSpPr>
+            <p:cNvPr id="147" name="CustomShape 6"/>
+            <p:cNvSpPr/>
+            <p:nvPr/>
+          </p:nvSpPr>
+          <p:spPr>
+            <a:xfrm>
+              <a:off x="457200" y="5286240"/>
+              <a:ext cx="2129400" cy="1570680"/>
+            </a:xfrm>
+            <a:custGeom>
+              <a:avLst/>
+              <a:gdLst/>
+              <a:ahLst/>
+              <a:rect l="l" t="t" r="r" b="b"/>
+              <a:pathLst>
+                <a:path w="1342" h="990">
+                  <a:moveTo>
+                    <a:pt x="0" y="3"/>
+                  </a:moveTo>
+                  <a:lnTo>
+                    <a:pt x="942" y="990"/>
+                  </a:lnTo>
+                  <a:lnTo>
+                    <a:pt x="1342" y="990"/>
+                  </a:lnTo>
+                  <a:lnTo>
+                    <a:pt x="156" y="27"/>
+                  </a:lnTo>
+                  <a:lnTo>
+                    <a:pt x="0" y="0"/>
+                  </a:lnTo>
+                  <a:lnTo>
+                    <a:pt x="0" y="3"/>
+                  </a:lnTo>
+                  <a:close/>
+                </a:path>
+              </a:pathLst>
+            </a:custGeom>
+            <a:solidFill>
+              <a:schemeClr val="accent1">
+                <a:lumMod val="75000"/>
+              </a:schemeClr>
+            </a:solidFill>
+            <a:ln>
+              <a:noFill/>
+            </a:ln>
+          </p:spPr>
+          <p:style>
+            <a:lnRef idx="0"/>
+            <a:fillRef idx="0"/>
+            <a:effectRef idx="0"/>
+            <a:fontRef idx="minor"/>
+          </p:style>
+        </p:sp>
+        <p:sp>
+          <p:nvSpPr>
+            <p:cNvPr id="148" name="CustomShape 7"/>
+            <p:cNvSpPr/>
+            <p:nvPr/>
+          </p:nvSpPr>
+          <p:spPr>
+            <a:xfrm>
+              <a:off x="150840" y="5238720"/>
+              <a:ext cx="1694520" cy="1618200"/>
+            </a:xfrm>
+            <a:custGeom>
+              <a:avLst/>
+              <a:gdLst/>
+              <a:ahLst/>
+              <a:rect l="l" t="t" r="r" b="b"/>
+              <a:pathLst>
+                <a:path w="1068" h="1020">
+                  <a:moveTo>
+                    <a:pt x="1068" y="1020"/>
+                  </a:moveTo>
+                  <a:lnTo>
+                    <a:pt x="184" y="60"/>
+                  </a:lnTo>
+                  <a:lnTo>
+                    <a:pt x="154" y="27"/>
+                  </a:lnTo>
+                  <a:lnTo>
+                    <a:pt x="157" y="27"/>
+                  </a:lnTo>
+                  <a:lnTo>
+                    <a:pt x="157" y="24"/>
+                  </a:lnTo>
+                  <a:lnTo>
+                    <a:pt x="154" y="24"/>
+                  </a:lnTo>
+                  <a:lnTo>
+                    <a:pt x="0" y="0"/>
+                  </a:lnTo>
+                  <a:lnTo>
+                    <a:pt x="0" y="0"/>
+                  </a:lnTo>
+                  <a:lnTo>
+                    <a:pt x="774" y="1020"/>
+                  </a:lnTo>
+                  <a:lnTo>
+                    <a:pt x="1068" y="1020"/>
+                  </a:lnTo>
+                  <a:close/>
+                </a:path>
+              </a:pathLst>
+            </a:custGeom>
+            <a:solidFill>
+              <a:schemeClr val="tx1">
+                <a:lumMod val="75000"/>
+                <a:lumOff val="25000"/>
+              </a:schemeClr>
+            </a:solidFill>
+            <a:ln>
+              <a:noFill/>
+            </a:ln>
+          </p:spPr>
+          <p:style>
+            <a:lnRef idx="0"/>
+            <a:fillRef idx="0"/>
+            <a:effectRef idx="0"/>
+            <a:fontRef idx="minor"/>
+          </p:style>
+        </p:sp>
+      </p:grpSp>
+      <p:sp>
+        <p:nvSpPr>
+          <p:cNvPr id="149" name="PlaceHolder 8"/>
+          <p:cNvSpPr>
+            <a:spLocks noGrp="1"/>
+          </p:cNvSpPr>
+          <p:nvPr>
+            <p:ph type="title"/>
+          </p:nvPr>
+        </p:nvSpPr>
+        <p:spPr>
+          <a:xfrm>
+            <a:off x="609480" y="221040"/>
+            <a:ext cx="10972080" cy="1249920"/>
+          </a:xfrm>
+          <a:prstGeom prst="rect">
+            <a:avLst/>
+          </a:prstGeom>
+        </p:spPr>
+        <p:txBody>
+          <a:bodyPr lIns="0" rIns="0" tIns="0" bIns="0" anchor="ctr"/>
+          <a:p>
+            <a:r>
+              <a:rPr b="0" lang="en-US" sz="1800" spc="-1" strike="noStrike">
+                <a:latin typeface="Arial"/>
+              </a:rPr>
+              <a:t>Для правки текста заглавия щёлкните мышью</a:t>
+            </a:r>
+            <a:endParaRPr b="0" lang="en-US" sz="1800" spc="-1" strike="noStrike">
+              <a:latin typeface="Arial"/>
+            </a:endParaRPr>
+          </a:p>
+        </p:txBody>
+      </p:sp>
+      <p:sp>
+        <p:nvSpPr>
+          <p:cNvPr id="150" name="PlaceHolder 9"/>
+          <p:cNvSpPr>
+            <a:spLocks noGrp="1"/>
+          </p:cNvSpPr>
+          <p:nvPr>
+            <p:ph type="body"/>
+          </p:nvPr>
+        </p:nvSpPr>
+        <p:spPr>
+          <a:xfrm>
+            <a:off x="609480" y="1604520"/>
+            <a:ext cx="3532680" cy="1896480"/>
+          </a:xfrm>
+          <a:prstGeom prst="rect">
+            <a:avLst/>
+          </a:prstGeom>
+        </p:spPr>
+        <p:txBody>
+          <a:bodyPr lIns="0" rIns="0" tIns="0" bIns="0">
+            <a:normAutofit fontScale="15000"/>
+          </a:bodyPr>
+          <a:p>
+            <a:pPr marL="432000" indent="-324000">
+              <a:spcBef>
+                <a:spcPts val="1417"/>
+              </a:spcBef>
+              <a:buClr>
+                <a:srgbClr val="000000"/>
+              </a:buClr>
+              <a:buSzPct val="45000"/>
+              <a:buFont typeface="Wingdings" charset="2"/>
+              <a:buChar char=""/>
+            </a:pPr>
+            <a:r>
+              <a:rPr b="0" lang="en-US" sz="1800" spc="-1" strike="noStrike">
+                <a:latin typeface="Arial"/>
+              </a:rPr>
+              <a:t>Для правки структуры щёлкните мышью</a:t>
+            </a:r>
+            <a:endParaRPr b="0" lang="en-US" sz="1800" spc="-1" strike="noStrike">
+              <a:latin typeface="Arial"/>
+            </a:endParaRPr>
+          </a:p>
+          <a:p>
+            <a:pPr lvl="1" marL="864000" indent="-324000">
+              <a:spcBef>
+                <a:spcPts val="1134"/>
+              </a:spcBef>
+              <a:buClr>
+                <a:srgbClr val="000000"/>
+              </a:buClr>
+              <a:buSzPct val="75000"/>
+              <a:buFont typeface="Symbol" charset="2"/>
+              <a:buChar char=""/>
+            </a:pPr>
+            <a:r>
+              <a:rPr b="0" lang="en-US" sz="1800" spc="-1" strike="noStrike">
+                <a:latin typeface="Arial"/>
+              </a:rPr>
+              <a:t>Второй уровень структуры</a:t>
+            </a:r>
+            <a:endParaRPr b="0" lang="en-US" sz="1800" spc="-1" strike="noStrike">
+              <a:latin typeface="Arial"/>
+            </a:endParaRPr>
+          </a:p>
+          <a:p>
+            <a:pPr lvl="2" marL="1296000" indent="-288000">
+              <a:spcBef>
+                <a:spcPts val="850"/>
+              </a:spcBef>
+              <a:buClr>
+                <a:srgbClr val="000000"/>
+              </a:buClr>
+              <a:buSzPct val="45000"/>
+              <a:buFont typeface="Wingdings" charset="2"/>
+              <a:buChar char=""/>
+            </a:pPr>
+            <a:r>
+              <a:rPr b="0" lang="en-US" sz="1800" spc="-1" strike="noStrike">
+                <a:latin typeface="Arial"/>
+              </a:rPr>
+              <a:t>Третий уровень структуры</a:t>
+            </a:r>
+            <a:endParaRPr b="0" lang="en-US" sz="1800" spc="-1" strike="noStrike">
+              <a:latin typeface="Arial"/>
+            </a:endParaRPr>
+          </a:p>
+          <a:p>
+            <a:pPr lvl="3" marL="1728000" indent="-216000">
+              <a:spcBef>
+                <a:spcPts val="567"/>
+              </a:spcBef>
+              <a:buClr>
+                <a:srgbClr val="000000"/>
+              </a:buClr>
+              <a:buSzPct val="75000"/>
+              <a:buFont typeface="Symbol" charset="2"/>
+              <a:buChar char=""/>
+            </a:pPr>
+            <a:r>
+              <a:rPr b="0" lang="en-US" sz="1800" spc="-1" strike="noStrike">
+                <a:latin typeface="Arial"/>
+              </a:rPr>
+              <a:t>Четвёртый уровень структуры</a:t>
+            </a:r>
+            <a:endParaRPr b="0" lang="en-US" sz="1800" spc="-1" strike="noStrike">
+              <a:latin typeface="Arial"/>
+            </a:endParaRPr>
+          </a:p>
+          <a:p>
+            <a:pPr lvl="4" marL="2160000" indent="-216000">
+              <a:spcBef>
+                <a:spcPts val="283"/>
+              </a:spcBef>
+              <a:buClr>
+                <a:srgbClr val="000000"/>
+              </a:buClr>
+              <a:buSzPct val="45000"/>
+              <a:buFont typeface="Wingdings" charset="2"/>
+              <a:buChar char=""/>
+            </a:pPr>
+            <a:r>
+              <a:rPr b="0" lang="en-US" sz="1800" spc="-1" strike="noStrike">
+                <a:latin typeface="Arial"/>
+              </a:rPr>
+              <a:t>Пятый уровень структуры</a:t>
+            </a:r>
+            <a:endParaRPr b="0" lang="en-US" sz="1800" spc="-1" strike="noStrike">
+              <a:latin typeface="Arial"/>
+            </a:endParaRPr>
+          </a:p>
+          <a:p>
+            <a:pPr lvl="5" marL="2592000" indent="-216000">
+              <a:spcBef>
+                <a:spcPts val="283"/>
+              </a:spcBef>
+              <a:buClr>
+                <a:srgbClr val="000000"/>
+              </a:buClr>
+              <a:buSzPct val="45000"/>
+              <a:buFont typeface="Wingdings" charset="2"/>
+              <a:buChar char=""/>
+            </a:pPr>
+            <a:r>
+              <a:rPr b="0" lang="en-US" sz="1800" spc="-1" strike="noStrike">
+                <a:latin typeface="Arial"/>
+              </a:rPr>
+              <a:t>Шестой уровень структуры</a:t>
+            </a:r>
+            <a:endParaRPr b="0" lang="en-US" sz="1800" spc="-1" strike="noStrike">
+              <a:latin typeface="Arial"/>
+            </a:endParaRPr>
+          </a:p>
+          <a:p>
+            <a:pPr lvl="6" marL="3024000" indent="-216000">
+              <a:spcBef>
+                <a:spcPts val="283"/>
+              </a:spcBef>
+              <a:buClr>
+                <a:srgbClr val="000000"/>
+              </a:buClr>
+              <a:buSzPct val="45000"/>
+              <a:buFont typeface="Wingdings" charset="2"/>
+              <a:buChar char=""/>
+            </a:pPr>
+            <a:r>
+              <a:rPr b="0" lang="en-US" sz="1800" spc="-1" strike="noStrike">
+                <a:latin typeface="Arial"/>
+              </a:rPr>
+              <a:t>Седьмой уровень структуры</a:t>
+            </a:r>
+            <a:endParaRPr b="0" lang="en-US" sz="1800" spc="-1" strike="noStrike">
+              <a:latin typeface="Arial"/>
+            </a:endParaRPr>
+          </a:p>
+        </p:txBody>
+      </p:sp>
+      <p:sp>
+        <p:nvSpPr>
+          <p:cNvPr id="151" name="PlaceHolder 10"/>
+          <p:cNvSpPr>
+            <a:spLocks noGrp="1"/>
+          </p:cNvSpPr>
+          <p:nvPr>
+            <p:ph type="body"/>
+          </p:nvPr>
+        </p:nvSpPr>
+        <p:spPr>
+          <a:xfrm>
+            <a:off x="4319640" y="1604520"/>
+            <a:ext cx="3532680" cy="1896480"/>
+          </a:xfrm>
+          <a:prstGeom prst="rect">
+            <a:avLst/>
+          </a:prstGeom>
+        </p:spPr>
+        <p:txBody>
+          <a:bodyPr lIns="0" rIns="0" tIns="0" bIns="0">
+            <a:normAutofit fontScale="15000"/>
+          </a:bodyPr>
+          <a:p>
+            <a:pPr marL="432000" indent="-324000">
+              <a:spcBef>
+                <a:spcPts val="1417"/>
+              </a:spcBef>
+              <a:buClr>
+                <a:srgbClr val="000000"/>
+              </a:buClr>
+              <a:buSzPct val="45000"/>
+              <a:buFont typeface="Wingdings" charset="2"/>
+              <a:buChar char=""/>
+            </a:pPr>
+            <a:r>
+              <a:rPr b="0" lang="en-US" sz="1800" spc="-1" strike="noStrike">
+                <a:latin typeface="Arial"/>
+              </a:rPr>
+              <a:t>Для правки структуры щёлкните мышью</a:t>
+            </a:r>
+            <a:endParaRPr b="0" lang="en-US" sz="1800" spc="-1" strike="noStrike">
+              <a:latin typeface="Arial"/>
+            </a:endParaRPr>
+          </a:p>
+          <a:p>
+            <a:pPr lvl="1" marL="864000" indent="-324000">
+              <a:spcBef>
+                <a:spcPts val="1134"/>
+              </a:spcBef>
+              <a:buClr>
+                <a:srgbClr val="000000"/>
+              </a:buClr>
+              <a:buSzPct val="75000"/>
+              <a:buFont typeface="Symbol" charset="2"/>
+              <a:buChar char=""/>
+            </a:pPr>
+            <a:r>
+              <a:rPr b="0" lang="en-US" sz="1800" spc="-1" strike="noStrike">
+                <a:latin typeface="Arial"/>
+              </a:rPr>
+              <a:t>Второй уровень структуры</a:t>
+            </a:r>
+            <a:endParaRPr b="0" lang="en-US" sz="1800" spc="-1" strike="noStrike">
+              <a:latin typeface="Arial"/>
+            </a:endParaRPr>
+          </a:p>
+          <a:p>
+            <a:pPr lvl="2" marL="1296000" indent="-288000">
+              <a:spcBef>
+                <a:spcPts val="850"/>
+              </a:spcBef>
+              <a:buClr>
+                <a:srgbClr val="000000"/>
+              </a:buClr>
+              <a:buSzPct val="45000"/>
+              <a:buFont typeface="Wingdings" charset="2"/>
+              <a:buChar char=""/>
+            </a:pPr>
+            <a:r>
+              <a:rPr b="0" lang="en-US" sz="1800" spc="-1" strike="noStrike">
+                <a:latin typeface="Arial"/>
+              </a:rPr>
+              <a:t>Третий уровень структуры</a:t>
+            </a:r>
+            <a:endParaRPr b="0" lang="en-US" sz="1800" spc="-1" strike="noStrike">
+              <a:latin typeface="Arial"/>
+            </a:endParaRPr>
+          </a:p>
+          <a:p>
+            <a:pPr lvl="3" marL="1728000" indent="-216000">
+              <a:spcBef>
+                <a:spcPts val="567"/>
+              </a:spcBef>
+              <a:buClr>
+                <a:srgbClr val="000000"/>
+              </a:buClr>
+              <a:buSzPct val="75000"/>
+              <a:buFont typeface="Symbol" charset="2"/>
+              <a:buChar char=""/>
+            </a:pPr>
+            <a:r>
+              <a:rPr b="0" lang="en-US" sz="1800" spc="-1" strike="noStrike">
+                <a:latin typeface="Arial"/>
+              </a:rPr>
+              <a:t>Четвёртый уровень структуры</a:t>
+            </a:r>
+            <a:endParaRPr b="0" lang="en-US" sz="1800" spc="-1" strike="noStrike">
+              <a:latin typeface="Arial"/>
+            </a:endParaRPr>
+          </a:p>
+          <a:p>
+            <a:pPr lvl="4" marL="2160000" indent="-216000">
+              <a:spcBef>
+                <a:spcPts val="283"/>
+              </a:spcBef>
+              <a:buClr>
+                <a:srgbClr val="000000"/>
+              </a:buClr>
+              <a:buSzPct val="45000"/>
+              <a:buFont typeface="Wingdings" charset="2"/>
+              <a:buChar char=""/>
+            </a:pPr>
+            <a:r>
+              <a:rPr b="0" lang="en-US" sz="1800" spc="-1" strike="noStrike">
+                <a:latin typeface="Arial"/>
+              </a:rPr>
+              <a:t>Пятый уровень структуры</a:t>
+            </a:r>
+            <a:endParaRPr b="0" lang="en-US" sz="1800" spc="-1" strike="noStrike">
+              <a:latin typeface="Arial"/>
+            </a:endParaRPr>
+          </a:p>
+          <a:p>
+            <a:pPr lvl="5" marL="2592000" indent="-216000">
+              <a:spcBef>
+                <a:spcPts val="283"/>
+              </a:spcBef>
+              <a:buClr>
+                <a:srgbClr val="000000"/>
+              </a:buClr>
+              <a:buSzPct val="45000"/>
+              <a:buFont typeface="Wingdings" charset="2"/>
+              <a:buChar char=""/>
+            </a:pPr>
+            <a:r>
+              <a:rPr b="0" lang="en-US" sz="1800" spc="-1" strike="noStrike">
+                <a:latin typeface="Arial"/>
+              </a:rPr>
+              <a:t>Шестой уровень структуры</a:t>
+            </a:r>
+            <a:endParaRPr b="0" lang="en-US" sz="1800" spc="-1" strike="noStrike">
+              <a:latin typeface="Arial"/>
+            </a:endParaRPr>
+          </a:p>
+          <a:p>
+            <a:pPr lvl="6" marL="3024000" indent="-216000">
+              <a:spcBef>
+                <a:spcPts val="283"/>
+              </a:spcBef>
+              <a:buClr>
+                <a:srgbClr val="000000"/>
+              </a:buClr>
+              <a:buSzPct val="45000"/>
+              <a:buFont typeface="Wingdings" charset="2"/>
+              <a:buChar char=""/>
+            </a:pPr>
+            <a:r>
+              <a:rPr b="0" lang="en-US" sz="1800" spc="-1" strike="noStrike">
+                <a:latin typeface="Arial"/>
+              </a:rPr>
+              <a:t>Седьмой уровень структуры</a:t>
+            </a:r>
+            <a:endParaRPr b="0" lang="en-US" sz="1800" spc="-1" strike="noStrike">
+              <a:latin typeface="Arial"/>
+            </a:endParaRPr>
+          </a:p>
+        </p:txBody>
+      </p:sp>
+      <p:sp>
+        <p:nvSpPr>
+          <p:cNvPr id="152" name="PlaceHolder 11"/>
+          <p:cNvSpPr>
+            <a:spLocks noGrp="1"/>
+          </p:cNvSpPr>
+          <p:nvPr>
+            <p:ph type="body"/>
+          </p:nvPr>
+        </p:nvSpPr>
+        <p:spPr>
+          <a:xfrm>
+            <a:off x="8029800" y="1604520"/>
+            <a:ext cx="3532680" cy="1896480"/>
+          </a:xfrm>
+          <a:prstGeom prst="rect">
+            <a:avLst/>
+          </a:prstGeom>
+        </p:spPr>
+        <p:txBody>
+          <a:bodyPr lIns="0" rIns="0" tIns="0" bIns="0">
+            <a:normAutofit fontScale="15000"/>
+          </a:bodyPr>
+          <a:p>
+            <a:pPr marL="432000" indent="-324000">
+              <a:spcBef>
+                <a:spcPts val="1417"/>
+              </a:spcBef>
+              <a:buClr>
+                <a:srgbClr val="000000"/>
+              </a:buClr>
+              <a:buSzPct val="45000"/>
+              <a:buFont typeface="Wingdings" charset="2"/>
+              <a:buChar char=""/>
+            </a:pPr>
+            <a:r>
+              <a:rPr b="0" lang="en-US" sz="1800" spc="-1" strike="noStrike">
+                <a:latin typeface="Arial"/>
+              </a:rPr>
+              <a:t>Для правки структуры щёлкните мышью</a:t>
+            </a:r>
+            <a:endParaRPr b="0" lang="en-US" sz="1800" spc="-1" strike="noStrike">
+              <a:latin typeface="Arial"/>
+            </a:endParaRPr>
+          </a:p>
+          <a:p>
+            <a:pPr lvl="1" marL="864000" indent="-324000">
+              <a:spcBef>
+                <a:spcPts val="1134"/>
+              </a:spcBef>
+              <a:buClr>
+                <a:srgbClr val="000000"/>
+              </a:buClr>
+              <a:buSzPct val="75000"/>
+              <a:buFont typeface="Symbol" charset="2"/>
+              <a:buChar char=""/>
+            </a:pPr>
+            <a:r>
+              <a:rPr b="0" lang="en-US" sz="1800" spc="-1" strike="noStrike">
+                <a:latin typeface="Arial"/>
+              </a:rPr>
+              <a:t>Второй уровень структуры</a:t>
+            </a:r>
+            <a:endParaRPr b="0" lang="en-US" sz="1800" spc="-1" strike="noStrike">
+              <a:latin typeface="Arial"/>
+            </a:endParaRPr>
+          </a:p>
+          <a:p>
+            <a:pPr lvl="2" marL="1296000" indent="-288000">
+              <a:spcBef>
+                <a:spcPts val="850"/>
+              </a:spcBef>
+              <a:buClr>
+                <a:srgbClr val="000000"/>
+              </a:buClr>
+              <a:buSzPct val="45000"/>
+              <a:buFont typeface="Wingdings" charset="2"/>
+              <a:buChar char=""/>
+            </a:pPr>
+            <a:r>
+              <a:rPr b="0" lang="en-US" sz="1800" spc="-1" strike="noStrike">
+                <a:latin typeface="Arial"/>
+              </a:rPr>
+              <a:t>Третий уровень структуры</a:t>
+            </a:r>
+            <a:endParaRPr b="0" lang="en-US" sz="1800" spc="-1" strike="noStrike">
+              <a:latin typeface="Arial"/>
+            </a:endParaRPr>
+          </a:p>
+          <a:p>
+            <a:pPr lvl="3" marL="1728000" indent="-216000">
+              <a:spcBef>
+                <a:spcPts val="567"/>
+              </a:spcBef>
+              <a:buClr>
+                <a:srgbClr val="000000"/>
+              </a:buClr>
+              <a:buSzPct val="75000"/>
+              <a:buFont typeface="Symbol" charset="2"/>
+              <a:buChar char=""/>
+            </a:pPr>
+            <a:r>
+              <a:rPr b="0" lang="en-US" sz="1800" spc="-1" strike="noStrike">
+                <a:latin typeface="Arial"/>
+              </a:rPr>
+              <a:t>Четвёртый уровень структуры</a:t>
+            </a:r>
+            <a:endParaRPr b="0" lang="en-US" sz="1800" spc="-1" strike="noStrike">
+              <a:latin typeface="Arial"/>
+            </a:endParaRPr>
+          </a:p>
+          <a:p>
+            <a:pPr lvl="4" marL="2160000" indent="-216000">
+              <a:spcBef>
+                <a:spcPts val="283"/>
+              </a:spcBef>
+              <a:buClr>
+                <a:srgbClr val="000000"/>
+              </a:buClr>
+              <a:buSzPct val="45000"/>
+              <a:buFont typeface="Wingdings" charset="2"/>
+              <a:buChar char=""/>
+            </a:pPr>
+            <a:r>
+              <a:rPr b="0" lang="en-US" sz="1800" spc="-1" strike="noStrike">
+                <a:latin typeface="Arial"/>
+              </a:rPr>
+              <a:t>Пятый уровень структуры</a:t>
+            </a:r>
+            <a:endParaRPr b="0" lang="en-US" sz="1800" spc="-1" strike="noStrike">
+              <a:latin typeface="Arial"/>
+            </a:endParaRPr>
+          </a:p>
+          <a:p>
+            <a:pPr lvl="5" marL="2592000" indent="-216000">
+              <a:spcBef>
+                <a:spcPts val="283"/>
+              </a:spcBef>
+              <a:buClr>
+                <a:srgbClr val="000000"/>
+              </a:buClr>
+              <a:buSzPct val="45000"/>
+              <a:buFont typeface="Wingdings" charset="2"/>
+              <a:buChar char=""/>
+            </a:pPr>
+            <a:r>
+              <a:rPr b="0" lang="en-US" sz="1800" spc="-1" strike="noStrike">
+                <a:latin typeface="Arial"/>
+              </a:rPr>
+              <a:t>Шестой уровень структуры</a:t>
+            </a:r>
+            <a:endParaRPr b="0" lang="en-US" sz="1800" spc="-1" strike="noStrike">
+              <a:latin typeface="Arial"/>
+            </a:endParaRPr>
+          </a:p>
+          <a:p>
+            <a:pPr lvl="6" marL="3024000" indent="-216000">
+              <a:spcBef>
+                <a:spcPts val="283"/>
+              </a:spcBef>
+              <a:buClr>
+                <a:srgbClr val="000000"/>
+              </a:buClr>
+              <a:buSzPct val="45000"/>
+              <a:buFont typeface="Wingdings" charset="2"/>
+              <a:buChar char=""/>
+            </a:pPr>
+            <a:r>
+              <a:rPr b="0" lang="en-US" sz="1800" spc="-1" strike="noStrike">
+                <a:latin typeface="Arial"/>
+              </a:rPr>
+              <a:t>Седьмой уровень структуры</a:t>
+            </a:r>
+            <a:endParaRPr b="0" lang="en-US" sz="1800" spc="-1" strike="noStrike">
+              <a:latin typeface="Arial"/>
+            </a:endParaRPr>
+          </a:p>
+        </p:txBody>
+      </p:sp>
+      <p:sp>
+        <p:nvSpPr>
+          <p:cNvPr id="153" name="PlaceHolder 12"/>
+          <p:cNvSpPr>
+            <a:spLocks noGrp="1"/>
+          </p:cNvSpPr>
+          <p:nvPr>
+            <p:ph type="body"/>
+          </p:nvPr>
+        </p:nvSpPr>
+        <p:spPr>
+          <a:xfrm>
+            <a:off x="609480" y="3682080"/>
+            <a:ext cx="3532680" cy="1896480"/>
+          </a:xfrm>
+          <a:prstGeom prst="rect">
+            <a:avLst/>
+          </a:prstGeom>
+        </p:spPr>
+        <p:txBody>
+          <a:bodyPr lIns="0" rIns="0" tIns="0" bIns="0">
+            <a:normAutofit fontScale="15000"/>
+          </a:bodyPr>
+          <a:p>
+            <a:pPr marL="432000" indent="-324000">
+              <a:spcBef>
+                <a:spcPts val="1417"/>
+              </a:spcBef>
+              <a:buClr>
+                <a:srgbClr val="000000"/>
+              </a:buClr>
+              <a:buSzPct val="45000"/>
+              <a:buFont typeface="Wingdings" charset="2"/>
+              <a:buChar char=""/>
+            </a:pPr>
+            <a:r>
+              <a:rPr b="0" lang="en-US" sz="1800" spc="-1" strike="noStrike">
+                <a:latin typeface="Arial"/>
+              </a:rPr>
+              <a:t>Для правки структуры щёлкните мышью</a:t>
+            </a:r>
+            <a:endParaRPr b="0" lang="en-US" sz="1800" spc="-1" strike="noStrike">
+              <a:latin typeface="Arial"/>
+            </a:endParaRPr>
+          </a:p>
+          <a:p>
+            <a:pPr lvl="1" marL="864000" indent="-324000">
+              <a:spcBef>
+                <a:spcPts val="1134"/>
+              </a:spcBef>
+              <a:buClr>
+                <a:srgbClr val="000000"/>
+              </a:buClr>
+              <a:buSzPct val="75000"/>
+              <a:buFont typeface="Symbol" charset="2"/>
+              <a:buChar char=""/>
+            </a:pPr>
+            <a:r>
+              <a:rPr b="0" lang="en-US" sz="1800" spc="-1" strike="noStrike">
+                <a:latin typeface="Arial"/>
+              </a:rPr>
+              <a:t>Второй уровень структуры</a:t>
+            </a:r>
+            <a:endParaRPr b="0" lang="en-US" sz="1800" spc="-1" strike="noStrike">
+              <a:latin typeface="Arial"/>
+            </a:endParaRPr>
+          </a:p>
+          <a:p>
+            <a:pPr lvl="2" marL="1296000" indent="-288000">
+              <a:spcBef>
+                <a:spcPts val="850"/>
+              </a:spcBef>
+              <a:buClr>
+                <a:srgbClr val="000000"/>
+              </a:buClr>
+              <a:buSzPct val="45000"/>
+              <a:buFont typeface="Wingdings" charset="2"/>
+              <a:buChar char=""/>
+            </a:pPr>
+            <a:r>
+              <a:rPr b="0" lang="en-US" sz="1800" spc="-1" strike="noStrike">
+                <a:latin typeface="Arial"/>
+              </a:rPr>
+              <a:t>Третий уровень структуры</a:t>
+            </a:r>
+            <a:endParaRPr b="0" lang="en-US" sz="1800" spc="-1" strike="noStrike">
+              <a:latin typeface="Arial"/>
+            </a:endParaRPr>
+          </a:p>
+          <a:p>
+            <a:pPr lvl="3" marL="1728000" indent="-216000">
+              <a:spcBef>
+                <a:spcPts val="567"/>
+              </a:spcBef>
+              <a:buClr>
+                <a:srgbClr val="000000"/>
+              </a:buClr>
+              <a:buSzPct val="75000"/>
+              <a:buFont typeface="Symbol" charset="2"/>
+              <a:buChar char=""/>
+            </a:pPr>
+            <a:r>
+              <a:rPr b="0" lang="en-US" sz="1800" spc="-1" strike="noStrike">
+                <a:latin typeface="Arial"/>
+              </a:rPr>
+              <a:t>Четвёртый уровень структуры</a:t>
+            </a:r>
+            <a:endParaRPr b="0" lang="en-US" sz="1800" spc="-1" strike="noStrike">
+              <a:latin typeface="Arial"/>
+            </a:endParaRPr>
+          </a:p>
+          <a:p>
+            <a:pPr lvl="4" marL="2160000" indent="-216000">
+              <a:spcBef>
+                <a:spcPts val="283"/>
+              </a:spcBef>
+              <a:buClr>
+                <a:srgbClr val="000000"/>
+              </a:buClr>
+              <a:buSzPct val="45000"/>
+              <a:buFont typeface="Wingdings" charset="2"/>
+              <a:buChar char=""/>
+            </a:pPr>
+            <a:r>
+              <a:rPr b="0" lang="en-US" sz="1800" spc="-1" strike="noStrike">
+                <a:latin typeface="Arial"/>
+              </a:rPr>
+              <a:t>Пятый уровень структуры</a:t>
+            </a:r>
+            <a:endParaRPr b="0" lang="en-US" sz="1800" spc="-1" strike="noStrike">
+              <a:latin typeface="Arial"/>
+            </a:endParaRPr>
+          </a:p>
+          <a:p>
+            <a:pPr lvl="5" marL="2592000" indent="-216000">
+              <a:spcBef>
+                <a:spcPts val="283"/>
+              </a:spcBef>
+              <a:buClr>
+                <a:srgbClr val="000000"/>
+              </a:buClr>
+              <a:buSzPct val="45000"/>
+              <a:buFont typeface="Wingdings" charset="2"/>
+              <a:buChar char=""/>
+            </a:pPr>
+            <a:r>
+              <a:rPr b="0" lang="en-US" sz="1800" spc="-1" strike="noStrike">
+                <a:latin typeface="Arial"/>
+              </a:rPr>
+              <a:t>Шестой уровень структуры</a:t>
+            </a:r>
+            <a:endParaRPr b="0" lang="en-US" sz="1800" spc="-1" strike="noStrike">
+              <a:latin typeface="Arial"/>
+            </a:endParaRPr>
+          </a:p>
+          <a:p>
+            <a:pPr lvl="6" marL="3024000" indent="-216000">
+              <a:spcBef>
+                <a:spcPts val="283"/>
+              </a:spcBef>
+              <a:buClr>
+                <a:srgbClr val="000000"/>
+              </a:buClr>
+              <a:buSzPct val="45000"/>
+              <a:buFont typeface="Wingdings" charset="2"/>
+              <a:buChar char=""/>
+            </a:pPr>
+            <a:r>
+              <a:rPr b="0" lang="en-US" sz="1800" spc="-1" strike="noStrike">
+                <a:latin typeface="Arial"/>
+              </a:rPr>
+              <a:t>Седьмой уровень структуры</a:t>
+            </a:r>
+            <a:endParaRPr b="0" lang="en-US" sz="1800" spc="-1" strike="noStrike">
+              <a:latin typeface="Arial"/>
+            </a:endParaRPr>
+          </a:p>
+        </p:txBody>
+      </p:sp>
+      <p:sp>
+        <p:nvSpPr>
+          <p:cNvPr id="154" name="PlaceHolder 13"/>
+          <p:cNvSpPr>
+            <a:spLocks noGrp="1"/>
+          </p:cNvSpPr>
+          <p:nvPr>
+            <p:ph type="body"/>
+          </p:nvPr>
+        </p:nvSpPr>
+        <p:spPr>
+          <a:xfrm>
+            <a:off x="4319640" y="3682080"/>
+            <a:ext cx="3532680" cy="1896480"/>
+          </a:xfrm>
+          <a:prstGeom prst="rect">
+            <a:avLst/>
+          </a:prstGeom>
+        </p:spPr>
+        <p:txBody>
+          <a:bodyPr lIns="0" rIns="0" tIns="0" bIns="0">
+            <a:normAutofit fontScale="15000"/>
+          </a:bodyPr>
+          <a:p>
+            <a:pPr marL="432000" indent="-324000">
+              <a:spcBef>
+                <a:spcPts val="1417"/>
+              </a:spcBef>
+              <a:buClr>
+                <a:srgbClr val="000000"/>
+              </a:buClr>
+              <a:buSzPct val="45000"/>
+              <a:buFont typeface="Wingdings" charset="2"/>
+              <a:buChar char=""/>
+            </a:pPr>
+            <a:r>
+              <a:rPr b="0" lang="en-US" sz="1800" spc="-1" strike="noStrike">
+                <a:latin typeface="Arial"/>
+              </a:rPr>
+              <a:t>Для правки структуры щёлкните мышью</a:t>
+            </a:r>
+            <a:endParaRPr b="0" lang="en-US" sz="1800" spc="-1" strike="noStrike">
+              <a:latin typeface="Arial"/>
+            </a:endParaRPr>
+          </a:p>
+          <a:p>
+            <a:pPr lvl="1" marL="864000" indent="-324000">
+              <a:spcBef>
+                <a:spcPts val="1134"/>
+              </a:spcBef>
+              <a:buClr>
+                <a:srgbClr val="000000"/>
+              </a:buClr>
+              <a:buSzPct val="75000"/>
+              <a:buFont typeface="Symbol" charset="2"/>
+              <a:buChar char=""/>
+            </a:pPr>
+            <a:r>
+              <a:rPr b="0" lang="en-US" sz="1800" spc="-1" strike="noStrike">
+                <a:latin typeface="Arial"/>
+              </a:rPr>
+              <a:t>Второй уровень структуры</a:t>
+            </a:r>
+            <a:endParaRPr b="0" lang="en-US" sz="1800" spc="-1" strike="noStrike">
+              <a:latin typeface="Arial"/>
+            </a:endParaRPr>
+          </a:p>
+          <a:p>
+            <a:pPr lvl="2" marL="1296000" indent="-288000">
+              <a:spcBef>
+                <a:spcPts val="850"/>
+              </a:spcBef>
+              <a:buClr>
+                <a:srgbClr val="000000"/>
+              </a:buClr>
+              <a:buSzPct val="45000"/>
+              <a:buFont typeface="Wingdings" charset="2"/>
+              <a:buChar char=""/>
+            </a:pPr>
+            <a:r>
+              <a:rPr b="0" lang="en-US" sz="1800" spc="-1" strike="noStrike">
+                <a:latin typeface="Arial"/>
+              </a:rPr>
+              <a:t>Третий уровень структуры</a:t>
+            </a:r>
+            <a:endParaRPr b="0" lang="en-US" sz="1800" spc="-1" strike="noStrike">
+              <a:latin typeface="Arial"/>
+            </a:endParaRPr>
+          </a:p>
+          <a:p>
+            <a:pPr lvl="3" marL="1728000" indent="-216000">
+              <a:spcBef>
+                <a:spcPts val="567"/>
+              </a:spcBef>
+              <a:buClr>
+                <a:srgbClr val="000000"/>
+              </a:buClr>
+              <a:buSzPct val="75000"/>
+              <a:buFont typeface="Symbol" charset="2"/>
+              <a:buChar char=""/>
+            </a:pPr>
+            <a:r>
+              <a:rPr b="0" lang="en-US" sz="1800" spc="-1" strike="noStrike">
+                <a:latin typeface="Arial"/>
+              </a:rPr>
+              <a:t>Четвёртый уровень структуры</a:t>
+            </a:r>
+            <a:endParaRPr b="0" lang="en-US" sz="1800" spc="-1" strike="noStrike">
+              <a:latin typeface="Arial"/>
+            </a:endParaRPr>
+          </a:p>
+          <a:p>
+            <a:pPr lvl="4" marL="2160000" indent="-216000">
+              <a:spcBef>
+                <a:spcPts val="283"/>
+              </a:spcBef>
+              <a:buClr>
+                <a:srgbClr val="000000"/>
+              </a:buClr>
+              <a:buSzPct val="45000"/>
+              <a:buFont typeface="Wingdings" charset="2"/>
+              <a:buChar char=""/>
+            </a:pPr>
+            <a:r>
+              <a:rPr b="0" lang="en-US" sz="1800" spc="-1" strike="noStrike">
+                <a:latin typeface="Arial"/>
+              </a:rPr>
+              <a:t>Пятый уровень структуры</a:t>
+            </a:r>
+            <a:endParaRPr b="0" lang="en-US" sz="1800" spc="-1" strike="noStrike">
+              <a:latin typeface="Arial"/>
+            </a:endParaRPr>
+          </a:p>
+          <a:p>
+            <a:pPr lvl="5" marL="2592000" indent="-216000">
+              <a:spcBef>
+                <a:spcPts val="283"/>
+              </a:spcBef>
+              <a:buClr>
+                <a:srgbClr val="000000"/>
+              </a:buClr>
+              <a:buSzPct val="45000"/>
+              <a:buFont typeface="Wingdings" charset="2"/>
+              <a:buChar char=""/>
+            </a:pPr>
+            <a:r>
+              <a:rPr b="0" lang="en-US" sz="1800" spc="-1" strike="noStrike">
+                <a:latin typeface="Arial"/>
+              </a:rPr>
+              <a:t>Шестой уровень структуры</a:t>
+            </a:r>
+            <a:endParaRPr b="0" lang="en-US" sz="1800" spc="-1" strike="noStrike">
+              <a:latin typeface="Arial"/>
+            </a:endParaRPr>
+          </a:p>
+          <a:p>
+            <a:pPr lvl="6" marL="3024000" indent="-216000">
+              <a:spcBef>
+                <a:spcPts val="283"/>
+              </a:spcBef>
+              <a:buClr>
+                <a:srgbClr val="000000"/>
+              </a:buClr>
+              <a:buSzPct val="45000"/>
+              <a:buFont typeface="Wingdings" charset="2"/>
+              <a:buChar char=""/>
+            </a:pPr>
+            <a:r>
+              <a:rPr b="0" lang="en-US" sz="1800" spc="-1" strike="noStrike">
+                <a:latin typeface="Arial"/>
+              </a:rPr>
+              <a:t>Седьмой уровень структуры</a:t>
+            </a:r>
+            <a:endParaRPr b="0" lang="en-US" sz="1800" spc="-1" strike="noStrike">
+              <a:latin typeface="Arial"/>
+            </a:endParaRPr>
+          </a:p>
+        </p:txBody>
+      </p:sp>
+      <p:sp>
+        <p:nvSpPr>
+          <p:cNvPr id="155" name="PlaceHolder 14"/>
+          <p:cNvSpPr>
+            <a:spLocks noGrp="1"/>
+          </p:cNvSpPr>
+          <p:nvPr>
+            <p:ph type="body"/>
+          </p:nvPr>
+        </p:nvSpPr>
+        <p:spPr>
+          <a:xfrm>
+            <a:off x="8029800" y="3682080"/>
+            <a:ext cx="3532680" cy="1896480"/>
+          </a:xfrm>
+          <a:prstGeom prst="rect">
+            <a:avLst/>
+          </a:prstGeom>
+        </p:spPr>
+        <p:txBody>
+          <a:bodyPr lIns="0" rIns="0" tIns="0" bIns="0">
+            <a:normAutofit fontScale="15000"/>
+          </a:bodyPr>
+          <a:p>
+            <a:pPr marL="432000" indent="-324000">
+              <a:spcBef>
+                <a:spcPts val="1417"/>
+              </a:spcBef>
+              <a:buClr>
+                <a:srgbClr val="000000"/>
+              </a:buClr>
+              <a:buSzPct val="45000"/>
+              <a:buFont typeface="Wingdings" charset="2"/>
+              <a:buChar char=""/>
+            </a:pPr>
+            <a:r>
+              <a:rPr b="0" lang="en-US" sz="1800" spc="-1" strike="noStrike">
+                <a:latin typeface="Arial"/>
+              </a:rPr>
+              <a:t>Для правки структуры щёлкните мышью</a:t>
+            </a:r>
+            <a:endParaRPr b="0" lang="en-US" sz="1800" spc="-1" strike="noStrike">
+              <a:latin typeface="Arial"/>
+            </a:endParaRPr>
+          </a:p>
+          <a:p>
+            <a:pPr lvl="1" marL="864000" indent="-324000">
+              <a:spcBef>
+                <a:spcPts val="1134"/>
+              </a:spcBef>
+              <a:buClr>
+                <a:srgbClr val="000000"/>
+              </a:buClr>
+              <a:buSzPct val="75000"/>
+              <a:buFont typeface="Symbol" charset="2"/>
+              <a:buChar char=""/>
+            </a:pPr>
+            <a:r>
+              <a:rPr b="0" lang="en-US" sz="1800" spc="-1" strike="noStrike">
+                <a:latin typeface="Arial"/>
+              </a:rPr>
+              <a:t>Второй уровень структуры</a:t>
+            </a:r>
+            <a:endParaRPr b="0" lang="en-US" sz="1800" spc="-1" strike="noStrike">
+              <a:latin typeface="Arial"/>
+            </a:endParaRPr>
+          </a:p>
+          <a:p>
+            <a:pPr lvl="2" marL="1296000" indent="-288000">
+              <a:spcBef>
+                <a:spcPts val="850"/>
+              </a:spcBef>
+              <a:buClr>
+                <a:srgbClr val="000000"/>
+              </a:buClr>
+              <a:buSzPct val="45000"/>
+              <a:buFont typeface="Wingdings" charset="2"/>
+              <a:buChar char=""/>
+            </a:pPr>
+            <a:r>
+              <a:rPr b="0" lang="en-US" sz="1800" spc="-1" strike="noStrike">
+                <a:latin typeface="Arial"/>
+              </a:rPr>
+              <a:t>Третий уровень структуры</a:t>
+            </a:r>
+            <a:endParaRPr b="0" lang="en-US" sz="1800" spc="-1" strike="noStrike">
+              <a:latin typeface="Arial"/>
+            </a:endParaRPr>
+          </a:p>
+          <a:p>
+            <a:pPr lvl="3" marL="1728000" indent="-216000">
+              <a:spcBef>
+                <a:spcPts val="567"/>
+              </a:spcBef>
+              <a:buClr>
+                <a:srgbClr val="000000"/>
+              </a:buClr>
+              <a:buSzPct val="75000"/>
+              <a:buFont typeface="Symbol" charset="2"/>
+              <a:buChar char=""/>
+            </a:pPr>
+            <a:r>
+              <a:rPr b="0" lang="en-US" sz="1800" spc="-1" strike="noStrike">
+                <a:latin typeface="Arial"/>
+              </a:rPr>
+              <a:t>Четвёртый уровень структуры</a:t>
+            </a:r>
+            <a:endParaRPr b="0" lang="en-US" sz="1800" spc="-1" strike="noStrike">
+              <a:latin typeface="Arial"/>
+            </a:endParaRPr>
+          </a:p>
+          <a:p>
+            <a:pPr lvl="4" marL="2160000" indent="-216000">
+              <a:spcBef>
+                <a:spcPts val="283"/>
+              </a:spcBef>
+              <a:buClr>
+                <a:srgbClr val="000000"/>
+              </a:buClr>
+              <a:buSzPct val="45000"/>
+              <a:buFont typeface="Wingdings" charset="2"/>
+              <a:buChar char=""/>
+            </a:pPr>
+            <a:r>
+              <a:rPr b="0" lang="en-US" sz="1800" spc="-1" strike="noStrike">
+                <a:latin typeface="Arial"/>
+              </a:rPr>
+              <a:t>Пятый уровень структуры</a:t>
+            </a:r>
+            <a:endParaRPr b="0" lang="en-US" sz="1800" spc="-1" strike="noStrike">
+              <a:latin typeface="Arial"/>
+            </a:endParaRPr>
+          </a:p>
+          <a:p>
+            <a:pPr lvl="5" marL="2592000" indent="-216000">
+              <a:spcBef>
+                <a:spcPts val="283"/>
+              </a:spcBef>
+              <a:buClr>
+                <a:srgbClr val="000000"/>
+              </a:buClr>
+              <a:buSzPct val="45000"/>
+              <a:buFont typeface="Wingdings" charset="2"/>
+              <a:buChar char=""/>
+            </a:pPr>
+            <a:r>
+              <a:rPr b="0" lang="en-US" sz="1800" spc="-1" strike="noStrike">
+                <a:latin typeface="Arial"/>
+              </a:rPr>
+              <a:t>Шестой уровень структуры</a:t>
+            </a:r>
+            <a:endParaRPr b="0" lang="en-US" sz="1800" spc="-1" strike="noStrike">
+              <a:latin typeface="Arial"/>
+            </a:endParaRPr>
+          </a:p>
+          <a:p>
+            <a:pPr lvl="6" marL="3024000" indent="-216000">
+              <a:spcBef>
+                <a:spcPts val="283"/>
+              </a:spcBef>
+              <a:buClr>
+                <a:srgbClr val="000000"/>
+              </a:buClr>
+              <a:buSzPct val="45000"/>
+              <a:buFont typeface="Wingdings" charset="2"/>
+              <a:buChar char=""/>
+            </a:pPr>
+            <a:r>
+              <a:rPr b="0" lang="en-US" sz="1800" spc="-1" strike="noStrike">
+                <a:latin typeface="Arial"/>
+              </a:rPr>
+              <a:t>Седьмой уровень структуры</a:t>
+            </a:r>
+            <a:endParaRPr b="0" lang="en-US" sz="1800" spc="-1" strike="noStrike">
+              <a:latin typeface="Arial"/>
+            </a:endParaRPr>
+          </a:p>
+        </p:txBody>
+      </p:sp>
+    </p:spTree>
+  </p:cSld>
+  <p:clrMap bg1="lt1" bg2="lt2" tx1="dk1" tx2="dk2" accent1="accent1" accent2="accent2" accent3="accent3" accent4="accent4" accent5="accent5" accent6="accent6" hlink="hlink" folHlink="folHlink"/>
+  <p:sldLayoutIdLst>
+    <p:sldLayoutId id="2147483688" r:id="rId3"/>
+    <p:sldLayoutId id="2147483689" r:id="rId4"/>
+    <p:sldLayoutId id="2147483690" r:id="rId5"/>
+    <p:sldLayoutId id="2147483691" r:id="rId6"/>
+    <p:sldLayoutId id="2147483692" r:id="rId7"/>
+    <p:sldLayoutId id="2147483693" r:id="rId8"/>
+    <p:sldLayoutId id="2147483694" r:id="rId9"/>
+    <p:sldLayoutId id="2147483695" r:id="rId10"/>
+    <p:sldLayoutId id="2147483696" r:id="rId11"/>
+    <p:sldLayoutId id="2147483697" r:id="rId12"/>
+    <p:sldLayoutId id="2147483698" r:id="rId13"/>
+    <p:sldLayoutId id="2147483699" r:id="rId14"/>
+  </p:sldLayoutIdLst>
+</p:sldMaster>
+</file>
+
 <file path=ppt/slides/slide1.xml><?xml version="1.0" encoding="utf-8"?>
 <p:sld xmlns:a="http://schemas.openxmlformats.org/drawingml/2006/main" xmlns:p="http://schemas.openxmlformats.org/presentationml/2006/main" xmlns:r="http://schemas.openxmlformats.org/officeDocument/2006/relationships" xmlns:p14="http://schemas.microsoft.com/office/powerpoint/2010/main" xmlns:p15="http://schemas.microsoft.com/office/powerpoint/2012/main" xmlns:mc="http://schemas.openxmlformats.org/markup-compatibility/2006">
   <p:cSld>
@@ -6204,14 +9039,14 @@
       </p:grpSpPr>
       <p:sp>
         <p:nvSpPr>
-          <p:cNvPr id="142" name="CustomShape 1"/>
+          <p:cNvPr id="192" name="CustomShape 1"/>
           <p:cNvSpPr/>
           <p:nvPr/>
         </p:nvSpPr>
         <p:spPr>
           <a:xfrm>
             <a:off x="2070000" y="1380240"/>
-            <a:ext cx="9432360" cy="1740960"/>
+            <a:ext cx="9432000" cy="1740600"/>
           </a:xfrm>
           <a:prstGeom prst="rect">
             <a:avLst/>
@@ -6243,6 +9078,7 @@
                   <a:srgbClr val="000000"/>
                 </a:solidFill>
                 <a:latin typeface="Corbel"/>
+                <a:ea typeface="DejaVu Sans"/>
               </a:rPr>
               <a:t>Тестирование  API</a:t>
             </a:r>
@@ -6254,14 +9090,14 @@
       </p:sp>
       <p:sp>
         <p:nvSpPr>
-          <p:cNvPr id="143" name="CustomShape 2"/>
+          <p:cNvPr id="193" name="CustomShape 2"/>
           <p:cNvSpPr/>
           <p:nvPr/>
         </p:nvSpPr>
         <p:spPr>
           <a:xfrm>
             <a:off x="1484280" y="5763600"/>
-            <a:ext cx="10018080" cy="821160"/>
+            <a:ext cx="10017720" cy="820800"/>
           </a:xfrm>
           <a:prstGeom prst="rect">
             <a:avLst/>
@@ -6333,14 +9169,14 @@
       </p:sp>
       <p:sp>
         <p:nvSpPr>
-          <p:cNvPr id="144" name="CustomShape 3"/>
+          <p:cNvPr id="194" name="CustomShape 3"/>
           <p:cNvSpPr/>
           <p:nvPr/>
         </p:nvSpPr>
         <p:spPr>
           <a:xfrm>
             <a:off x="11503080" y="6220440"/>
-            <a:ext cx="550440" cy="364320"/>
+            <a:ext cx="550080" cy="363960"/>
           </a:xfrm>
           <a:prstGeom prst="rect">
             <a:avLst/>
@@ -6364,12 +9200,13 @@
                 <a:spcPct val="100000"/>
               </a:lnSpc>
             </a:pPr>
-            <a:fld id="{9A8EE25B-EE8B-4F09-A5DD-F5E688302F2C}" type="slidenum">
+            <a:fld id="{01226F5E-3A9A-45CE-BEAA-096EDD4F0338}" type="slidenum">
               <a:rPr b="0" lang="en-US" sz="1400" spc="-1" strike="noStrike">
                 <a:solidFill>
                   <a:srgbClr val="000000"/>
                 </a:solidFill>
                 <a:latin typeface="Corbel"/>
+                <a:ea typeface="DejaVu Sans"/>
               </a:rPr>
               <a:t>1</a:t>
             </a:fld>
@@ -6438,14 +9275,14 @@
       </p:grpSpPr>
       <p:sp>
         <p:nvSpPr>
-          <p:cNvPr id="172" name="TextShape 1"/>
-          <p:cNvSpPr txBox="1"/>
+          <p:cNvPr id="222" name="CustomShape 1"/>
+          <p:cNvSpPr/>
           <p:nvPr/>
         </p:nvSpPr>
         <p:spPr>
           <a:xfrm>
             <a:off x="4754880" y="328680"/>
-            <a:ext cx="4862520" cy="402840"/>
+            <a:ext cx="4862160" cy="402480"/>
           </a:xfrm>
           <a:prstGeom prst="rect">
             <a:avLst/>
@@ -6455,9 +9292,20 @@
             <a:noFill/>
           </a:ln>
         </p:spPr>
+        <p:style>
+          <a:lnRef idx="0"/>
+          <a:fillRef idx="0"/>
+          <a:effectRef idx="0"/>
+          <a:fontRef idx="minor"/>
+        </p:style>
         <p:txBody>
           <a:bodyPr lIns="90000" rIns="90000" tIns="45000" bIns="45000"/>
           <a:p>
+            <a:pPr>
+              <a:lnSpc>
+                <a:spcPct val="100000"/>
+              </a:lnSpc>
+            </a:pPr>
             <a:r>
               <a:rPr b="0" lang="en-US" sz="2200" spc="-1" strike="noStrike">
                 <a:latin typeface="Arial"/>
@@ -6472,7 +9320,7 @@
       </p:sp>
       <p:pic>
         <p:nvPicPr>
-          <p:cNvPr id="173" name="" descr=""/>
+          <p:cNvPr id="223" name="" descr=""/>
           <p:cNvPicPr/>
           <p:nvPr/>
         </p:nvPicPr>
@@ -6483,7 +9331,7 @@
         <p:spPr>
           <a:xfrm>
             <a:off x="1704960" y="822960"/>
-            <a:ext cx="9725040" cy="5943600"/>
+            <a:ext cx="9724680" cy="5943240"/>
           </a:xfrm>
           <a:prstGeom prst="rect">
             <a:avLst/>
@@ -6552,14 +9400,14 @@
       </p:grpSpPr>
       <p:sp>
         <p:nvSpPr>
-          <p:cNvPr id="174" name="CustomShape 1"/>
+          <p:cNvPr id="224" name="CustomShape 1"/>
           <p:cNvSpPr/>
           <p:nvPr/>
         </p:nvSpPr>
         <p:spPr>
           <a:xfrm>
             <a:off x="1554480" y="914400"/>
-            <a:ext cx="10018080" cy="561600"/>
+            <a:ext cx="10017720" cy="561240"/>
           </a:xfrm>
           <a:prstGeom prst="rect">
             <a:avLst/>
@@ -6578,14 +9426,14 @@
       </p:sp>
       <p:sp>
         <p:nvSpPr>
-          <p:cNvPr id="175" name="CustomShape 2"/>
+          <p:cNvPr id="225" name="CustomShape 2"/>
           <p:cNvSpPr/>
           <p:nvPr/>
         </p:nvSpPr>
         <p:spPr>
           <a:xfrm>
             <a:off x="1503360" y="732960"/>
-            <a:ext cx="10018080" cy="638640"/>
+            <a:ext cx="10017720" cy="638280"/>
           </a:xfrm>
           <a:prstGeom prst="rect">
             <a:avLst/>
@@ -6627,14 +9475,14 @@
       </p:sp>
       <p:sp>
         <p:nvSpPr>
-          <p:cNvPr id="176" name="CustomShape 3"/>
+          <p:cNvPr id="226" name="CustomShape 3"/>
           <p:cNvSpPr/>
           <p:nvPr/>
         </p:nvSpPr>
         <p:spPr>
           <a:xfrm>
             <a:off x="3566160" y="2013840"/>
-            <a:ext cx="4544640" cy="1003680"/>
+            <a:ext cx="4544280" cy="1003320"/>
           </a:xfrm>
           <a:prstGeom prst="rect">
             <a:avLst/>
@@ -6653,7 +9501,7 @@
         <p:txBody>
           <a:bodyPr lIns="90000" rIns="90000" tIns="45000" bIns="45000"/>
           <a:p>
-            <a:pPr marL="285840" indent="-285120">
+            <a:pPr marL="285840" indent="-284760">
               <a:lnSpc>
                 <a:spcPct val="100000"/>
               </a:lnSpc>
@@ -6679,7 +9527,7 @@
             </a:endParaRPr>
           </a:p>
           <a:p>
-            <a:pPr marL="285840" indent="-285120">
+            <a:pPr marL="285840" indent="-284760">
               <a:lnSpc>
                 <a:spcPct val="100000"/>
               </a:lnSpc>
@@ -6705,15 +9553,10 @@
             </a:endParaRPr>
           </a:p>
           <a:p>
-            <a:pPr marL="285840" indent="-285120">
+            <a:pPr>
               <a:lnSpc>
                 <a:spcPct val="100000"/>
               </a:lnSpc>
-              <a:buClr>
-                <a:srgbClr val="000000"/>
-              </a:buClr>
-              <a:buFont typeface="Arial"/>
-              <a:buChar char="•"/>
             </a:pPr>
             <a:endParaRPr b="0" lang="en-US" sz="3000" spc="-1" strike="noStrike">
               <a:latin typeface="Arial"/>
@@ -6723,14 +9566,14 @@
       </p:sp>
       <p:sp>
         <p:nvSpPr>
-          <p:cNvPr id="177" name="CustomShape 4"/>
+          <p:cNvPr id="227" name="CustomShape 4"/>
           <p:cNvSpPr/>
           <p:nvPr/>
         </p:nvSpPr>
         <p:spPr>
           <a:xfrm>
             <a:off x="10951920" y="5867280"/>
-            <a:ext cx="550440" cy="364320"/>
+            <a:ext cx="550080" cy="363960"/>
           </a:xfrm>
           <a:prstGeom prst="rect">
             <a:avLst/>
@@ -6754,12 +9597,13 @@
                 <a:spcPct val="100000"/>
               </a:lnSpc>
             </a:pPr>
-            <a:fld id="{5F8362A7-6426-4EEC-B965-226B869FEC41}" type="slidenum">
+            <a:fld id="{C71F3157-2AC3-4484-8C8C-D3D75C2CFE8C}" type="slidenum">
               <a:rPr b="0" lang="en-US" sz="1400" spc="-1" strike="noStrike">
                 <a:solidFill>
                   <a:srgbClr val="000000"/>
                 </a:solidFill>
                 <a:latin typeface="Corbel"/>
+                <a:ea typeface="DejaVu Sans"/>
               </a:rPr>
               <a:t>3</a:t>
             </a:fld>
@@ -6771,14 +9615,14 @@
       </p:sp>
       <p:sp>
         <p:nvSpPr>
-          <p:cNvPr id="178" name="CustomShape 5"/>
+          <p:cNvPr id="228" name="CustomShape 5"/>
           <p:cNvSpPr/>
           <p:nvPr/>
         </p:nvSpPr>
         <p:spPr>
           <a:xfrm>
             <a:off x="2468520" y="5577840"/>
-            <a:ext cx="9469440" cy="638640"/>
+            <a:ext cx="9469080" cy="638280"/>
           </a:xfrm>
           <a:prstGeom prst="rect">
             <a:avLst/>
@@ -6817,7 +9661,7 @@
             </a:endParaRPr>
           </a:p>
           <a:p>
-            <a:pPr marL="285840" indent="-285120">
+            <a:pPr marL="285840" indent="-284760">
               <a:lnSpc>
                 <a:spcPct val="100000"/>
               </a:lnSpc>
@@ -6844,7 +9688,7 @@
             </a:endParaRPr>
           </a:p>
           <a:p>
-            <a:pPr marL="285840" indent="-285120">
+            <a:pPr marL="285840" indent="-284760">
               <a:lnSpc>
                 <a:spcPct val="100000"/>
               </a:lnSpc>
@@ -6873,14 +9717,14 @@
       </p:sp>
       <p:sp>
         <p:nvSpPr>
-          <p:cNvPr id="179" name="CustomShape 6"/>
+          <p:cNvPr id="229" name="CustomShape 6"/>
           <p:cNvSpPr/>
           <p:nvPr/>
         </p:nvSpPr>
         <p:spPr>
           <a:xfrm>
             <a:off x="2377440" y="3659040"/>
-            <a:ext cx="9469440" cy="638640"/>
+            <a:ext cx="9469080" cy="638280"/>
           </a:xfrm>
           <a:prstGeom prst="rect">
             <a:avLst/>
@@ -6919,7 +9763,7 @@
             </a:endParaRPr>
           </a:p>
           <a:p>
-            <a:pPr marL="285840" indent="-285120">
+            <a:pPr marL="285840" indent="-284760">
               <a:lnSpc>
                 <a:spcPct val="100000"/>
               </a:lnSpc>
@@ -7005,14 +9849,53 @@
       </p:grpSpPr>
       <p:sp>
         <p:nvSpPr>
-          <p:cNvPr id="180" name="CustomShape 1"/>
+          <p:cNvPr id="230" name="TextShape 1"/>
+          <p:cNvSpPr txBox="1"/>
+          <p:nvPr/>
+        </p:nvSpPr>
+        <p:spPr>
+          <a:xfrm>
+            <a:off x="3665160" y="331920"/>
+            <a:ext cx="5662440" cy="487440"/>
+          </a:xfrm>
+          <a:prstGeom prst="rect">
+            <a:avLst/>
+          </a:prstGeom>
+          <a:noFill/>
+          <a:ln>
+            <a:noFill/>
+          </a:ln>
+        </p:spPr>
+        <p:txBody>
+          <a:bodyPr lIns="90000" rIns="90000" tIns="45000" bIns="45000"/>
+          <a:p>
+            <a:pPr algn="ctr"/>
+            <a:r>
+              <a:rPr b="0" lang="en-US" sz="2800" spc="-1" strike="noStrike">
+                <a:solidFill>
+                  <a:srgbClr val="000000"/>
+                </a:solidFill>
+                <a:latin typeface="Corbel"/>
+                <a:ea typeface="DejaVu Sans"/>
+              </a:rPr>
+              <a:t>Интеграционные тесты</a:t>
+            </a:r>
+            <a:endParaRPr b="0" lang="en-US" sz="2800" spc="-1" strike="noStrike">
+              <a:latin typeface="Arial"/>
+            </a:endParaRPr>
+          </a:p>
+        </p:txBody>
+      </p:sp>
+      <p:sp>
+        <p:nvSpPr>
+          <p:cNvPr id="231" name="CustomShape 2"/>
           <p:cNvSpPr/>
           <p:nvPr/>
         </p:nvSpPr>
         <p:spPr>
           <a:xfrm>
-            <a:off x="1484280" y="685800"/>
-            <a:ext cx="10018080" cy="1751760"/>
+            <a:off x="1417680" y="2905560"/>
+            <a:ext cx="10212480" cy="1809360"/>
           </a:xfrm>
           <a:prstGeom prst="rect">
             <a:avLst/>
@@ -7029,23 +9912,173 @@
           <a:fontRef idx="minor"/>
         </p:style>
         <p:txBody>
-          <a:bodyPr lIns="90000" rIns="90000" tIns="45000" bIns="45000" anchor="ctr"/>
-          <a:p>
-            <a:pPr algn="ctr">
+          <a:bodyPr lIns="90000" rIns="90000" tIns="45000" bIns="45000" anchor="ctr">
+            <a:normAutofit fontScale="80000"/>
+          </a:bodyPr>
+          <a:p>
+            <a:pPr marL="285840" indent="-284760">
               <a:lnSpc>
                 <a:spcPct val="100000"/>
               </a:lnSpc>
+              <a:spcBef>
+                <a:spcPts val="601"/>
+              </a:spcBef>
+              <a:spcAft>
+                <a:spcPts val="601"/>
+              </a:spcAft>
+              <a:buClr>
+                <a:srgbClr val="b96c11"/>
+              </a:buClr>
+              <a:buSzPct val="145000"/>
+              <a:buFont typeface="Arial"/>
+              <a:buChar char="•"/>
             </a:pPr>
             <a:r>
-              <a:rPr b="0" lang="en-US" sz="4000" spc="-1" strike="noStrike">
+              <a:rPr b="0" lang="en-US" sz="3000" spc="-1" strike="noStrike">
                 <a:solidFill>
                   <a:srgbClr val="000000"/>
                 </a:solidFill>
                 <a:latin typeface="Corbel"/>
+                <a:ea typeface="DejaVu Sans"/>
               </a:rPr>
-              <a:t>Thank you</a:t>
+              <a:t>Зависимость от инфраструктуры</a:t>
             </a:r>
-            <a:endParaRPr b="0" lang="en-US" sz="4000" spc="-1" strike="noStrike">
+            <a:endParaRPr b="0" lang="en-US" sz="3000" spc="-1" strike="noStrike">
+              <a:latin typeface="Arial"/>
+            </a:endParaRPr>
+          </a:p>
+          <a:p>
+            <a:pPr marL="285840" indent="-284760">
+              <a:lnSpc>
+                <a:spcPct val="100000"/>
+              </a:lnSpc>
+              <a:spcBef>
+                <a:spcPts val="601"/>
+              </a:spcBef>
+              <a:spcAft>
+                <a:spcPts val="601"/>
+              </a:spcAft>
+              <a:buClr>
+                <a:srgbClr val="b96c11"/>
+              </a:buClr>
+              <a:buSzPct val="145000"/>
+              <a:buFont typeface="Arial"/>
+              <a:buChar char="•"/>
+            </a:pPr>
+            <a:r>
+              <a:rPr b="0" lang="en-US" sz="3000" spc="-1" strike="noStrike">
+                <a:solidFill>
+                  <a:srgbClr val="000000"/>
+                </a:solidFill>
+                <a:latin typeface="Corbel"/>
+                <a:ea typeface="DejaVu Sans"/>
+              </a:rPr>
+              <a:t>Зависимость от консистености энвайромента</a:t>
+            </a:r>
+            <a:endParaRPr b="0" lang="en-US" sz="3000" spc="-1" strike="noStrike">
+              <a:latin typeface="Arial"/>
+            </a:endParaRPr>
+          </a:p>
+          <a:p>
+            <a:pPr marL="285840" indent="-284760">
+              <a:lnSpc>
+                <a:spcPct val="100000"/>
+              </a:lnSpc>
+              <a:spcBef>
+                <a:spcPts val="601"/>
+              </a:spcBef>
+              <a:spcAft>
+                <a:spcPts val="601"/>
+              </a:spcAft>
+              <a:buClr>
+                <a:srgbClr val="b96c11"/>
+              </a:buClr>
+              <a:buSzPct val="145000"/>
+              <a:buFont typeface="Arial"/>
+              <a:buChar char="•"/>
+            </a:pPr>
+            <a:r>
+              <a:rPr b="0" lang="en-US" sz="3000" spc="-1" strike="noStrike">
+                <a:solidFill>
+                  <a:srgbClr val="000000"/>
+                </a:solidFill>
+                <a:latin typeface="Corbel"/>
+                <a:ea typeface="DejaVu Sans"/>
+              </a:rPr>
+              <a:t>Большое потребление ресурсов</a:t>
+            </a:r>
+            <a:endParaRPr b="0" lang="en-US" sz="3000" spc="-1" strike="noStrike">
+              <a:latin typeface="Arial"/>
+            </a:endParaRPr>
+          </a:p>
+          <a:p>
+            <a:pPr marL="285840" indent="-284760">
+              <a:lnSpc>
+                <a:spcPct val="100000"/>
+              </a:lnSpc>
+              <a:spcBef>
+                <a:spcPts val="601"/>
+              </a:spcBef>
+              <a:spcAft>
+                <a:spcPts val="601"/>
+              </a:spcAft>
+              <a:buClr>
+                <a:srgbClr val="b96c11"/>
+              </a:buClr>
+              <a:buSzPct val="145000"/>
+              <a:buFont typeface="Arial"/>
+              <a:buChar char="•"/>
+            </a:pPr>
+            <a:r>
+              <a:rPr b="0" lang="en-US" sz="3000" spc="-1" strike="noStrike">
+                <a:solidFill>
+                  <a:srgbClr val="000000"/>
+                </a:solidFill>
+                <a:latin typeface="Corbel"/>
+                <a:ea typeface="DejaVu Sans"/>
+              </a:rPr>
+              <a:t>Долгое время выполнения</a:t>
+            </a:r>
+            <a:endParaRPr b="0" lang="en-US" sz="3000" spc="-1" strike="noStrike">
+              <a:latin typeface="Arial"/>
+            </a:endParaRPr>
+          </a:p>
+        </p:txBody>
+      </p:sp>
+      <p:sp>
+        <p:nvSpPr>
+          <p:cNvPr id="232" name="TextShape 3"/>
+          <p:cNvSpPr txBox="1"/>
+          <p:nvPr/>
+        </p:nvSpPr>
+        <p:spPr>
+          <a:xfrm>
+            <a:off x="3713400" y="1533600"/>
+            <a:ext cx="5821200" cy="533520"/>
+          </a:xfrm>
+          <a:prstGeom prst="rect">
+            <a:avLst/>
+          </a:prstGeom>
+          <a:noFill/>
+          <a:ln>
+            <a:noFill/>
+          </a:ln>
+        </p:spPr>
+        <p:txBody>
+          <a:bodyPr lIns="90000" rIns="90000" tIns="45000" bIns="45000"/>
+          <a:p>
+            <a:pPr algn="ctr"/>
+            <a:r>
+              <a:rPr b="0" lang="en-US" sz="2800" spc="-1" strike="noStrike">
+                <a:solidFill>
+                  <a:srgbClr val="000000"/>
+                </a:solidFill>
+                <a:latin typeface="Corbel"/>
+                <a:ea typeface="DejaVu Sans"/>
+              </a:rPr>
+              <a:t>Проблемы при эксплуатации</a:t>
+            </a:r>
+            <a:endParaRPr b="0" lang="en-US" sz="2800" spc="-1" strike="noStrike">
               <a:latin typeface="Arial"/>
             </a:endParaRPr>
           </a:p>
@@ -7108,16 +10141,39 @@
           <a:chExt cx="0" cy="0"/>
         </a:xfrm>
       </p:grpSpPr>
-      <p:sp>
-        <p:nvSpPr>
-          <p:cNvPr id="181" name="TextShape 1"/>
+      <p:pic>
+        <p:nvPicPr>
+          <p:cNvPr id="233" name="" descr=""/>
+          <p:cNvPicPr/>
+          <p:nvPr/>
+        </p:nvPicPr>
+        <p:blipFill>
+          <a:blip r:embed="rId1"/>
+          <a:stretch/>
+        </p:blipFill>
+        <p:spPr>
+          <a:xfrm>
+            <a:off x="3638160" y="1490400"/>
+            <a:ext cx="5124600" cy="4295880"/>
+          </a:xfrm>
+          <a:prstGeom prst="rect">
+            <a:avLst/>
+          </a:prstGeom>
+          <a:ln>
+            <a:noFill/>
+          </a:ln>
+        </p:spPr>
+      </p:pic>
+      <p:sp>
+        <p:nvSpPr>
+          <p:cNvPr id="234" name="TextShape 1"/>
           <p:cNvSpPr txBox="1"/>
           <p:nvPr/>
         </p:nvSpPr>
         <p:spPr>
           <a:xfrm>
-            <a:off x="609480" y="221040"/>
-            <a:ext cx="10972440" cy="1250280"/>
+            <a:off x="3598920" y="360720"/>
+            <a:ext cx="5662440" cy="487440"/>
           </a:xfrm>
           <a:prstGeom prst="rect">
             <a:avLst/>
@@ -7128,25 +10184,65 @@
           </a:ln>
         </p:spPr>
         <p:txBody>
-          <a:bodyPr lIns="0" rIns="0" tIns="0" bIns="0" anchor="ctr"/>
+          <a:bodyPr lIns="90000" rIns="90000" tIns="45000" bIns="45000"/>
           <a:p>
             <a:pPr algn="ctr"/>
-            <a:endParaRPr b="0" lang="en-US" sz="4400" spc="-1" strike="noStrike">
-              <a:latin typeface="Arial"/>
-            </a:endParaRPr>
-          </a:p>
-        </p:txBody>
-      </p:sp>
-      <p:sp>
-        <p:nvSpPr>
-          <p:cNvPr id="182" name="TextShape 2"/>
-          <p:cNvSpPr txBox="1"/>
+            <a:r>
+              <a:rPr b="0" lang="en-US" sz="2800" spc="-1" strike="noStrike">
+                <a:solidFill>
+                  <a:srgbClr val="000000"/>
+                </a:solidFill>
+                <a:latin typeface="Corbel"/>
+                <a:ea typeface="DejaVu Sans"/>
+              </a:rPr>
+              <a:t>Тестовая инфраструктура</a:t>
+            </a:r>
+            <a:endParaRPr b="0" lang="en-US" sz="2800" spc="-1" strike="noStrike">
+              <a:latin typeface="Arial"/>
+            </a:endParaRPr>
+          </a:p>
+        </p:txBody>
+      </p:sp>
+    </p:spTree>
+  </p:cSld>
+  <mc:AlternateContent>
+    <mc:Choice Requires="p14">
+      <p:transition spd="slow" p14:dur="2000"/>
+    </mc:Choice>
+    <mc:Fallback>
+      <p:transition spd="slow"/>
+    </mc:Fallback>
+  </mc:AlternateContent>
+</p:sld>
+</file>
+
+<file path=ppt/slides/slide14.xml><?xml version="1.0" encoding="utf-8"?>
+<p:sld xmlns:a="http://schemas.openxmlformats.org/drawingml/2006/main" xmlns:p="http://schemas.openxmlformats.org/presentationml/2006/main" xmlns:r="http://schemas.openxmlformats.org/officeDocument/2006/relationships" xmlns:p14="http://schemas.microsoft.com/office/powerpoint/2010/main" xmlns:p15="http://schemas.microsoft.com/office/powerpoint/2012/main" xmlns:mc="http://schemas.openxmlformats.org/markup-compatibility/2006">
+  <p:cSld>
+    <p:spTree>
+      <p:nvGrpSpPr>
+        <p:cNvPr id="1" name=""/>
+        <p:cNvGrpSpPr/>
+        <p:nvPr/>
+      </p:nvGrpSpPr>
+      <p:grpSpPr>
+        <a:xfrm>
+          <a:off x="0" y="0"/>
+          <a:ext cx="0" cy="0"/>
+          <a:chOff x="0" y="0"/>
+          <a:chExt cx="0" cy="0"/>
+        </a:xfrm>
+      </p:grpSpPr>
+      <p:sp>
+        <p:nvSpPr>
+          <p:cNvPr id="235" name="CustomShape 1"/>
+          <p:cNvSpPr/>
           <p:nvPr/>
         </p:nvSpPr>
         <p:spPr>
           <a:xfrm>
-            <a:off x="609480" y="1604520"/>
-            <a:ext cx="3533040" cy="1896840"/>
+            <a:off x="1484280" y="685800"/>
+            <a:ext cx="10017720" cy="1751400"/>
           </a:xfrm>
           <a:prstGeom prst="rect">
             <a:avLst/>
@@ -7156,162 +10252,31 @@
             <a:noFill/>
           </a:ln>
         </p:spPr>
-        <p:txBody>
-          <a:bodyPr lIns="0" rIns="0" tIns="0" bIns="0">
-            <a:normAutofit/>
-          </a:bodyPr>
-          <a:p>
-            <a:endParaRPr b="0" lang="en-US" sz="3200" spc="-1" strike="noStrike">
-              <a:latin typeface="Arial"/>
-            </a:endParaRPr>
-          </a:p>
-        </p:txBody>
-      </p:sp>
-      <p:sp>
-        <p:nvSpPr>
-          <p:cNvPr id="183" name="TextShape 3"/>
-          <p:cNvSpPr txBox="1"/>
-          <p:nvPr/>
-        </p:nvSpPr>
-        <p:spPr>
-          <a:xfrm>
-            <a:off x="4319640" y="1604520"/>
-            <a:ext cx="3533040" cy="1896840"/>
-          </a:xfrm>
-          <a:prstGeom prst="rect">
-            <a:avLst/>
-          </a:prstGeom>
-          <a:noFill/>
-          <a:ln>
-            <a:noFill/>
-          </a:ln>
-        </p:spPr>
-        <p:txBody>
-          <a:bodyPr lIns="0" rIns="0" tIns="0" bIns="0">
-            <a:normAutofit/>
-          </a:bodyPr>
-          <a:p>
-            <a:endParaRPr b="0" lang="en-US" sz="3200" spc="-1" strike="noStrike">
-              <a:latin typeface="Arial"/>
-            </a:endParaRPr>
-          </a:p>
-        </p:txBody>
-      </p:sp>
-      <p:sp>
-        <p:nvSpPr>
-          <p:cNvPr id="184" name="TextShape 4"/>
-          <p:cNvSpPr txBox="1"/>
-          <p:nvPr/>
-        </p:nvSpPr>
-        <p:spPr>
-          <a:xfrm>
-            <a:off x="8029800" y="1604520"/>
-            <a:ext cx="3533040" cy="1896840"/>
-          </a:xfrm>
-          <a:prstGeom prst="rect">
-            <a:avLst/>
-          </a:prstGeom>
-          <a:noFill/>
-          <a:ln>
-            <a:noFill/>
-          </a:ln>
-        </p:spPr>
-        <p:txBody>
-          <a:bodyPr lIns="0" rIns="0" tIns="0" bIns="0">
-            <a:normAutofit/>
-          </a:bodyPr>
-          <a:p>
-            <a:endParaRPr b="0" lang="en-US" sz="3200" spc="-1" strike="noStrike">
-              <a:latin typeface="Arial"/>
-            </a:endParaRPr>
-          </a:p>
-        </p:txBody>
-      </p:sp>
-      <p:sp>
-        <p:nvSpPr>
-          <p:cNvPr id="185" name="TextShape 5"/>
-          <p:cNvSpPr txBox="1"/>
-          <p:nvPr/>
-        </p:nvSpPr>
-        <p:spPr>
-          <a:xfrm>
-            <a:off x="609480" y="3682080"/>
-            <a:ext cx="3533040" cy="1896840"/>
-          </a:xfrm>
-          <a:prstGeom prst="rect">
-            <a:avLst/>
-          </a:prstGeom>
-          <a:noFill/>
-          <a:ln>
-            <a:noFill/>
-          </a:ln>
-        </p:spPr>
-        <p:txBody>
-          <a:bodyPr lIns="0" rIns="0" tIns="0" bIns="0">
-            <a:normAutofit/>
-          </a:bodyPr>
-          <a:p>
-            <a:endParaRPr b="0" lang="en-US" sz="3200" spc="-1" strike="noStrike">
-              <a:latin typeface="Arial"/>
-            </a:endParaRPr>
-          </a:p>
-        </p:txBody>
-      </p:sp>
-      <p:sp>
-        <p:nvSpPr>
-          <p:cNvPr id="186" name="TextShape 6"/>
-          <p:cNvSpPr txBox="1"/>
-          <p:nvPr/>
-        </p:nvSpPr>
-        <p:spPr>
-          <a:xfrm>
-            <a:off x="4319640" y="3682080"/>
-            <a:ext cx="3533040" cy="1896840"/>
-          </a:xfrm>
-          <a:prstGeom prst="rect">
-            <a:avLst/>
-          </a:prstGeom>
-          <a:noFill/>
-          <a:ln>
-            <a:noFill/>
-          </a:ln>
-        </p:spPr>
-        <p:txBody>
-          <a:bodyPr lIns="0" rIns="0" tIns="0" bIns="0">
-            <a:normAutofit/>
-          </a:bodyPr>
-          <a:p>
-            <a:endParaRPr b="0" lang="en-US" sz="3200" spc="-1" strike="noStrike">
-              <a:latin typeface="Arial"/>
-            </a:endParaRPr>
-          </a:p>
-        </p:txBody>
-      </p:sp>
-      <p:sp>
-        <p:nvSpPr>
-          <p:cNvPr id="187" name="TextShape 7"/>
-          <p:cNvSpPr txBox="1"/>
-          <p:nvPr/>
-        </p:nvSpPr>
-        <p:spPr>
-          <a:xfrm>
-            <a:off x="8029800" y="3682080"/>
-            <a:ext cx="3533040" cy="1896840"/>
-          </a:xfrm>
-          <a:prstGeom prst="rect">
-            <a:avLst/>
-          </a:prstGeom>
-          <a:noFill/>
-          <a:ln>
-            <a:noFill/>
-          </a:ln>
-        </p:spPr>
-        <p:txBody>
-          <a:bodyPr lIns="0" rIns="0" tIns="0" bIns="0">
-            <a:normAutofit/>
-          </a:bodyPr>
-          <a:p>
-            <a:endParaRPr b="0" lang="en-US" sz="3200" spc="-1" strike="noStrike">
+        <p:style>
+          <a:lnRef idx="0"/>
+          <a:fillRef idx="0"/>
+          <a:effectRef idx="0"/>
+          <a:fontRef idx="minor"/>
+        </p:style>
+        <p:txBody>
+          <a:bodyPr lIns="90000" rIns="90000" tIns="45000" bIns="45000" anchor="ctr"/>
+          <a:p>
+            <a:pPr algn="ctr">
+              <a:lnSpc>
+                <a:spcPct val="100000"/>
+              </a:lnSpc>
+            </a:pPr>
+            <a:r>
+              <a:rPr b="0" lang="en-US" sz="4000" spc="-1" strike="noStrike">
+                <a:solidFill>
+                  <a:srgbClr val="000000"/>
+                </a:solidFill>
+                <a:latin typeface="Corbel"/>
+                <a:ea typeface="DejaVu Sans"/>
+              </a:rPr>
+              <a:t>Thank you</a:t>
+            </a:r>
+            <a:endParaRPr b="0" lang="en-US" sz="4000" spc="-1" strike="noStrike">
               <a:latin typeface="Arial"/>
             </a:endParaRPr>
           </a:p>
@@ -7376,14 +10341,14 @@
       </p:grpSpPr>
       <p:sp>
         <p:nvSpPr>
-          <p:cNvPr id="145" name="CustomShape 1"/>
+          <p:cNvPr id="195" name="CustomShape 1"/>
           <p:cNvSpPr/>
           <p:nvPr/>
         </p:nvSpPr>
         <p:spPr>
           <a:xfrm>
             <a:off x="1484280" y="550080"/>
-            <a:ext cx="10018080" cy="561600"/>
+            <a:ext cx="10017720" cy="561240"/>
           </a:xfrm>
           <a:prstGeom prst="rect">
             <a:avLst/>
@@ -7415,6 +10380,7 @@
                   <a:srgbClr val="000000"/>
                 </a:solidFill>
                 <a:latin typeface="Corbel"/>
+                <a:ea typeface="DejaVu Sans"/>
               </a:rPr>
               <a:t>Цель презентации</a:t>
             </a:r>
@@ -7426,14 +10392,14 @@
       </p:sp>
       <p:sp>
         <p:nvSpPr>
-          <p:cNvPr id="146" name="CustomShape 2"/>
+          <p:cNvPr id="196" name="CustomShape 2"/>
           <p:cNvSpPr/>
           <p:nvPr/>
         </p:nvSpPr>
         <p:spPr>
           <a:xfrm>
             <a:off x="1484280" y="1458000"/>
-            <a:ext cx="10018080" cy="1316160"/>
+            <a:ext cx="10017720" cy="1315800"/>
           </a:xfrm>
           <a:prstGeom prst="rect">
             <a:avLst/>
@@ -7454,7 +10420,7 @@
             <a:normAutofit fontScale="91000"/>
           </a:bodyPr>
           <a:p>
-            <a:pPr marL="285840" indent="-285120">
+            <a:pPr marL="285840" indent="-284760">
               <a:lnSpc>
                 <a:spcPct val="100000"/>
               </a:lnSpc>
@@ -7477,6 +10443,7 @@
                   <a:srgbClr val="000000"/>
                 </a:solidFill>
                 <a:latin typeface="Corbel"/>
+                <a:ea typeface="DejaVu Sans"/>
               </a:rPr>
               <a:t>Показать подход, облегчающий тестирование API в коде</a:t>
             </a:r>
@@ -7485,7 +10452,7 @@
             </a:endParaRPr>
           </a:p>
           <a:p>
-            <a:pPr marL="285840" indent="-285120">
+            <a:pPr marL="285840" indent="-284760">
               <a:lnSpc>
                 <a:spcPct val="100000"/>
               </a:lnSpc>
@@ -7508,6 +10475,7 @@
                   <a:srgbClr val="000000"/>
                 </a:solidFill>
                 <a:latin typeface="Corbel"/>
+                <a:ea typeface="DejaVu Sans"/>
               </a:rPr>
               <a:t>Показать инструменты, облегчающие мануальное тестирование API</a:t>
             </a:r>
@@ -7519,14 +10487,14 @@
       </p:sp>
       <p:sp>
         <p:nvSpPr>
-          <p:cNvPr id="147" name="CustomShape 3"/>
+          <p:cNvPr id="197" name="CustomShape 3"/>
           <p:cNvSpPr/>
           <p:nvPr/>
         </p:nvSpPr>
         <p:spPr>
           <a:xfrm>
             <a:off x="1484280" y="3176280"/>
-            <a:ext cx="10018080" cy="638640"/>
+            <a:ext cx="10017720" cy="638280"/>
           </a:xfrm>
           <a:prstGeom prst="rect">
             <a:avLst/>
@@ -7568,14 +10536,14 @@
       </p:sp>
       <p:sp>
         <p:nvSpPr>
-          <p:cNvPr id="148" name="CustomShape 4"/>
+          <p:cNvPr id="198" name="CustomShape 4"/>
           <p:cNvSpPr/>
           <p:nvPr/>
         </p:nvSpPr>
         <p:spPr>
           <a:xfrm>
             <a:off x="1484280" y="4233600"/>
-            <a:ext cx="9756720" cy="1003680"/>
+            <a:ext cx="9756360" cy="1003320"/>
           </a:xfrm>
           <a:prstGeom prst="rect">
             <a:avLst/>
@@ -7594,7 +10562,7 @@
         <p:txBody>
           <a:bodyPr lIns="90000" rIns="90000" tIns="45000" bIns="45000"/>
           <a:p>
-            <a:pPr marL="285840" indent="-285120">
+            <a:pPr marL="285840" indent="-284760">
               <a:lnSpc>
                 <a:spcPct val="100000"/>
               </a:lnSpc>
@@ -7620,7 +10588,7 @@
             </a:endParaRPr>
           </a:p>
           <a:p>
-            <a:pPr marL="285840" indent="-285120">
+            <a:pPr marL="285840" indent="-284760">
               <a:lnSpc>
                 <a:spcPct val="100000"/>
               </a:lnSpc>
@@ -7646,7 +10614,7 @@
             </a:endParaRPr>
           </a:p>
           <a:p>
-            <a:pPr marL="285840" indent="-285120">
+            <a:pPr marL="285840" indent="-284760">
               <a:lnSpc>
                 <a:spcPct val="100000"/>
               </a:lnSpc>
@@ -7675,14 +10643,14 @@
       </p:sp>
       <p:sp>
         <p:nvSpPr>
-          <p:cNvPr id="149" name="CustomShape 5"/>
+          <p:cNvPr id="199" name="CustomShape 5"/>
           <p:cNvSpPr/>
           <p:nvPr/>
         </p:nvSpPr>
         <p:spPr>
           <a:xfrm>
             <a:off x="10951920" y="5867280"/>
-            <a:ext cx="550440" cy="364320"/>
+            <a:ext cx="550080" cy="363960"/>
           </a:xfrm>
           <a:prstGeom prst="rect">
             <a:avLst/>
@@ -7706,12 +10674,13 @@
                 <a:spcPct val="100000"/>
               </a:lnSpc>
             </a:pPr>
-            <a:fld id="{24B94999-78A3-4AAB-BB17-EDB1BA75546E}" type="slidenum">
+            <a:fld id="{522A09C6-411E-4860-943B-B5D08F41B612}" type="slidenum">
               <a:rPr b="0" lang="en-US" sz="1400" spc="-1" strike="noStrike">
                 <a:solidFill>
                   <a:srgbClr val="000000"/>
                 </a:solidFill>
                 <a:latin typeface="Corbel"/>
+                <a:ea typeface="DejaVu Sans"/>
               </a:rPr>
               <a:t>2</a:t>
             </a:fld>
@@ -7780,14 +10749,14 @@
       </p:grpSpPr>
       <p:sp>
         <p:nvSpPr>
-          <p:cNvPr id="150" name="CustomShape 1"/>
+          <p:cNvPr id="200" name="CustomShape 1"/>
           <p:cNvSpPr/>
           <p:nvPr/>
         </p:nvSpPr>
         <p:spPr>
           <a:xfrm>
             <a:off x="1484280" y="685800"/>
-            <a:ext cx="10018080" cy="456480"/>
+            <a:ext cx="10017720" cy="456120"/>
           </a:xfrm>
           <a:prstGeom prst="rect">
             <a:avLst/>
@@ -7819,6 +10788,7 @@
                   <a:srgbClr val="000000"/>
                 </a:solidFill>
                 <a:latin typeface="Corbel"/>
+                <a:ea typeface="DejaVu Sans"/>
               </a:rPr>
               <a:t>Повестка дня</a:t>
             </a:r>
@@ -7830,14 +10800,14 @@
       </p:sp>
       <p:sp>
         <p:nvSpPr>
-          <p:cNvPr id="151" name="CustomShape 2"/>
+          <p:cNvPr id="201" name="CustomShape 2"/>
           <p:cNvSpPr/>
           <p:nvPr/>
         </p:nvSpPr>
         <p:spPr>
           <a:xfrm>
             <a:off x="1484280" y="1493280"/>
-            <a:ext cx="10018080" cy="3160080"/>
+            <a:ext cx="10017720" cy="3159720"/>
           </a:xfrm>
           <a:prstGeom prst="rect">
             <a:avLst/>
@@ -7858,7 +10828,7 @@
             <a:normAutofit/>
           </a:bodyPr>
           <a:p>
-            <a:pPr marL="285840" indent="-285120">
+            <a:pPr marL="285840" indent="-284760">
               <a:lnSpc>
                 <a:spcPct val="100000"/>
               </a:lnSpc>
@@ -7881,6 +10851,7 @@
                   <a:srgbClr val="000000"/>
                 </a:solidFill>
                 <a:latin typeface="Corbel"/>
+                <a:ea typeface="DejaVu Sans"/>
               </a:rPr>
               <a:t>Вводная часть с определениями</a:t>
             </a:r>
@@ -7889,7 +10860,7 @@
             </a:endParaRPr>
           </a:p>
           <a:p>
-            <a:pPr marL="285840" indent="-285120">
+            <a:pPr marL="285840" indent="-284760">
               <a:lnSpc>
                 <a:spcPct val="100000"/>
               </a:lnSpc>
@@ -7912,6 +10883,7 @@
                   <a:srgbClr val="000000"/>
                 </a:solidFill>
                 <a:latin typeface="Corbel"/>
+                <a:ea typeface="DejaVu Sans"/>
               </a:rPr>
               <a:t>Автогенерация клиентов на основе Swagger (OAS 3)</a:t>
             </a:r>
@@ -7920,7 +10892,7 @@
             </a:endParaRPr>
           </a:p>
           <a:p>
-            <a:pPr marL="285840" indent="-285120">
+            <a:pPr marL="285840" indent="-284760">
               <a:lnSpc>
                 <a:spcPct val="100000"/>
               </a:lnSpc>
@@ -7943,6 +10915,7 @@
                   <a:srgbClr val="000000"/>
                 </a:solidFill>
                 <a:latin typeface="Corbel"/>
+                <a:ea typeface="DejaVu Sans"/>
               </a:rPr>
               <a:t>Автоматическое тестирование API через Postman</a:t>
             </a:r>
@@ -7951,7 +10924,7 @@
             </a:endParaRPr>
           </a:p>
           <a:p>
-            <a:pPr marL="285840" indent="-285120">
+            <a:pPr marL="285840" indent="-284760">
               <a:lnSpc>
                 <a:spcPct val="100000"/>
               </a:lnSpc>
@@ -7974,6 +10947,7 @@
                   <a:srgbClr val="000000"/>
                 </a:solidFill>
                 <a:latin typeface="Corbel"/>
+                <a:ea typeface="DejaVu Sans"/>
               </a:rPr>
               <a:t> </a:t>
             </a:r>
@@ -7983,6 +10957,7 @@
                   <a:srgbClr val="000000"/>
                 </a:solidFill>
                 <a:latin typeface="Corbel"/>
+                <a:ea typeface="DejaVu Sans"/>
               </a:rPr>
               <a:t>Написание интеграционных тестов для aspnet core</a:t>
             </a:r>
@@ -7994,14 +10969,14 @@
       </p:sp>
       <p:sp>
         <p:nvSpPr>
-          <p:cNvPr id="152" name="CustomShape 3"/>
+          <p:cNvPr id="202" name="CustomShape 3"/>
           <p:cNvSpPr/>
           <p:nvPr/>
         </p:nvSpPr>
         <p:spPr>
           <a:xfrm>
             <a:off x="10951920" y="5867280"/>
-            <a:ext cx="550440" cy="364320"/>
+            <a:ext cx="550080" cy="363960"/>
           </a:xfrm>
           <a:prstGeom prst="rect">
             <a:avLst/>
@@ -8025,12 +11000,13 @@
                 <a:spcPct val="100000"/>
               </a:lnSpc>
             </a:pPr>
-            <a:fld id="{ED126D6A-E2AA-4213-A58C-C731FDFC03B6}" type="slidenum">
+            <a:fld id="{B860EDAA-B6BA-424E-B122-F6E0382AEC6A}" type="slidenum">
               <a:rPr b="0" lang="en-US" sz="1400" spc="-1" strike="noStrike">
                 <a:solidFill>
                   <a:srgbClr val="000000"/>
                 </a:solidFill>
                 <a:latin typeface="Corbel"/>
+                <a:ea typeface="DejaVu Sans"/>
               </a:rPr>
               <a:t>3</a:t>
             </a:fld>
@@ -8099,7 +11075,7 @@
       </p:grpSpPr>
       <p:pic>
         <p:nvPicPr>
-          <p:cNvPr id="153" name="" descr=""/>
+          <p:cNvPr id="203" name="" descr=""/>
           <p:cNvPicPr/>
           <p:nvPr/>
         </p:nvPicPr>
@@ -8110,7 +11086,7 @@
         <p:spPr>
           <a:xfrm>
             <a:off x="2269800" y="2268360"/>
-            <a:ext cx="7724880" cy="2085840"/>
+            <a:ext cx="7724520" cy="2085480"/>
           </a:xfrm>
           <a:prstGeom prst="rect">
             <a:avLst/>
@@ -8122,14 +11098,14 @@
       </p:pic>
       <p:sp>
         <p:nvSpPr>
-          <p:cNvPr id="154" name="TextShape 1"/>
-          <p:cNvSpPr txBox="1"/>
+          <p:cNvPr id="204" name="CustomShape 1"/>
+          <p:cNvSpPr/>
           <p:nvPr/>
         </p:nvSpPr>
         <p:spPr>
           <a:xfrm>
             <a:off x="3455280" y="731520"/>
-            <a:ext cx="5669280" cy="852120"/>
+            <a:ext cx="5668920" cy="851760"/>
           </a:xfrm>
           <a:prstGeom prst="rect">
             <a:avLst/>
@@ -8139,10 +11115,20 @@
             <a:noFill/>
           </a:ln>
         </p:spPr>
+        <p:style>
+          <a:lnRef idx="0"/>
+          <a:fillRef idx="0"/>
+          <a:effectRef idx="0"/>
+          <a:fontRef idx="minor"/>
+        </p:style>
         <p:txBody>
           <a:bodyPr lIns="90000" rIns="90000" tIns="45000" bIns="45000"/>
           <a:p>
-            <a:pPr algn="ctr"/>
+            <a:pPr algn="ctr">
+              <a:lnSpc>
+                <a:spcPct val="100000"/>
+              </a:lnSpc>
+            </a:pPr>
             <a:r>
               <a:rPr b="0" lang="en-US" sz="2400" spc="-1" strike="noStrike">
                 <a:solidFill>
@@ -8217,7 +11203,7 @@
       </p:grpSpPr>
       <p:pic>
         <p:nvPicPr>
-          <p:cNvPr id="155" name="" descr=""/>
+          <p:cNvPr id="205" name="" descr=""/>
           <p:cNvPicPr/>
           <p:nvPr/>
         </p:nvPicPr>
@@ -8228,7 +11214,7 @@
         <p:spPr>
           <a:xfrm>
             <a:off x="1434960" y="1608120"/>
-            <a:ext cx="2771280" cy="3695400"/>
+            <a:ext cx="2770920" cy="3695040"/>
           </a:xfrm>
           <a:prstGeom prst="rect">
             <a:avLst/>
@@ -8240,7 +11226,7 @@
       </p:pic>
       <p:pic>
         <p:nvPicPr>
-          <p:cNvPr id="156" name="" descr=""/>
+          <p:cNvPr id="206" name="" descr=""/>
           <p:cNvPicPr/>
           <p:nvPr/>
         </p:nvPicPr>
@@ -8251,7 +11237,7 @@
         <p:spPr>
           <a:xfrm>
             <a:off x="4937760" y="2560320"/>
-            <a:ext cx="6505560" cy="1819440"/>
+            <a:ext cx="6505200" cy="1819080"/>
           </a:xfrm>
           <a:prstGeom prst="rect">
             <a:avLst/>
@@ -8263,14 +11249,14 @@
       </p:pic>
       <p:sp>
         <p:nvSpPr>
-          <p:cNvPr id="157" name="TextShape 1"/>
-          <p:cNvSpPr txBox="1"/>
+          <p:cNvPr id="207" name="CustomShape 1"/>
+          <p:cNvSpPr/>
           <p:nvPr/>
         </p:nvSpPr>
         <p:spPr>
           <a:xfrm>
             <a:off x="5394960" y="2011680"/>
-            <a:ext cx="3383280" cy="365760"/>
+            <a:ext cx="3382920" cy="365400"/>
           </a:xfrm>
           <a:prstGeom prst="rect">
             <a:avLst/>
@@ -8280,10 +11266,20 @@
             <a:noFill/>
           </a:ln>
         </p:spPr>
+        <p:style>
+          <a:lnRef idx="0"/>
+          <a:fillRef idx="0"/>
+          <a:effectRef idx="0"/>
+          <a:fontRef idx="minor"/>
+        </p:style>
         <p:txBody>
           <a:bodyPr lIns="90000" rIns="90000" tIns="45000" bIns="45000"/>
           <a:p>
-            <a:pPr algn="ctr"/>
+            <a:pPr algn="ctr">
+              <a:lnSpc>
+                <a:spcPct val="100000"/>
+              </a:lnSpc>
+            </a:pPr>
             <a:r>
               <a:rPr b="0" lang="en-US" sz="1600" spc="-1" strike="noStrike">
                 <a:solidFill>
@@ -8301,14 +11297,14 @@
       </p:sp>
       <p:sp>
         <p:nvSpPr>
-          <p:cNvPr id="158" name="TextShape 2"/>
-          <p:cNvSpPr txBox="1"/>
+          <p:cNvPr id="208" name="CustomShape 2"/>
+          <p:cNvSpPr/>
           <p:nvPr/>
         </p:nvSpPr>
         <p:spPr>
           <a:xfrm>
             <a:off x="1371600" y="1097280"/>
-            <a:ext cx="2926080" cy="365760"/>
+            <a:ext cx="2925720" cy="365400"/>
           </a:xfrm>
           <a:prstGeom prst="rect">
             <a:avLst/>
@@ -8318,10 +11314,20 @@
             <a:noFill/>
           </a:ln>
         </p:spPr>
+        <p:style>
+          <a:lnRef idx="0"/>
+          <a:fillRef idx="0"/>
+          <a:effectRef idx="0"/>
+          <a:fontRef idx="minor"/>
+        </p:style>
         <p:txBody>
           <a:bodyPr lIns="90000" rIns="90000" tIns="45000" bIns="45000"/>
           <a:p>
-            <a:pPr algn="ctr"/>
+            <a:pPr algn="ctr">
+              <a:lnSpc>
+                <a:spcPct val="100000"/>
+              </a:lnSpc>
+            </a:pPr>
             <a:r>
               <a:rPr b="0" lang="en-US" sz="1600" spc="-1" strike="noStrike">
                 <a:solidFill>
@@ -8396,7 +11402,7 @@
       </p:grpSpPr>
       <p:pic>
         <p:nvPicPr>
-          <p:cNvPr id="159" name="" descr=""/>
+          <p:cNvPr id="209" name="" descr=""/>
           <p:cNvPicPr/>
           <p:nvPr/>
         </p:nvPicPr>
@@ -8407,7 +11413,7 @@
         <p:spPr>
           <a:xfrm>
             <a:off x="19440" y="2449440"/>
-            <a:ext cx="4754880" cy="2305440"/>
+            <a:ext cx="4754520" cy="2305080"/>
           </a:xfrm>
           <a:prstGeom prst="rect">
             <a:avLst/>
@@ -8419,7 +11425,7 @@
       </p:pic>
       <p:pic>
         <p:nvPicPr>
-          <p:cNvPr id="160" name="" descr=""/>
+          <p:cNvPr id="210" name="" descr=""/>
           <p:cNvPicPr/>
           <p:nvPr/>
         </p:nvPicPr>
@@ -8430,7 +11436,7 @@
         <p:spPr>
           <a:xfrm>
             <a:off x="4901760" y="1097280"/>
-            <a:ext cx="7219440" cy="4704840"/>
+            <a:ext cx="7219080" cy="4704480"/>
           </a:xfrm>
           <a:prstGeom prst="rect">
             <a:avLst/>
@@ -8442,14 +11448,14 @@
       </p:pic>
       <p:sp>
         <p:nvSpPr>
-          <p:cNvPr id="161" name="TextShape 1"/>
-          <p:cNvSpPr txBox="1"/>
+          <p:cNvPr id="211" name="CustomShape 1"/>
+          <p:cNvSpPr/>
           <p:nvPr/>
         </p:nvSpPr>
         <p:spPr>
           <a:xfrm>
             <a:off x="4546800" y="365760"/>
-            <a:ext cx="4583520" cy="430200"/>
+            <a:ext cx="4583160" cy="429840"/>
           </a:xfrm>
           <a:prstGeom prst="rect">
             <a:avLst/>
@@ -8459,9 +11465,20 @@
             <a:noFill/>
           </a:ln>
         </p:spPr>
+        <p:style>
+          <a:lnRef idx="0"/>
+          <a:fillRef idx="0"/>
+          <a:effectRef idx="0"/>
+          <a:fontRef idx="minor"/>
+        </p:style>
         <p:txBody>
           <a:bodyPr lIns="90000" rIns="90000" tIns="45000" bIns="45000"/>
           <a:p>
+            <a:pPr>
+              <a:lnSpc>
+                <a:spcPct val="100000"/>
+              </a:lnSpc>
+            </a:pPr>
             <a:r>
               <a:rPr b="0" lang="en-US" sz="2400" spc="-1" strike="noStrike">
                 <a:latin typeface="Arial"/>
@@ -8533,14 +11550,14 @@
       </p:grpSpPr>
       <p:sp>
         <p:nvSpPr>
-          <p:cNvPr id="162" name="TextShape 1"/>
-          <p:cNvSpPr txBox="1"/>
+          <p:cNvPr id="212" name="CustomShape 1"/>
+          <p:cNvSpPr/>
           <p:nvPr/>
         </p:nvSpPr>
         <p:spPr>
           <a:xfrm>
             <a:off x="3291840" y="328680"/>
-            <a:ext cx="7020360" cy="402840"/>
+            <a:ext cx="7020000" cy="402480"/>
           </a:xfrm>
           <a:prstGeom prst="rect">
             <a:avLst/>
@@ -8550,9 +11567,20 @@
             <a:noFill/>
           </a:ln>
         </p:spPr>
+        <p:style>
+          <a:lnRef idx="0"/>
+          <a:fillRef idx="0"/>
+          <a:effectRef idx="0"/>
+          <a:fontRef idx="minor"/>
+        </p:style>
         <p:txBody>
           <a:bodyPr lIns="90000" rIns="90000" tIns="45000" bIns="45000"/>
           <a:p>
+            <a:pPr>
+              <a:lnSpc>
+                <a:spcPct val="100000"/>
+              </a:lnSpc>
+            </a:pPr>
             <a:r>
               <a:rPr b="0" lang="en-US" sz="2200" spc="-1" strike="noStrike">
                 <a:latin typeface="Arial"/>
@@ -8567,14 +11595,14 @@
       </p:sp>
       <p:sp>
         <p:nvSpPr>
-          <p:cNvPr id="163" name="CustomShape 2"/>
+          <p:cNvPr id="213" name="CustomShape 2"/>
           <p:cNvSpPr/>
           <p:nvPr/>
         </p:nvSpPr>
         <p:spPr>
           <a:xfrm>
             <a:off x="2468520" y="5852160"/>
-            <a:ext cx="9469440" cy="638640"/>
+            <a:ext cx="9469080" cy="638280"/>
           </a:xfrm>
           <a:prstGeom prst="rect">
             <a:avLst/>
@@ -8613,7 +11641,7 @@
             </a:endParaRPr>
           </a:p>
           <a:p>
-            <a:pPr marL="285840" indent="-285120">
+            <a:pPr marL="285840" indent="-284760">
               <a:lnSpc>
                 <a:spcPct val="100000"/>
               </a:lnSpc>
@@ -8639,15 +11667,10 @@
             </a:endParaRPr>
           </a:p>
           <a:p>
-            <a:pPr marL="285840" indent="-285120">
+            <a:pPr>
               <a:lnSpc>
                 <a:spcPct val="100000"/>
               </a:lnSpc>
-              <a:buClr>
-                <a:srgbClr val="000000"/>
-              </a:buClr>
-              <a:buFont typeface="Arial"/>
-              <a:buChar char="•"/>
             </a:pPr>
             <a:endParaRPr b="0" lang="en-US" sz="1800" spc="-1" strike="noStrike">
               <a:latin typeface="Arial"/>
@@ -8657,7 +11680,7 @@
       </p:sp>
       <p:pic>
         <p:nvPicPr>
-          <p:cNvPr id="164" name="" descr=""/>
+          <p:cNvPr id="214" name="" descr=""/>
           <p:cNvPicPr/>
           <p:nvPr/>
         </p:nvPicPr>
@@ -8668,7 +11691,7 @@
         <p:spPr>
           <a:xfrm>
             <a:off x="91440" y="1844280"/>
-            <a:ext cx="2179080" cy="2179080"/>
+            <a:ext cx="2178720" cy="2178720"/>
           </a:xfrm>
           <a:prstGeom prst="rect">
             <a:avLst/>
@@ -8680,7 +11703,7 @@
       </p:pic>
       <p:pic>
         <p:nvPicPr>
-          <p:cNvPr id="165" name="" descr=""/>
+          <p:cNvPr id="215" name="" descr=""/>
           <p:cNvPicPr/>
           <p:nvPr/>
         </p:nvPicPr>
@@ -8691,7 +11714,7 @@
         <p:spPr>
           <a:xfrm>
             <a:off x="2560320" y="1828800"/>
-            <a:ext cx="9570240" cy="2194560"/>
+            <a:ext cx="9569880" cy="2194200"/>
           </a:xfrm>
           <a:prstGeom prst="rect">
             <a:avLst/>
@@ -8760,14 +11783,14 @@
       </p:grpSpPr>
       <p:sp>
         <p:nvSpPr>
-          <p:cNvPr id="166" name="TextShape 1"/>
-          <p:cNvSpPr txBox="1"/>
+          <p:cNvPr id="216" name="CustomShape 1"/>
+          <p:cNvSpPr/>
           <p:nvPr/>
         </p:nvSpPr>
         <p:spPr>
           <a:xfrm>
             <a:off x="4754880" y="328680"/>
-            <a:ext cx="4863960" cy="402840"/>
+            <a:ext cx="4863600" cy="402480"/>
           </a:xfrm>
           <a:prstGeom prst="rect">
             <a:avLst/>
@@ -8777,9 +11800,20 @@
             <a:noFill/>
           </a:ln>
         </p:spPr>
+        <p:style>
+          <a:lnRef idx="0"/>
+          <a:fillRef idx="0"/>
+          <a:effectRef idx="0"/>
+          <a:fontRef idx="minor"/>
+        </p:style>
         <p:txBody>
           <a:bodyPr lIns="90000" rIns="90000" tIns="45000" bIns="45000"/>
           <a:p>
+            <a:pPr>
+              <a:lnSpc>
+                <a:spcPct val="100000"/>
+              </a:lnSpc>
+            </a:pPr>
             <a:r>
               <a:rPr b="0" lang="en-US" sz="2200" spc="-1" strike="noStrike">
                 <a:latin typeface="Arial"/>
@@ -8794,7 +11828,7 @@
       </p:sp>
       <p:pic>
         <p:nvPicPr>
-          <p:cNvPr id="167" name="" descr=""/>
+          <p:cNvPr id="217" name="" descr=""/>
           <p:cNvPicPr/>
           <p:nvPr/>
         </p:nvPicPr>
@@ -8805,7 +11839,7 @@
         <p:spPr>
           <a:xfrm>
             <a:off x="1350000" y="914400"/>
-            <a:ext cx="10354320" cy="5029200"/>
+            <a:ext cx="10353960" cy="5028840"/>
           </a:xfrm>
           <a:prstGeom prst="rect">
             <a:avLst/>
@@ -8817,14 +11851,14 @@
       </p:pic>
       <p:sp>
         <p:nvSpPr>
-          <p:cNvPr id="168" name="CustomShape 2"/>
+          <p:cNvPr id="218" name="CustomShape 2"/>
           <p:cNvSpPr/>
           <p:nvPr/>
         </p:nvSpPr>
         <p:spPr>
           <a:xfrm>
             <a:off x="2468520" y="6062760"/>
-            <a:ext cx="9469440" cy="638640"/>
+            <a:ext cx="9469080" cy="638280"/>
           </a:xfrm>
           <a:prstGeom prst="rect">
             <a:avLst/>
@@ -8863,7 +11897,7 @@
             </a:endParaRPr>
           </a:p>
           <a:p>
-            <a:pPr marL="285840" indent="-285120">
+            <a:pPr marL="285840" indent="-284760">
               <a:lnSpc>
                 <a:spcPct val="100000"/>
               </a:lnSpc>
@@ -8949,14 +11983,14 @@
       </p:grpSpPr>
       <p:sp>
         <p:nvSpPr>
-          <p:cNvPr id="169" name="TextShape 1"/>
-          <p:cNvSpPr txBox="1"/>
+          <p:cNvPr id="219" name="CustomShape 1"/>
+          <p:cNvSpPr/>
           <p:nvPr/>
         </p:nvSpPr>
         <p:spPr>
           <a:xfrm>
             <a:off x="4754880" y="328680"/>
-            <a:ext cx="4972320" cy="402840"/>
+            <a:ext cx="4971960" cy="402480"/>
           </a:xfrm>
           <a:prstGeom prst="rect">
             <a:avLst/>
@@ -8966,9 +12000,20 @@
             <a:noFill/>
           </a:ln>
         </p:spPr>
+        <p:style>
+          <a:lnRef idx="0"/>
+          <a:fillRef idx="0"/>
+          <a:effectRef idx="0"/>
+          <a:fontRef idx="minor"/>
+        </p:style>
         <p:txBody>
           <a:bodyPr lIns="90000" rIns="90000" tIns="45000" bIns="45000"/>
           <a:p>
+            <a:pPr>
+              <a:lnSpc>
+                <a:spcPct val="100000"/>
+              </a:lnSpc>
+            </a:pPr>
             <a:r>
               <a:rPr b="0" lang="en-US" sz="2200" spc="-1" strike="noStrike">
                 <a:latin typeface="Arial"/>
@@ -8983,7 +12028,7 @@
       </p:sp>
       <p:pic>
         <p:nvPicPr>
-          <p:cNvPr id="170" name="" descr=""/>
+          <p:cNvPr id="220" name="" descr=""/>
           <p:cNvPicPr/>
           <p:nvPr/>
         </p:nvPicPr>
@@ -8994,7 +12039,7 @@
         <p:spPr>
           <a:xfrm>
             <a:off x="476280" y="1211400"/>
-            <a:ext cx="11410920" cy="1257480"/>
+            <a:ext cx="11410560" cy="1257120"/>
           </a:xfrm>
           <a:prstGeom prst="rect">
             <a:avLst/>
@@ -9006,7 +12051,7 @@
       </p:pic>
       <p:pic>
         <p:nvPicPr>
-          <p:cNvPr id="171" name="" descr=""/>
+          <p:cNvPr id="221" name="" descr=""/>
           <p:cNvPicPr/>
           <p:nvPr/>
         </p:nvPicPr>
@@ -9017,7 +12062,7 @@
         <p:spPr>
           <a:xfrm>
             <a:off x="822960" y="2981160"/>
-            <a:ext cx="10763280" cy="2048040"/>
+            <a:ext cx="10762920" cy="2047680"/>
           </a:xfrm>
           <a:prstGeom prst="rect">
             <a:avLst/>
@@ -9734,4 +12779,227 @@
     </a:fmtScheme>
   </a:themeElements>
 </a:theme>
+</file>
+
+<file path=ppt/theme/theme4.xml><?xml version="1.0" encoding="utf-8"?>
+<a:theme xmlns:a="http://schemas.openxmlformats.org/drawingml/2006/main" name="Office Theme">
+  <a:themeElements>
+    <a:clrScheme name="Office">
+      <a:dk1>
+        <a:sysClr val="windowText" lastClr="000000"/>
+      </a:dk1>
+      <a:lt1>
+        <a:sysClr val="window" lastClr="FFFFFF"/>
+      </a:lt1>
+      <a:dk2>
+        <a:srgbClr val="212121"/>
+      </a:dk2>
+      <a:lt2>
+        <a:srgbClr val="cdd0d1"/>
+      </a:lt2>
+      <a:accent1>
+        <a:srgbClr val="eb8f22"/>
+      </a:accent1>
+      <a:accent2>
+        <a:srgbClr val="cd4223"/>
+      </a:accent2>
+      <a:accent3>
+        <a:srgbClr val="a89374"/>
+      </a:accent3>
+      <a:accent4>
+        <a:srgbClr val="83aa67"/>
+      </a:accent4>
+      <a:accent5>
+        <a:srgbClr val="4fa9c1"/>
+      </a:accent5>
+      <a:accent6>
+        <a:srgbClr val="9390af"/>
+      </a:accent6>
+      <a:hlink>
+        <a:srgbClr val="ec7220"/>
+      </a:hlink>
+      <a:folHlink>
+        <a:srgbClr val="f09355"/>
+      </a:folHlink>
+    </a:clrScheme>
+    <a:fontScheme name="Office">
+      <a:majorFont>
+        <a:latin typeface="Arial"/>
+        <a:ea typeface="DejaVu Sans"/>
+        <a:cs typeface="DejaVu Sans"/>
+      </a:majorFont>
+      <a:minorFont>
+        <a:latin typeface="Arial"/>
+        <a:ea typeface="DejaVu Sans"/>
+        <a:cs typeface="DejaVu Sans"/>
+      </a:minorFont>
+    </a:fontScheme>
+    <a:fmtScheme name="Office">
+      <a:fillStyleLst>
+        <a:solidFill>
+          <a:schemeClr val="phClr"/>
+        </a:solidFill>
+        <a:gradFill rotWithShape="1">
+          <a:gsLst>
+            <a:gs pos="0">
+              <a:schemeClr val="phClr">
+                <a:tint val="50000"/>
+                <a:satMod val="300000"/>
+              </a:schemeClr>
+            </a:gs>
+            <a:gs pos="35000">
+              <a:schemeClr val="phClr">
+                <a:tint val="37000"/>
+                <a:satMod val="300000"/>
+              </a:schemeClr>
+            </a:gs>
+            <a:gs pos="100000">
+              <a:schemeClr val="phClr">
+                <a:tint val="15000"/>
+                <a:satMod val="350000"/>
+              </a:schemeClr>
+            </a:gs>
+          </a:gsLst>
+          <a:lin ang="16200000" scaled="1"/>
+        </a:gradFill>
+        <a:gradFill rotWithShape="1">
+          <a:gsLst>
+            <a:gs pos="0">
+              <a:schemeClr val="phClr">
+                <a:shade val="51000"/>
+                <a:satMod val="130000"/>
+              </a:schemeClr>
+            </a:gs>
+            <a:gs pos="80000">
+              <a:schemeClr val="phClr">
+                <a:shade val="93000"/>
+                <a:satMod val="130000"/>
+              </a:schemeClr>
+            </a:gs>
+            <a:gs pos="100000">
+              <a:schemeClr val="phClr">
+                <a:shade val="94000"/>
+                <a:satMod val="135000"/>
+              </a:schemeClr>
+            </a:gs>
+          </a:gsLst>
+          <a:lin ang="16200000" scaled="0"/>
+        </a:gradFill>
+      </a:fillStyleLst>
+      <a:lnStyleLst>
+        <a:ln w="9525" cap="flat" cmpd="sng" algn="ctr">
+          <a:solidFill>
+            <a:schemeClr val="phClr">
+              <a:shade val="95000"/>
+              <a:satMod val="105000"/>
+            </a:schemeClr>
+          </a:solidFill>
+          <a:prstDash val="solid"/>
+        </a:ln>
+        <a:ln w="25400" cap="flat" cmpd="sng" algn="ctr">
+          <a:solidFill>
+            <a:schemeClr val="phClr"/>
+          </a:solidFill>
+          <a:prstDash val="solid"/>
+        </a:ln>
+        <a:ln w="38100" cap="flat" cmpd="sng" algn="ctr">
+          <a:solidFill>
+            <a:schemeClr val="phClr"/>
+          </a:solidFill>
+          <a:prstDash val="solid"/>
+        </a:ln>
+      </a:lnStyleLst>
+      <a:effectStyleLst>
+        <a:effectStyle>
+          <a:effectLst>
+            <a:outerShdw blurRad="40000" dist="20000" dir="5400000" rotWithShape="0">
+              <a:srgbClr val="000000">
+                <a:alpha val="38000"/>
+              </a:srgbClr>
+            </a:outerShdw>
+          </a:effectLst>
+        </a:effectStyle>
+        <a:effectStyle>
+          <a:effectLst>
+            <a:outerShdw blurRad="40000" dist="23000" dir="5400000" rotWithShape="0">
+              <a:srgbClr val="000000">
+                <a:alpha val="35000"/>
+              </a:srgbClr>
+            </a:outerShdw>
+          </a:effectLst>
+        </a:effectStyle>
+        <a:effectStyle>
+          <a:effectLst>
+            <a:outerShdw blurRad="40000" dist="23000" dir="5400000" rotWithShape="0">
+              <a:srgbClr val="000000">
+                <a:alpha val="35000"/>
+              </a:srgbClr>
+            </a:outerShdw>
+          </a:effectLst>
+          <a:scene3d>
+            <a:camera prst="orthographicFront">
+              <a:rot lat="0" lon="0" rev="0"/>
+            </a:camera>
+            <a:lightRig rig="threePt" dir="t">
+              <a:rot lat="0" lon="0" rev="1200000"/>
+            </a:lightRig>
+          </a:scene3d>
+          <a:sp3d>
+            <a:bevelT w="63500" h="25400"/>
+          </a:sp3d>
+        </a:effectStyle>
+      </a:effectStyleLst>
+      <a:bgFillStyleLst>
+        <a:solidFill>
+          <a:schemeClr val="phClr"/>
+        </a:solidFill>
+        <a:gradFill rotWithShape="1">
+          <a:gsLst>
+            <a:gs pos="0">
+              <a:schemeClr val="phClr">
+                <a:tint val="40000"/>
+                <a:satMod val="350000"/>
+              </a:schemeClr>
+            </a:gs>
+            <a:gs pos="40000">
+              <a:schemeClr val="phClr">
+                <a:tint val="45000"/>
+                <a:shade val="99000"/>
+                <a:satMod val="350000"/>
+              </a:schemeClr>
+            </a:gs>
+            <a:gs pos="100000">
+              <a:schemeClr val="phClr">
+                <a:shade val="20000"/>
+                <a:satMod val="255000"/>
+              </a:schemeClr>
+            </a:gs>
+          </a:gsLst>
+          <a:path path="circle">
+            <a:fillToRect l="50000" t="-80000" r="50000" b="180000"/>
+          </a:path>
+        </a:gradFill>
+        <a:gradFill rotWithShape="1">
+          <a:gsLst>
+            <a:gs pos="0">
+              <a:schemeClr val="phClr">
+                <a:tint val="80000"/>
+                <a:satMod val="300000"/>
+              </a:schemeClr>
+            </a:gs>
+            <a:gs pos="100000">
+              <a:schemeClr val="phClr">
+                <a:shade val="30000"/>
+                <a:satMod val="200000"/>
+              </a:schemeClr>
+            </a:gs>
+          </a:gsLst>
+          <a:path path="circle">
+            <a:fillToRect l="50000" t="50000" r="50000" b="50000"/>
+          </a:path>
+        </a:gradFill>
+      </a:bgFillStyleLst>
+    </a:fmtScheme>
+  </a:themeElements>
+</a:theme>
 </file>
--- a/ApiTesting.pptx
+++ b/ApiTesting.pptx
@@ -5,23 +5,23 @@
     <p:sldMasterId id="2147483648" r:id="rId2"/>
     <p:sldMasterId id="2147483661" r:id="rId3"/>
     <p:sldMasterId id="2147483674" r:id="rId4"/>
-    <p:sldMasterId id="2147483687" r:id="rId5"/>
   </p:sldMasterIdLst>
   <p:sldIdLst>
-    <p:sldId id="256" r:id="rId6"/>
-    <p:sldId id="257" r:id="rId7"/>
-    <p:sldId id="258" r:id="rId8"/>
-    <p:sldId id="259" r:id="rId9"/>
-    <p:sldId id="260" r:id="rId10"/>
-    <p:sldId id="261" r:id="rId11"/>
-    <p:sldId id="262" r:id="rId12"/>
-    <p:sldId id="263" r:id="rId13"/>
-    <p:sldId id="264" r:id="rId14"/>
-    <p:sldId id="265" r:id="rId15"/>
-    <p:sldId id="266" r:id="rId16"/>
-    <p:sldId id="267" r:id="rId17"/>
-    <p:sldId id="268" r:id="rId18"/>
-    <p:sldId id="269" r:id="rId19"/>
+    <p:sldId id="256" r:id="rId5"/>
+    <p:sldId id="257" r:id="rId6"/>
+    <p:sldId id="258" r:id="rId7"/>
+    <p:sldId id="259" r:id="rId8"/>
+    <p:sldId id="260" r:id="rId9"/>
+    <p:sldId id="261" r:id="rId10"/>
+    <p:sldId id="262" r:id="rId11"/>
+    <p:sldId id="263" r:id="rId12"/>
+    <p:sldId id="264" r:id="rId13"/>
+    <p:sldId id="265" r:id="rId14"/>
+    <p:sldId id="266" r:id="rId15"/>
+    <p:sldId id="267" r:id="rId16"/>
+    <p:sldId id="268" r:id="rId17"/>
+    <p:sldId id="269" r:id="rId18"/>
+    <p:sldId id="270" r:id="rId19"/>
   </p:sldIdLst>
   <p:sldSz cx="12192000" cy="6858000"/>
   <p:notesSz cx="7772400" cy="10058400"/>
@@ -3388,189 +3388,6 @@
 </p:sldLayout>
 </file>
 
-<file path=ppt/slideLayouts/slideLayout37.xml><?xml version="1.0" encoding="utf-8"?>
-<p:sldLayout xmlns:a="http://schemas.openxmlformats.org/drawingml/2006/main" xmlns:p="http://schemas.openxmlformats.org/presentationml/2006/main" xmlns:r="http://schemas.openxmlformats.org/officeDocument/2006/relationships" xmlns:p14="http://schemas.microsoft.com/office/powerpoint/2010/main" xmlns:p15="http://schemas.microsoft.com/office/powerpoint/2012/main" xmlns:mc="http://schemas.openxmlformats.org/markup-compatibility/2006" type="blank" preserve="1">
-  <p:cSld name="Blank Slide">
-    <p:spTree>
-      <p:nvGrpSpPr>
-        <p:cNvPr id="1" name=""/>
-        <p:cNvGrpSpPr/>
-        <p:nvPr/>
-      </p:nvGrpSpPr>
-      <p:grpSpPr>
-        <a:xfrm>
-          <a:off x="0" y="0"/>
-          <a:ext cx="0" cy="0"/>
-          <a:chOff x="0" y="0"/>
-          <a:chExt cx="0" cy="0"/>
-        </a:xfrm>
-      </p:grpSpPr>
-    </p:spTree>
-  </p:cSld>
-</p:sldLayout>
-</file>
-
-<file path=ppt/slideLayouts/slideLayout38.xml><?xml version="1.0" encoding="utf-8"?>
-<p:sldLayout xmlns:a="http://schemas.openxmlformats.org/drawingml/2006/main" xmlns:p="http://schemas.openxmlformats.org/presentationml/2006/main" xmlns:r="http://schemas.openxmlformats.org/officeDocument/2006/relationships" xmlns:p14="http://schemas.microsoft.com/office/powerpoint/2010/main" xmlns:p15="http://schemas.microsoft.com/office/powerpoint/2012/main" xmlns:mc="http://schemas.openxmlformats.org/markup-compatibility/2006" type="tx" preserve="1">
-  <p:cSld name="Title Slide">
-    <p:spTree>
-      <p:nvGrpSpPr>
-        <p:cNvPr id="1" name=""/>
-        <p:cNvGrpSpPr/>
-        <p:nvPr/>
-      </p:nvGrpSpPr>
-      <p:grpSpPr>
-        <a:xfrm>
-          <a:off x="0" y="0"/>
-          <a:ext cx="0" cy="0"/>
-          <a:chOff x="0" y="0"/>
-          <a:chExt cx="0" cy="0"/>
-        </a:xfrm>
-      </p:grpSpPr>
-      <p:sp>
-        <p:nvSpPr>
-          <p:cNvPr id="156" name="PlaceHolder 1"/>
-          <p:cNvSpPr>
-            <a:spLocks noGrp="1"/>
-          </p:cNvSpPr>
-          <p:nvPr>
-            <p:ph type="title"/>
-          </p:nvPr>
-        </p:nvSpPr>
-        <p:spPr>
-          <a:xfrm>
-            <a:off x="609480" y="221040"/>
-            <a:ext cx="10972440" cy="1250280"/>
-          </a:xfrm>
-          <a:prstGeom prst="rect">
-            <a:avLst/>
-          </a:prstGeom>
-        </p:spPr>
-        <p:txBody>
-          <a:bodyPr lIns="0" rIns="0" tIns="0" bIns="0" anchor="ctr"/>
-          <a:p>
-            <a:pPr algn="ctr"/>
-            <a:endParaRPr b="0" lang="en-US" sz="4400" spc="-1" strike="noStrike">
-              <a:latin typeface="Arial"/>
-            </a:endParaRPr>
-          </a:p>
-        </p:txBody>
-      </p:sp>
-      <p:sp>
-        <p:nvSpPr>
-          <p:cNvPr id="157" name="PlaceHolder 2"/>
-          <p:cNvSpPr>
-            <a:spLocks noGrp="1"/>
-          </p:cNvSpPr>
-          <p:nvPr>
-            <p:ph type="subTitle"/>
-          </p:nvPr>
-        </p:nvSpPr>
-        <p:spPr>
-          <a:xfrm>
-            <a:off x="609480" y="1604520"/>
-            <a:ext cx="10972440" cy="3977280"/>
-          </a:xfrm>
-          <a:prstGeom prst="rect">
-            <a:avLst/>
-          </a:prstGeom>
-        </p:spPr>
-        <p:txBody>
-          <a:bodyPr lIns="0" rIns="0" tIns="0" bIns="0" anchor="ctr"/>
-          <a:p>
-            <a:pPr algn="ctr"/>
-            <a:endParaRPr b="0" lang="en-US" sz="3200" spc="-1" strike="noStrike">
-              <a:latin typeface="Arial"/>
-            </a:endParaRPr>
-          </a:p>
-        </p:txBody>
-      </p:sp>
-    </p:spTree>
-  </p:cSld>
-</p:sldLayout>
-</file>
-
-<file path=ppt/slideLayouts/slideLayout39.xml><?xml version="1.0" encoding="utf-8"?>
-<p:sldLayout xmlns:a="http://schemas.openxmlformats.org/drawingml/2006/main" xmlns:p="http://schemas.openxmlformats.org/presentationml/2006/main" xmlns:r="http://schemas.openxmlformats.org/officeDocument/2006/relationships" xmlns:p14="http://schemas.microsoft.com/office/powerpoint/2010/main" xmlns:p15="http://schemas.microsoft.com/office/powerpoint/2012/main" xmlns:mc="http://schemas.openxmlformats.org/markup-compatibility/2006" type="obj" preserve="1">
-  <p:cSld name="Title, Content">
-    <p:spTree>
-      <p:nvGrpSpPr>
-        <p:cNvPr id="1" name=""/>
-        <p:cNvGrpSpPr/>
-        <p:nvPr/>
-      </p:nvGrpSpPr>
-      <p:grpSpPr>
-        <a:xfrm>
-          <a:off x="0" y="0"/>
-          <a:ext cx="0" cy="0"/>
-          <a:chOff x="0" y="0"/>
-          <a:chExt cx="0" cy="0"/>
-        </a:xfrm>
-      </p:grpSpPr>
-      <p:sp>
-        <p:nvSpPr>
-          <p:cNvPr id="158" name="PlaceHolder 1"/>
-          <p:cNvSpPr>
-            <a:spLocks noGrp="1"/>
-          </p:cNvSpPr>
-          <p:nvPr>
-            <p:ph type="title"/>
-          </p:nvPr>
-        </p:nvSpPr>
-        <p:spPr>
-          <a:xfrm>
-            <a:off x="609480" y="221040"/>
-            <a:ext cx="10972440" cy="1250280"/>
-          </a:xfrm>
-          <a:prstGeom prst="rect">
-            <a:avLst/>
-          </a:prstGeom>
-        </p:spPr>
-        <p:txBody>
-          <a:bodyPr lIns="0" rIns="0" tIns="0" bIns="0" anchor="ctr"/>
-          <a:p>
-            <a:pPr algn="ctr"/>
-            <a:endParaRPr b="0" lang="en-US" sz="4400" spc="-1" strike="noStrike">
-              <a:latin typeface="Arial"/>
-            </a:endParaRPr>
-          </a:p>
-        </p:txBody>
-      </p:sp>
-      <p:sp>
-        <p:nvSpPr>
-          <p:cNvPr id="159" name="PlaceHolder 2"/>
-          <p:cNvSpPr>
-            <a:spLocks noGrp="1"/>
-          </p:cNvSpPr>
-          <p:nvPr>
-            <p:ph type="body"/>
-          </p:nvPr>
-        </p:nvSpPr>
-        <p:spPr>
-          <a:xfrm>
-            <a:off x="609480" y="1604520"/>
-            <a:ext cx="10972440" cy="3977280"/>
-          </a:xfrm>
-          <a:prstGeom prst="rect">
-            <a:avLst/>
-          </a:prstGeom>
-        </p:spPr>
-        <p:txBody>
-          <a:bodyPr lIns="0" rIns="0" tIns="0" bIns="0">
-            <a:normAutofit/>
-          </a:bodyPr>
-          <a:p>
-            <a:endParaRPr b="0" lang="en-US" sz="3200" spc="-1" strike="noStrike">
-              <a:latin typeface="Arial"/>
-            </a:endParaRPr>
-          </a:p>
-        </p:txBody>
-      </p:sp>
-    </p:spTree>
-  </p:cSld>
-</p:sldLayout>
-</file>
-
 <file path=ppt/slideLayouts/slideLayout4.xml><?xml version="1.0" encoding="utf-8"?>
 <p:sldLayout xmlns:a="http://schemas.openxmlformats.org/drawingml/2006/main" xmlns:p="http://schemas.openxmlformats.org/presentationml/2006/main" xmlns:r="http://schemas.openxmlformats.org/officeDocument/2006/relationships" xmlns:p14="http://schemas.microsoft.com/office/powerpoint/2010/main" xmlns:p15="http://schemas.microsoft.com/office/powerpoint/2012/main" xmlns:mc="http://schemas.openxmlformats.org/markup-compatibility/2006" type="twoObj" preserve="1">
   <p:cSld name="Title, 2 Content">
@@ -3661,1155 +3478,6 @@
           <a:xfrm>
             <a:off x="6231960" y="1604520"/>
             <a:ext cx="5354280" cy="3977280"/>
-          </a:xfrm>
-          <a:prstGeom prst="rect">
-            <a:avLst/>
-          </a:prstGeom>
-        </p:spPr>
-        <p:txBody>
-          <a:bodyPr lIns="0" rIns="0" tIns="0" bIns="0">
-            <a:normAutofit/>
-          </a:bodyPr>
-          <a:p>
-            <a:endParaRPr b="0" lang="en-US" sz="3200" spc="-1" strike="noStrike">
-              <a:latin typeface="Arial"/>
-            </a:endParaRPr>
-          </a:p>
-        </p:txBody>
-      </p:sp>
-    </p:spTree>
-  </p:cSld>
-</p:sldLayout>
-</file>
-
-<file path=ppt/slideLayouts/slideLayout40.xml><?xml version="1.0" encoding="utf-8"?>
-<p:sldLayout xmlns:a="http://schemas.openxmlformats.org/drawingml/2006/main" xmlns:p="http://schemas.openxmlformats.org/presentationml/2006/main" xmlns:r="http://schemas.openxmlformats.org/officeDocument/2006/relationships" xmlns:p14="http://schemas.microsoft.com/office/powerpoint/2010/main" xmlns:p15="http://schemas.microsoft.com/office/powerpoint/2012/main" xmlns:mc="http://schemas.openxmlformats.org/markup-compatibility/2006" type="twoObj" preserve="1">
-  <p:cSld name="Title, 2 Content">
-    <p:spTree>
-      <p:nvGrpSpPr>
-        <p:cNvPr id="1" name=""/>
-        <p:cNvGrpSpPr/>
-        <p:nvPr/>
-      </p:nvGrpSpPr>
-      <p:grpSpPr>
-        <a:xfrm>
-          <a:off x="0" y="0"/>
-          <a:ext cx="0" cy="0"/>
-          <a:chOff x="0" y="0"/>
-          <a:chExt cx="0" cy="0"/>
-        </a:xfrm>
-      </p:grpSpPr>
-      <p:sp>
-        <p:nvSpPr>
-          <p:cNvPr id="160" name="PlaceHolder 1"/>
-          <p:cNvSpPr>
-            <a:spLocks noGrp="1"/>
-          </p:cNvSpPr>
-          <p:nvPr>
-            <p:ph type="title"/>
-          </p:nvPr>
-        </p:nvSpPr>
-        <p:spPr>
-          <a:xfrm>
-            <a:off x="609480" y="221040"/>
-            <a:ext cx="10972440" cy="1250280"/>
-          </a:xfrm>
-          <a:prstGeom prst="rect">
-            <a:avLst/>
-          </a:prstGeom>
-        </p:spPr>
-        <p:txBody>
-          <a:bodyPr lIns="0" rIns="0" tIns="0" bIns="0" anchor="ctr"/>
-          <a:p>
-            <a:pPr algn="ctr"/>
-            <a:endParaRPr b="0" lang="en-US" sz="4400" spc="-1" strike="noStrike">
-              <a:latin typeface="Arial"/>
-            </a:endParaRPr>
-          </a:p>
-        </p:txBody>
-      </p:sp>
-      <p:sp>
-        <p:nvSpPr>
-          <p:cNvPr id="161" name="PlaceHolder 2"/>
-          <p:cNvSpPr>
-            <a:spLocks noGrp="1"/>
-          </p:cNvSpPr>
-          <p:nvPr>
-            <p:ph type="body"/>
-          </p:nvPr>
-        </p:nvSpPr>
-        <p:spPr>
-          <a:xfrm>
-            <a:off x="609480" y="1604520"/>
-            <a:ext cx="5354280" cy="3977280"/>
-          </a:xfrm>
-          <a:prstGeom prst="rect">
-            <a:avLst/>
-          </a:prstGeom>
-        </p:spPr>
-        <p:txBody>
-          <a:bodyPr lIns="0" rIns="0" tIns="0" bIns="0">
-            <a:normAutofit/>
-          </a:bodyPr>
-          <a:p>
-            <a:endParaRPr b="0" lang="en-US" sz="3200" spc="-1" strike="noStrike">
-              <a:latin typeface="Arial"/>
-            </a:endParaRPr>
-          </a:p>
-        </p:txBody>
-      </p:sp>
-      <p:sp>
-        <p:nvSpPr>
-          <p:cNvPr id="162" name="PlaceHolder 3"/>
-          <p:cNvSpPr>
-            <a:spLocks noGrp="1"/>
-          </p:cNvSpPr>
-          <p:nvPr>
-            <p:ph type="body"/>
-          </p:nvPr>
-        </p:nvSpPr>
-        <p:spPr>
-          <a:xfrm>
-            <a:off x="6231960" y="1604520"/>
-            <a:ext cx="5354280" cy="3977280"/>
-          </a:xfrm>
-          <a:prstGeom prst="rect">
-            <a:avLst/>
-          </a:prstGeom>
-        </p:spPr>
-        <p:txBody>
-          <a:bodyPr lIns="0" rIns="0" tIns="0" bIns="0">
-            <a:normAutofit/>
-          </a:bodyPr>
-          <a:p>
-            <a:endParaRPr b="0" lang="en-US" sz="3200" spc="-1" strike="noStrike">
-              <a:latin typeface="Arial"/>
-            </a:endParaRPr>
-          </a:p>
-        </p:txBody>
-      </p:sp>
-    </p:spTree>
-  </p:cSld>
-</p:sldLayout>
-</file>
-
-<file path=ppt/slideLayouts/slideLayout41.xml><?xml version="1.0" encoding="utf-8"?>
-<p:sldLayout xmlns:a="http://schemas.openxmlformats.org/drawingml/2006/main" xmlns:p="http://schemas.openxmlformats.org/presentationml/2006/main" xmlns:r="http://schemas.openxmlformats.org/officeDocument/2006/relationships" xmlns:p14="http://schemas.microsoft.com/office/powerpoint/2010/main" xmlns:p15="http://schemas.microsoft.com/office/powerpoint/2012/main" xmlns:mc="http://schemas.openxmlformats.org/markup-compatibility/2006" type="titleOnly" preserve="1">
-  <p:cSld name="Title Only">
-    <p:spTree>
-      <p:nvGrpSpPr>
-        <p:cNvPr id="1" name=""/>
-        <p:cNvGrpSpPr/>
-        <p:nvPr/>
-      </p:nvGrpSpPr>
-      <p:grpSpPr>
-        <a:xfrm>
-          <a:off x="0" y="0"/>
-          <a:ext cx="0" cy="0"/>
-          <a:chOff x="0" y="0"/>
-          <a:chExt cx="0" cy="0"/>
-        </a:xfrm>
-      </p:grpSpPr>
-      <p:sp>
-        <p:nvSpPr>
-          <p:cNvPr id="163" name="PlaceHolder 1"/>
-          <p:cNvSpPr>
-            <a:spLocks noGrp="1"/>
-          </p:cNvSpPr>
-          <p:nvPr>
-            <p:ph type="title"/>
-          </p:nvPr>
-        </p:nvSpPr>
-        <p:spPr>
-          <a:xfrm>
-            <a:off x="609480" y="221040"/>
-            <a:ext cx="10972440" cy="1250280"/>
-          </a:xfrm>
-          <a:prstGeom prst="rect">
-            <a:avLst/>
-          </a:prstGeom>
-        </p:spPr>
-        <p:txBody>
-          <a:bodyPr lIns="0" rIns="0" tIns="0" bIns="0" anchor="ctr"/>
-          <a:p>
-            <a:pPr algn="ctr"/>
-            <a:endParaRPr b="0" lang="en-US" sz="4400" spc="-1" strike="noStrike">
-              <a:latin typeface="Arial"/>
-            </a:endParaRPr>
-          </a:p>
-        </p:txBody>
-      </p:sp>
-    </p:spTree>
-  </p:cSld>
-</p:sldLayout>
-</file>
-
-<file path=ppt/slideLayouts/slideLayout42.xml><?xml version="1.0" encoding="utf-8"?>
-<p:sldLayout xmlns:a="http://schemas.openxmlformats.org/drawingml/2006/main" xmlns:p="http://schemas.openxmlformats.org/presentationml/2006/main" xmlns:r="http://schemas.openxmlformats.org/officeDocument/2006/relationships" xmlns:p14="http://schemas.microsoft.com/office/powerpoint/2010/main" xmlns:p15="http://schemas.microsoft.com/office/powerpoint/2012/main" xmlns:mc="http://schemas.openxmlformats.org/markup-compatibility/2006" type="objOnly" preserve="1">
-  <p:cSld name="Centered Text">
-    <p:spTree>
-      <p:nvGrpSpPr>
-        <p:cNvPr id="1" name=""/>
-        <p:cNvGrpSpPr/>
-        <p:nvPr/>
-      </p:nvGrpSpPr>
-      <p:grpSpPr>
-        <a:xfrm>
-          <a:off x="0" y="0"/>
-          <a:ext cx="0" cy="0"/>
-          <a:chOff x="0" y="0"/>
-          <a:chExt cx="0" cy="0"/>
-        </a:xfrm>
-      </p:grpSpPr>
-      <p:sp>
-        <p:nvSpPr>
-          <p:cNvPr id="164" name="PlaceHolder 1"/>
-          <p:cNvSpPr>
-            <a:spLocks noGrp="1"/>
-          </p:cNvSpPr>
-          <p:nvPr>
-            <p:ph type="subTitle"/>
-          </p:nvPr>
-        </p:nvSpPr>
-        <p:spPr>
-          <a:xfrm>
-            <a:off x="609480" y="273600"/>
-            <a:ext cx="10972440" cy="5307840"/>
-          </a:xfrm>
-          <a:prstGeom prst="rect">
-            <a:avLst/>
-          </a:prstGeom>
-        </p:spPr>
-        <p:txBody>
-          <a:bodyPr lIns="0" rIns="0" tIns="0" bIns="0" anchor="ctr"/>
-          <a:p>
-            <a:pPr algn="ctr"/>
-            <a:endParaRPr b="0" lang="en-US" sz="3200" spc="-1" strike="noStrike">
-              <a:latin typeface="Arial"/>
-            </a:endParaRPr>
-          </a:p>
-        </p:txBody>
-      </p:sp>
-    </p:spTree>
-  </p:cSld>
-</p:sldLayout>
-</file>
-
-<file path=ppt/slideLayouts/slideLayout43.xml><?xml version="1.0" encoding="utf-8"?>
-<p:sldLayout xmlns:a="http://schemas.openxmlformats.org/drawingml/2006/main" xmlns:p="http://schemas.openxmlformats.org/presentationml/2006/main" xmlns:r="http://schemas.openxmlformats.org/officeDocument/2006/relationships" xmlns:p14="http://schemas.microsoft.com/office/powerpoint/2010/main" xmlns:p15="http://schemas.microsoft.com/office/powerpoint/2012/main" xmlns:mc="http://schemas.openxmlformats.org/markup-compatibility/2006" type="twoObjAndObj" preserve="1">
-  <p:cSld name="Title, 2 Content and Content">
-    <p:spTree>
-      <p:nvGrpSpPr>
-        <p:cNvPr id="1" name=""/>
-        <p:cNvGrpSpPr/>
-        <p:nvPr/>
-      </p:nvGrpSpPr>
-      <p:grpSpPr>
-        <a:xfrm>
-          <a:off x="0" y="0"/>
-          <a:ext cx="0" cy="0"/>
-          <a:chOff x="0" y="0"/>
-          <a:chExt cx="0" cy="0"/>
-        </a:xfrm>
-      </p:grpSpPr>
-      <p:sp>
-        <p:nvSpPr>
-          <p:cNvPr id="165" name="PlaceHolder 1"/>
-          <p:cNvSpPr>
-            <a:spLocks noGrp="1"/>
-          </p:cNvSpPr>
-          <p:nvPr>
-            <p:ph type="title"/>
-          </p:nvPr>
-        </p:nvSpPr>
-        <p:spPr>
-          <a:xfrm>
-            <a:off x="609480" y="221040"/>
-            <a:ext cx="10972440" cy="1250280"/>
-          </a:xfrm>
-          <a:prstGeom prst="rect">
-            <a:avLst/>
-          </a:prstGeom>
-        </p:spPr>
-        <p:txBody>
-          <a:bodyPr lIns="0" rIns="0" tIns="0" bIns="0" anchor="ctr"/>
-          <a:p>
-            <a:pPr algn="ctr"/>
-            <a:endParaRPr b="0" lang="en-US" sz="4400" spc="-1" strike="noStrike">
-              <a:latin typeface="Arial"/>
-            </a:endParaRPr>
-          </a:p>
-        </p:txBody>
-      </p:sp>
-      <p:sp>
-        <p:nvSpPr>
-          <p:cNvPr id="166" name="PlaceHolder 2"/>
-          <p:cNvSpPr>
-            <a:spLocks noGrp="1"/>
-          </p:cNvSpPr>
-          <p:nvPr>
-            <p:ph type="body"/>
-          </p:nvPr>
-        </p:nvSpPr>
-        <p:spPr>
-          <a:xfrm>
-            <a:off x="609480" y="1604520"/>
-            <a:ext cx="5354280" cy="1896840"/>
-          </a:xfrm>
-          <a:prstGeom prst="rect">
-            <a:avLst/>
-          </a:prstGeom>
-        </p:spPr>
-        <p:txBody>
-          <a:bodyPr lIns="0" rIns="0" tIns="0" bIns="0">
-            <a:normAutofit/>
-          </a:bodyPr>
-          <a:p>
-            <a:endParaRPr b="0" lang="en-US" sz="3200" spc="-1" strike="noStrike">
-              <a:latin typeface="Arial"/>
-            </a:endParaRPr>
-          </a:p>
-        </p:txBody>
-      </p:sp>
-      <p:sp>
-        <p:nvSpPr>
-          <p:cNvPr id="167" name="PlaceHolder 3"/>
-          <p:cNvSpPr>
-            <a:spLocks noGrp="1"/>
-          </p:cNvSpPr>
-          <p:nvPr>
-            <p:ph type="body"/>
-          </p:nvPr>
-        </p:nvSpPr>
-        <p:spPr>
-          <a:xfrm>
-            <a:off x="6231960" y="1604520"/>
-            <a:ext cx="5354280" cy="3977280"/>
-          </a:xfrm>
-          <a:prstGeom prst="rect">
-            <a:avLst/>
-          </a:prstGeom>
-        </p:spPr>
-        <p:txBody>
-          <a:bodyPr lIns="0" rIns="0" tIns="0" bIns="0">
-            <a:normAutofit/>
-          </a:bodyPr>
-          <a:p>
-            <a:endParaRPr b="0" lang="en-US" sz="3200" spc="-1" strike="noStrike">
-              <a:latin typeface="Arial"/>
-            </a:endParaRPr>
-          </a:p>
-        </p:txBody>
-      </p:sp>
-      <p:sp>
-        <p:nvSpPr>
-          <p:cNvPr id="168" name="PlaceHolder 4"/>
-          <p:cNvSpPr>
-            <a:spLocks noGrp="1"/>
-          </p:cNvSpPr>
-          <p:nvPr>
-            <p:ph type="body"/>
-          </p:nvPr>
-        </p:nvSpPr>
-        <p:spPr>
-          <a:xfrm>
-            <a:off x="609480" y="3682080"/>
-            <a:ext cx="5354280" cy="1896840"/>
-          </a:xfrm>
-          <a:prstGeom prst="rect">
-            <a:avLst/>
-          </a:prstGeom>
-        </p:spPr>
-        <p:txBody>
-          <a:bodyPr lIns="0" rIns="0" tIns="0" bIns="0">
-            <a:normAutofit/>
-          </a:bodyPr>
-          <a:p>
-            <a:endParaRPr b="0" lang="en-US" sz="3200" spc="-1" strike="noStrike">
-              <a:latin typeface="Arial"/>
-            </a:endParaRPr>
-          </a:p>
-        </p:txBody>
-      </p:sp>
-    </p:spTree>
-  </p:cSld>
-</p:sldLayout>
-</file>
-
-<file path=ppt/slideLayouts/slideLayout44.xml><?xml version="1.0" encoding="utf-8"?>
-<p:sldLayout xmlns:a="http://schemas.openxmlformats.org/drawingml/2006/main" xmlns:p="http://schemas.openxmlformats.org/presentationml/2006/main" xmlns:r="http://schemas.openxmlformats.org/officeDocument/2006/relationships" xmlns:p14="http://schemas.microsoft.com/office/powerpoint/2010/main" xmlns:p15="http://schemas.microsoft.com/office/powerpoint/2012/main" xmlns:mc="http://schemas.openxmlformats.org/markup-compatibility/2006" type="objAndTwoObj" preserve="1">
-  <p:cSld name="Title Content and 2 Content">
-    <p:spTree>
-      <p:nvGrpSpPr>
-        <p:cNvPr id="1" name=""/>
-        <p:cNvGrpSpPr/>
-        <p:nvPr/>
-      </p:nvGrpSpPr>
-      <p:grpSpPr>
-        <a:xfrm>
-          <a:off x="0" y="0"/>
-          <a:ext cx="0" cy="0"/>
-          <a:chOff x="0" y="0"/>
-          <a:chExt cx="0" cy="0"/>
-        </a:xfrm>
-      </p:grpSpPr>
-      <p:sp>
-        <p:nvSpPr>
-          <p:cNvPr id="169" name="PlaceHolder 1"/>
-          <p:cNvSpPr>
-            <a:spLocks noGrp="1"/>
-          </p:cNvSpPr>
-          <p:nvPr>
-            <p:ph type="title"/>
-          </p:nvPr>
-        </p:nvSpPr>
-        <p:spPr>
-          <a:xfrm>
-            <a:off x="609480" y="221040"/>
-            <a:ext cx="10972440" cy="1250280"/>
-          </a:xfrm>
-          <a:prstGeom prst="rect">
-            <a:avLst/>
-          </a:prstGeom>
-        </p:spPr>
-        <p:txBody>
-          <a:bodyPr lIns="0" rIns="0" tIns="0" bIns="0" anchor="ctr"/>
-          <a:p>
-            <a:pPr algn="ctr"/>
-            <a:endParaRPr b="0" lang="en-US" sz="4400" spc="-1" strike="noStrike">
-              <a:latin typeface="Arial"/>
-            </a:endParaRPr>
-          </a:p>
-        </p:txBody>
-      </p:sp>
-      <p:sp>
-        <p:nvSpPr>
-          <p:cNvPr id="170" name="PlaceHolder 2"/>
-          <p:cNvSpPr>
-            <a:spLocks noGrp="1"/>
-          </p:cNvSpPr>
-          <p:nvPr>
-            <p:ph type="body"/>
-          </p:nvPr>
-        </p:nvSpPr>
-        <p:spPr>
-          <a:xfrm>
-            <a:off x="609480" y="1604520"/>
-            <a:ext cx="5354280" cy="3977280"/>
-          </a:xfrm>
-          <a:prstGeom prst="rect">
-            <a:avLst/>
-          </a:prstGeom>
-        </p:spPr>
-        <p:txBody>
-          <a:bodyPr lIns="0" rIns="0" tIns="0" bIns="0">
-            <a:normAutofit/>
-          </a:bodyPr>
-          <a:p>
-            <a:endParaRPr b="0" lang="en-US" sz="3200" spc="-1" strike="noStrike">
-              <a:latin typeface="Arial"/>
-            </a:endParaRPr>
-          </a:p>
-        </p:txBody>
-      </p:sp>
-      <p:sp>
-        <p:nvSpPr>
-          <p:cNvPr id="171" name="PlaceHolder 3"/>
-          <p:cNvSpPr>
-            <a:spLocks noGrp="1"/>
-          </p:cNvSpPr>
-          <p:nvPr>
-            <p:ph type="body"/>
-          </p:nvPr>
-        </p:nvSpPr>
-        <p:spPr>
-          <a:xfrm>
-            <a:off x="6231960" y="1604520"/>
-            <a:ext cx="5354280" cy="1896840"/>
-          </a:xfrm>
-          <a:prstGeom prst="rect">
-            <a:avLst/>
-          </a:prstGeom>
-        </p:spPr>
-        <p:txBody>
-          <a:bodyPr lIns="0" rIns="0" tIns="0" bIns="0">
-            <a:normAutofit/>
-          </a:bodyPr>
-          <a:p>
-            <a:endParaRPr b="0" lang="en-US" sz="3200" spc="-1" strike="noStrike">
-              <a:latin typeface="Arial"/>
-            </a:endParaRPr>
-          </a:p>
-        </p:txBody>
-      </p:sp>
-      <p:sp>
-        <p:nvSpPr>
-          <p:cNvPr id="172" name="PlaceHolder 4"/>
-          <p:cNvSpPr>
-            <a:spLocks noGrp="1"/>
-          </p:cNvSpPr>
-          <p:nvPr>
-            <p:ph type="body"/>
-          </p:nvPr>
-        </p:nvSpPr>
-        <p:spPr>
-          <a:xfrm>
-            <a:off x="6231960" y="3682080"/>
-            <a:ext cx="5354280" cy="1896840"/>
-          </a:xfrm>
-          <a:prstGeom prst="rect">
-            <a:avLst/>
-          </a:prstGeom>
-        </p:spPr>
-        <p:txBody>
-          <a:bodyPr lIns="0" rIns="0" tIns="0" bIns="0">
-            <a:normAutofit/>
-          </a:bodyPr>
-          <a:p>
-            <a:endParaRPr b="0" lang="en-US" sz="3200" spc="-1" strike="noStrike">
-              <a:latin typeface="Arial"/>
-            </a:endParaRPr>
-          </a:p>
-        </p:txBody>
-      </p:sp>
-    </p:spTree>
-  </p:cSld>
-</p:sldLayout>
-</file>
-
-<file path=ppt/slideLayouts/slideLayout45.xml><?xml version="1.0" encoding="utf-8"?>
-<p:sldLayout xmlns:a="http://schemas.openxmlformats.org/drawingml/2006/main" xmlns:p="http://schemas.openxmlformats.org/presentationml/2006/main" xmlns:r="http://schemas.openxmlformats.org/officeDocument/2006/relationships" xmlns:p14="http://schemas.microsoft.com/office/powerpoint/2010/main" xmlns:p15="http://schemas.microsoft.com/office/powerpoint/2012/main" xmlns:mc="http://schemas.openxmlformats.org/markup-compatibility/2006" type="twoObjOverTx" preserve="1">
-  <p:cSld name="Title, 2 Content over Content">
-    <p:spTree>
-      <p:nvGrpSpPr>
-        <p:cNvPr id="1" name=""/>
-        <p:cNvGrpSpPr/>
-        <p:nvPr/>
-      </p:nvGrpSpPr>
-      <p:grpSpPr>
-        <a:xfrm>
-          <a:off x="0" y="0"/>
-          <a:ext cx="0" cy="0"/>
-          <a:chOff x="0" y="0"/>
-          <a:chExt cx="0" cy="0"/>
-        </a:xfrm>
-      </p:grpSpPr>
-      <p:sp>
-        <p:nvSpPr>
-          <p:cNvPr id="173" name="PlaceHolder 1"/>
-          <p:cNvSpPr>
-            <a:spLocks noGrp="1"/>
-          </p:cNvSpPr>
-          <p:nvPr>
-            <p:ph type="title"/>
-          </p:nvPr>
-        </p:nvSpPr>
-        <p:spPr>
-          <a:xfrm>
-            <a:off x="609480" y="221040"/>
-            <a:ext cx="10972440" cy="1250280"/>
-          </a:xfrm>
-          <a:prstGeom prst="rect">
-            <a:avLst/>
-          </a:prstGeom>
-        </p:spPr>
-        <p:txBody>
-          <a:bodyPr lIns="0" rIns="0" tIns="0" bIns="0" anchor="ctr"/>
-          <a:p>
-            <a:pPr algn="ctr"/>
-            <a:endParaRPr b="0" lang="en-US" sz="4400" spc="-1" strike="noStrike">
-              <a:latin typeface="Arial"/>
-            </a:endParaRPr>
-          </a:p>
-        </p:txBody>
-      </p:sp>
-      <p:sp>
-        <p:nvSpPr>
-          <p:cNvPr id="174" name="PlaceHolder 2"/>
-          <p:cNvSpPr>
-            <a:spLocks noGrp="1"/>
-          </p:cNvSpPr>
-          <p:nvPr>
-            <p:ph type="body"/>
-          </p:nvPr>
-        </p:nvSpPr>
-        <p:spPr>
-          <a:xfrm>
-            <a:off x="609480" y="1604520"/>
-            <a:ext cx="5354280" cy="1896840"/>
-          </a:xfrm>
-          <a:prstGeom prst="rect">
-            <a:avLst/>
-          </a:prstGeom>
-        </p:spPr>
-        <p:txBody>
-          <a:bodyPr lIns="0" rIns="0" tIns="0" bIns="0">
-            <a:normAutofit/>
-          </a:bodyPr>
-          <a:p>
-            <a:endParaRPr b="0" lang="en-US" sz="3200" spc="-1" strike="noStrike">
-              <a:latin typeface="Arial"/>
-            </a:endParaRPr>
-          </a:p>
-        </p:txBody>
-      </p:sp>
-      <p:sp>
-        <p:nvSpPr>
-          <p:cNvPr id="175" name="PlaceHolder 3"/>
-          <p:cNvSpPr>
-            <a:spLocks noGrp="1"/>
-          </p:cNvSpPr>
-          <p:nvPr>
-            <p:ph type="body"/>
-          </p:nvPr>
-        </p:nvSpPr>
-        <p:spPr>
-          <a:xfrm>
-            <a:off x="6231960" y="1604520"/>
-            <a:ext cx="5354280" cy="1896840"/>
-          </a:xfrm>
-          <a:prstGeom prst="rect">
-            <a:avLst/>
-          </a:prstGeom>
-        </p:spPr>
-        <p:txBody>
-          <a:bodyPr lIns="0" rIns="0" tIns="0" bIns="0">
-            <a:normAutofit/>
-          </a:bodyPr>
-          <a:p>
-            <a:endParaRPr b="0" lang="en-US" sz="3200" spc="-1" strike="noStrike">
-              <a:latin typeface="Arial"/>
-            </a:endParaRPr>
-          </a:p>
-        </p:txBody>
-      </p:sp>
-      <p:sp>
-        <p:nvSpPr>
-          <p:cNvPr id="176" name="PlaceHolder 4"/>
-          <p:cNvSpPr>
-            <a:spLocks noGrp="1"/>
-          </p:cNvSpPr>
-          <p:nvPr>
-            <p:ph type="body"/>
-          </p:nvPr>
-        </p:nvSpPr>
-        <p:spPr>
-          <a:xfrm>
-            <a:off x="609480" y="3682080"/>
-            <a:ext cx="10972440" cy="1896840"/>
-          </a:xfrm>
-          <a:prstGeom prst="rect">
-            <a:avLst/>
-          </a:prstGeom>
-        </p:spPr>
-        <p:txBody>
-          <a:bodyPr lIns="0" rIns="0" tIns="0" bIns="0">
-            <a:normAutofit/>
-          </a:bodyPr>
-          <a:p>
-            <a:endParaRPr b="0" lang="en-US" sz="3200" spc="-1" strike="noStrike">
-              <a:latin typeface="Arial"/>
-            </a:endParaRPr>
-          </a:p>
-        </p:txBody>
-      </p:sp>
-    </p:spTree>
-  </p:cSld>
-</p:sldLayout>
-</file>
-
-<file path=ppt/slideLayouts/slideLayout46.xml><?xml version="1.0" encoding="utf-8"?>
-<p:sldLayout xmlns:a="http://schemas.openxmlformats.org/drawingml/2006/main" xmlns:p="http://schemas.openxmlformats.org/presentationml/2006/main" xmlns:r="http://schemas.openxmlformats.org/officeDocument/2006/relationships" xmlns:p14="http://schemas.microsoft.com/office/powerpoint/2010/main" xmlns:p15="http://schemas.microsoft.com/office/powerpoint/2012/main" xmlns:mc="http://schemas.openxmlformats.org/markup-compatibility/2006" type="objOverTx" preserve="1">
-  <p:cSld name="Title, Content over Content">
-    <p:spTree>
-      <p:nvGrpSpPr>
-        <p:cNvPr id="1" name=""/>
-        <p:cNvGrpSpPr/>
-        <p:nvPr/>
-      </p:nvGrpSpPr>
-      <p:grpSpPr>
-        <a:xfrm>
-          <a:off x="0" y="0"/>
-          <a:ext cx="0" cy="0"/>
-          <a:chOff x="0" y="0"/>
-          <a:chExt cx="0" cy="0"/>
-        </a:xfrm>
-      </p:grpSpPr>
-      <p:sp>
-        <p:nvSpPr>
-          <p:cNvPr id="177" name="PlaceHolder 1"/>
-          <p:cNvSpPr>
-            <a:spLocks noGrp="1"/>
-          </p:cNvSpPr>
-          <p:nvPr>
-            <p:ph type="title"/>
-          </p:nvPr>
-        </p:nvSpPr>
-        <p:spPr>
-          <a:xfrm>
-            <a:off x="609480" y="221040"/>
-            <a:ext cx="10972440" cy="1250280"/>
-          </a:xfrm>
-          <a:prstGeom prst="rect">
-            <a:avLst/>
-          </a:prstGeom>
-        </p:spPr>
-        <p:txBody>
-          <a:bodyPr lIns="0" rIns="0" tIns="0" bIns="0" anchor="ctr"/>
-          <a:p>
-            <a:pPr algn="ctr"/>
-            <a:endParaRPr b="0" lang="en-US" sz="4400" spc="-1" strike="noStrike">
-              <a:latin typeface="Arial"/>
-            </a:endParaRPr>
-          </a:p>
-        </p:txBody>
-      </p:sp>
-      <p:sp>
-        <p:nvSpPr>
-          <p:cNvPr id="178" name="PlaceHolder 2"/>
-          <p:cNvSpPr>
-            <a:spLocks noGrp="1"/>
-          </p:cNvSpPr>
-          <p:nvPr>
-            <p:ph type="body"/>
-          </p:nvPr>
-        </p:nvSpPr>
-        <p:spPr>
-          <a:xfrm>
-            <a:off x="609480" y="1604520"/>
-            <a:ext cx="10972440" cy="1896840"/>
-          </a:xfrm>
-          <a:prstGeom prst="rect">
-            <a:avLst/>
-          </a:prstGeom>
-        </p:spPr>
-        <p:txBody>
-          <a:bodyPr lIns="0" rIns="0" tIns="0" bIns="0">
-            <a:normAutofit/>
-          </a:bodyPr>
-          <a:p>
-            <a:endParaRPr b="0" lang="en-US" sz="3200" spc="-1" strike="noStrike">
-              <a:latin typeface="Arial"/>
-            </a:endParaRPr>
-          </a:p>
-        </p:txBody>
-      </p:sp>
-      <p:sp>
-        <p:nvSpPr>
-          <p:cNvPr id="179" name="PlaceHolder 3"/>
-          <p:cNvSpPr>
-            <a:spLocks noGrp="1"/>
-          </p:cNvSpPr>
-          <p:nvPr>
-            <p:ph type="body"/>
-          </p:nvPr>
-        </p:nvSpPr>
-        <p:spPr>
-          <a:xfrm>
-            <a:off x="609480" y="3682080"/>
-            <a:ext cx="10972440" cy="1896840"/>
-          </a:xfrm>
-          <a:prstGeom prst="rect">
-            <a:avLst/>
-          </a:prstGeom>
-        </p:spPr>
-        <p:txBody>
-          <a:bodyPr lIns="0" rIns="0" tIns="0" bIns="0">
-            <a:normAutofit/>
-          </a:bodyPr>
-          <a:p>
-            <a:endParaRPr b="0" lang="en-US" sz="3200" spc="-1" strike="noStrike">
-              <a:latin typeface="Arial"/>
-            </a:endParaRPr>
-          </a:p>
-        </p:txBody>
-      </p:sp>
-    </p:spTree>
-  </p:cSld>
-</p:sldLayout>
-</file>
-
-<file path=ppt/slideLayouts/slideLayout47.xml><?xml version="1.0" encoding="utf-8"?>
-<p:sldLayout xmlns:a="http://schemas.openxmlformats.org/drawingml/2006/main" xmlns:p="http://schemas.openxmlformats.org/presentationml/2006/main" xmlns:r="http://schemas.openxmlformats.org/officeDocument/2006/relationships" xmlns:p14="http://schemas.microsoft.com/office/powerpoint/2010/main" xmlns:p15="http://schemas.microsoft.com/office/powerpoint/2012/main" xmlns:mc="http://schemas.openxmlformats.org/markup-compatibility/2006" type="fourObj" preserve="1">
-  <p:cSld name="Title, 4 Content">
-    <p:spTree>
-      <p:nvGrpSpPr>
-        <p:cNvPr id="1" name=""/>
-        <p:cNvGrpSpPr/>
-        <p:nvPr/>
-      </p:nvGrpSpPr>
-      <p:grpSpPr>
-        <a:xfrm>
-          <a:off x="0" y="0"/>
-          <a:ext cx="0" cy="0"/>
-          <a:chOff x="0" y="0"/>
-          <a:chExt cx="0" cy="0"/>
-        </a:xfrm>
-      </p:grpSpPr>
-      <p:sp>
-        <p:nvSpPr>
-          <p:cNvPr id="180" name="PlaceHolder 1"/>
-          <p:cNvSpPr>
-            <a:spLocks noGrp="1"/>
-          </p:cNvSpPr>
-          <p:nvPr>
-            <p:ph type="title"/>
-          </p:nvPr>
-        </p:nvSpPr>
-        <p:spPr>
-          <a:xfrm>
-            <a:off x="609480" y="221040"/>
-            <a:ext cx="10972440" cy="1250280"/>
-          </a:xfrm>
-          <a:prstGeom prst="rect">
-            <a:avLst/>
-          </a:prstGeom>
-        </p:spPr>
-        <p:txBody>
-          <a:bodyPr lIns="0" rIns="0" tIns="0" bIns="0" anchor="ctr"/>
-          <a:p>
-            <a:pPr algn="ctr"/>
-            <a:endParaRPr b="0" lang="en-US" sz="4400" spc="-1" strike="noStrike">
-              <a:latin typeface="Arial"/>
-            </a:endParaRPr>
-          </a:p>
-        </p:txBody>
-      </p:sp>
-      <p:sp>
-        <p:nvSpPr>
-          <p:cNvPr id="181" name="PlaceHolder 2"/>
-          <p:cNvSpPr>
-            <a:spLocks noGrp="1"/>
-          </p:cNvSpPr>
-          <p:nvPr>
-            <p:ph type="body"/>
-          </p:nvPr>
-        </p:nvSpPr>
-        <p:spPr>
-          <a:xfrm>
-            <a:off x="609480" y="1604520"/>
-            <a:ext cx="5354280" cy="1896840"/>
-          </a:xfrm>
-          <a:prstGeom prst="rect">
-            <a:avLst/>
-          </a:prstGeom>
-        </p:spPr>
-        <p:txBody>
-          <a:bodyPr lIns="0" rIns="0" tIns="0" bIns="0">
-            <a:normAutofit/>
-          </a:bodyPr>
-          <a:p>
-            <a:endParaRPr b="0" lang="en-US" sz="3200" spc="-1" strike="noStrike">
-              <a:latin typeface="Arial"/>
-            </a:endParaRPr>
-          </a:p>
-        </p:txBody>
-      </p:sp>
-      <p:sp>
-        <p:nvSpPr>
-          <p:cNvPr id="182" name="PlaceHolder 3"/>
-          <p:cNvSpPr>
-            <a:spLocks noGrp="1"/>
-          </p:cNvSpPr>
-          <p:nvPr>
-            <p:ph type="body"/>
-          </p:nvPr>
-        </p:nvSpPr>
-        <p:spPr>
-          <a:xfrm>
-            <a:off x="6231960" y="1604520"/>
-            <a:ext cx="5354280" cy="1896840"/>
-          </a:xfrm>
-          <a:prstGeom prst="rect">
-            <a:avLst/>
-          </a:prstGeom>
-        </p:spPr>
-        <p:txBody>
-          <a:bodyPr lIns="0" rIns="0" tIns="0" bIns="0">
-            <a:normAutofit/>
-          </a:bodyPr>
-          <a:p>
-            <a:endParaRPr b="0" lang="en-US" sz="3200" spc="-1" strike="noStrike">
-              <a:latin typeface="Arial"/>
-            </a:endParaRPr>
-          </a:p>
-        </p:txBody>
-      </p:sp>
-      <p:sp>
-        <p:nvSpPr>
-          <p:cNvPr id="183" name="PlaceHolder 4"/>
-          <p:cNvSpPr>
-            <a:spLocks noGrp="1"/>
-          </p:cNvSpPr>
-          <p:nvPr>
-            <p:ph type="body"/>
-          </p:nvPr>
-        </p:nvSpPr>
-        <p:spPr>
-          <a:xfrm>
-            <a:off x="609480" y="3682080"/>
-            <a:ext cx="5354280" cy="1896840"/>
-          </a:xfrm>
-          <a:prstGeom prst="rect">
-            <a:avLst/>
-          </a:prstGeom>
-        </p:spPr>
-        <p:txBody>
-          <a:bodyPr lIns="0" rIns="0" tIns="0" bIns="0">
-            <a:normAutofit/>
-          </a:bodyPr>
-          <a:p>
-            <a:endParaRPr b="0" lang="en-US" sz="3200" spc="-1" strike="noStrike">
-              <a:latin typeface="Arial"/>
-            </a:endParaRPr>
-          </a:p>
-        </p:txBody>
-      </p:sp>
-      <p:sp>
-        <p:nvSpPr>
-          <p:cNvPr id="184" name="PlaceHolder 5"/>
-          <p:cNvSpPr>
-            <a:spLocks noGrp="1"/>
-          </p:cNvSpPr>
-          <p:nvPr>
-            <p:ph type="body"/>
-          </p:nvPr>
-        </p:nvSpPr>
-        <p:spPr>
-          <a:xfrm>
-            <a:off x="6231960" y="3682080"/>
-            <a:ext cx="5354280" cy="1896840"/>
-          </a:xfrm>
-          <a:prstGeom prst="rect">
-            <a:avLst/>
-          </a:prstGeom>
-        </p:spPr>
-        <p:txBody>
-          <a:bodyPr lIns="0" rIns="0" tIns="0" bIns="0">
-            <a:normAutofit/>
-          </a:bodyPr>
-          <a:p>
-            <a:endParaRPr b="0" lang="en-US" sz="3200" spc="-1" strike="noStrike">
-              <a:latin typeface="Arial"/>
-            </a:endParaRPr>
-          </a:p>
-        </p:txBody>
-      </p:sp>
-    </p:spTree>
-  </p:cSld>
-</p:sldLayout>
-</file>
-
-<file path=ppt/slideLayouts/slideLayout48.xml><?xml version="1.0" encoding="utf-8"?>
-<p:sldLayout xmlns:a="http://schemas.openxmlformats.org/drawingml/2006/main" xmlns:p="http://schemas.openxmlformats.org/presentationml/2006/main" xmlns:r="http://schemas.openxmlformats.org/officeDocument/2006/relationships" xmlns:p14="http://schemas.microsoft.com/office/powerpoint/2010/main" xmlns:p15="http://schemas.microsoft.com/office/powerpoint/2012/main" xmlns:mc="http://schemas.openxmlformats.org/markup-compatibility/2006" type="blank" preserve="1">
-  <p:cSld name="Title, 6 Content">
-    <p:spTree>
-      <p:nvGrpSpPr>
-        <p:cNvPr id="1" name=""/>
-        <p:cNvGrpSpPr/>
-        <p:nvPr/>
-      </p:nvGrpSpPr>
-      <p:grpSpPr>
-        <a:xfrm>
-          <a:off x="0" y="0"/>
-          <a:ext cx="0" cy="0"/>
-          <a:chOff x="0" y="0"/>
-          <a:chExt cx="0" cy="0"/>
-        </a:xfrm>
-      </p:grpSpPr>
-      <p:sp>
-        <p:nvSpPr>
-          <p:cNvPr id="185" name="PlaceHolder 1"/>
-          <p:cNvSpPr>
-            <a:spLocks noGrp="1"/>
-          </p:cNvSpPr>
-          <p:nvPr>
-            <p:ph type="title"/>
-          </p:nvPr>
-        </p:nvSpPr>
-        <p:spPr>
-          <a:xfrm>
-            <a:off x="609480" y="221040"/>
-            <a:ext cx="10972440" cy="1250280"/>
-          </a:xfrm>
-          <a:prstGeom prst="rect">
-            <a:avLst/>
-          </a:prstGeom>
-        </p:spPr>
-        <p:txBody>
-          <a:bodyPr lIns="0" rIns="0" tIns="0" bIns="0" anchor="ctr"/>
-          <a:p>
-            <a:pPr algn="ctr"/>
-            <a:endParaRPr b="0" lang="en-US" sz="4400" spc="-1" strike="noStrike">
-              <a:latin typeface="Arial"/>
-            </a:endParaRPr>
-          </a:p>
-        </p:txBody>
-      </p:sp>
-      <p:sp>
-        <p:nvSpPr>
-          <p:cNvPr id="186" name="PlaceHolder 2"/>
-          <p:cNvSpPr>
-            <a:spLocks noGrp="1"/>
-          </p:cNvSpPr>
-          <p:nvPr>
-            <p:ph type="body"/>
-          </p:nvPr>
-        </p:nvSpPr>
-        <p:spPr>
-          <a:xfrm>
-            <a:off x="609480" y="1604520"/>
-            <a:ext cx="3533040" cy="1896840"/>
-          </a:xfrm>
-          <a:prstGeom prst="rect">
-            <a:avLst/>
-          </a:prstGeom>
-        </p:spPr>
-        <p:txBody>
-          <a:bodyPr lIns="0" rIns="0" tIns="0" bIns="0">
-            <a:normAutofit/>
-          </a:bodyPr>
-          <a:p>
-            <a:endParaRPr b="0" lang="en-US" sz="3200" spc="-1" strike="noStrike">
-              <a:latin typeface="Arial"/>
-            </a:endParaRPr>
-          </a:p>
-        </p:txBody>
-      </p:sp>
-      <p:sp>
-        <p:nvSpPr>
-          <p:cNvPr id="187" name="PlaceHolder 3"/>
-          <p:cNvSpPr>
-            <a:spLocks noGrp="1"/>
-          </p:cNvSpPr>
-          <p:nvPr>
-            <p:ph type="body"/>
-          </p:nvPr>
-        </p:nvSpPr>
-        <p:spPr>
-          <a:xfrm>
-            <a:off x="4319640" y="1604520"/>
-            <a:ext cx="3533040" cy="1896840"/>
-          </a:xfrm>
-          <a:prstGeom prst="rect">
-            <a:avLst/>
-          </a:prstGeom>
-        </p:spPr>
-        <p:txBody>
-          <a:bodyPr lIns="0" rIns="0" tIns="0" bIns="0">
-            <a:normAutofit/>
-          </a:bodyPr>
-          <a:p>
-            <a:endParaRPr b="0" lang="en-US" sz="3200" spc="-1" strike="noStrike">
-              <a:latin typeface="Arial"/>
-            </a:endParaRPr>
-          </a:p>
-        </p:txBody>
-      </p:sp>
-      <p:sp>
-        <p:nvSpPr>
-          <p:cNvPr id="188" name="PlaceHolder 4"/>
-          <p:cNvSpPr>
-            <a:spLocks noGrp="1"/>
-          </p:cNvSpPr>
-          <p:nvPr>
-            <p:ph type="body"/>
-          </p:nvPr>
-        </p:nvSpPr>
-        <p:spPr>
-          <a:xfrm>
-            <a:off x="8029800" y="1604520"/>
-            <a:ext cx="3533040" cy="1896840"/>
-          </a:xfrm>
-          <a:prstGeom prst="rect">
-            <a:avLst/>
-          </a:prstGeom>
-        </p:spPr>
-        <p:txBody>
-          <a:bodyPr lIns="0" rIns="0" tIns="0" bIns="0">
-            <a:normAutofit/>
-          </a:bodyPr>
-          <a:p>
-            <a:endParaRPr b="0" lang="en-US" sz="3200" spc="-1" strike="noStrike">
-              <a:latin typeface="Arial"/>
-            </a:endParaRPr>
-          </a:p>
-        </p:txBody>
-      </p:sp>
-      <p:sp>
-        <p:nvSpPr>
-          <p:cNvPr id="189" name="PlaceHolder 5"/>
-          <p:cNvSpPr>
-            <a:spLocks noGrp="1"/>
-          </p:cNvSpPr>
-          <p:nvPr>
-            <p:ph type="body"/>
-          </p:nvPr>
-        </p:nvSpPr>
-        <p:spPr>
-          <a:xfrm>
-            <a:off x="609480" y="3682080"/>
-            <a:ext cx="3533040" cy="1896840"/>
-          </a:xfrm>
-          <a:prstGeom prst="rect">
-            <a:avLst/>
-          </a:prstGeom>
-        </p:spPr>
-        <p:txBody>
-          <a:bodyPr lIns="0" rIns="0" tIns="0" bIns="0">
-            <a:normAutofit/>
-          </a:bodyPr>
-          <a:p>
-            <a:endParaRPr b="0" lang="en-US" sz="3200" spc="-1" strike="noStrike">
-              <a:latin typeface="Arial"/>
-            </a:endParaRPr>
-          </a:p>
-        </p:txBody>
-      </p:sp>
-      <p:sp>
-        <p:nvSpPr>
-          <p:cNvPr id="190" name="PlaceHolder 6"/>
-          <p:cNvSpPr>
-            <a:spLocks noGrp="1"/>
-          </p:cNvSpPr>
-          <p:nvPr>
-            <p:ph type="body"/>
-          </p:nvPr>
-        </p:nvSpPr>
-        <p:spPr>
-          <a:xfrm>
-            <a:off x="4319640" y="3682080"/>
-            <a:ext cx="3533040" cy="1896840"/>
-          </a:xfrm>
-          <a:prstGeom prst="rect">
-            <a:avLst/>
-          </a:prstGeom>
-        </p:spPr>
-        <p:txBody>
-          <a:bodyPr lIns="0" rIns="0" tIns="0" bIns="0">
-            <a:normAutofit/>
-          </a:bodyPr>
-          <a:p>
-            <a:endParaRPr b="0" lang="en-US" sz="3200" spc="-1" strike="noStrike">
-              <a:latin typeface="Arial"/>
-            </a:endParaRPr>
-          </a:p>
-        </p:txBody>
-      </p:sp>
-      <p:sp>
-        <p:nvSpPr>
-          <p:cNvPr id="191" name="PlaceHolder 7"/>
-          <p:cNvSpPr>
-            <a:spLocks noGrp="1"/>
-          </p:cNvSpPr>
-          <p:nvPr>
-            <p:ph type="body"/>
-          </p:nvPr>
-        </p:nvSpPr>
-        <p:spPr>
-          <a:xfrm>
-            <a:off x="8029800" y="3682080"/>
-            <a:ext cx="3533040" cy="1896840"/>
           </a:xfrm>
           <a:prstGeom prst="rect">
             <a:avLst/>
@@ -5392,9 +4060,9 @@
         <p:grpSpPr>
           <a:xfrm>
             <a:off x="150840" y="0"/>
-            <a:ext cx="2435760" cy="6856920"/>
+            <a:ext cx="2434680" cy="6855840"/>
             <a:chOff x="150840" y="0"/>
-            <a:chExt cx="2435760" cy="6856920"/>
+            <a:chExt cx="2434680" cy="6855840"/>
           </a:xfrm>
         </p:grpSpPr>
         <p:sp>
@@ -5406,7 +4074,7 @@
           <p:spPr>
             <a:xfrm>
               <a:off x="457200" y="0"/>
-              <a:ext cx="1121400" cy="5328000"/>
+              <a:ext cx="1120320" cy="5326920"/>
             </a:xfrm>
             <a:custGeom>
               <a:avLst/>
@@ -5457,7 +4125,7 @@
           <p:spPr>
             <a:xfrm>
               <a:off x="150840" y="0"/>
-              <a:ext cx="1116360" cy="5275800"/>
+              <a:ext cx="1115280" cy="5274720"/>
             </a:xfrm>
             <a:custGeom>
               <a:avLst/>
@@ -5511,7 +4179,7 @@
           <p:spPr>
             <a:xfrm>
               <a:off x="150840" y="5238720"/>
-              <a:ext cx="1227600" cy="1618200"/>
+              <a:ext cx="1226520" cy="1617120"/>
             </a:xfrm>
             <a:custGeom>
               <a:avLst/>
@@ -5562,7 +4230,7 @@
           <p:spPr>
             <a:xfrm>
               <a:off x="457200" y="5291280"/>
-              <a:ext cx="1494360" cy="1565640"/>
+              <a:ext cx="1493280" cy="1564560"/>
             </a:xfrm>
             <a:custGeom>
               <a:avLst/>
@@ -5612,7 +4280,7 @@
           <p:spPr>
             <a:xfrm>
               <a:off x="457200" y="5286240"/>
-              <a:ext cx="2129400" cy="1570680"/>
+              <a:ext cx="2128320" cy="1569600"/>
             </a:xfrm>
             <a:custGeom>
               <a:avLst/>
@@ -5668,7 +4336,7 @@
           <p:spPr>
             <a:xfrm>
               <a:off x="150840" y="5238720"/>
-              <a:ext cx="1694520" cy="1618200"/>
+              <a:ext cx="1693440" cy="1617120"/>
             </a:xfrm>
             <a:custGeom>
               <a:avLst/>
@@ -5738,9 +4406,9 @@
         <p:grpSpPr>
           <a:xfrm>
             <a:off x="546120" y="-4680"/>
-            <a:ext cx="5013720" cy="6861600"/>
+            <a:ext cx="5012640" cy="6860520"/>
             <a:chOff x="546120" y="-4680"/>
-            <a:chExt cx="5013720" cy="6861600"/>
+            <a:chExt cx="5012640" cy="6860520"/>
           </a:xfrm>
         </p:grpSpPr>
         <p:sp>
@@ -5752,7 +4420,7 @@
           <p:spPr>
             <a:xfrm>
               <a:off x="984240" y="-4680"/>
-              <a:ext cx="1062720" cy="2781720"/>
+              <a:ext cx="1061640" cy="2780640"/>
             </a:xfrm>
             <a:custGeom>
               <a:avLst/>
@@ -5803,7 +4471,7 @@
           <p:spPr>
             <a:xfrm>
               <a:off x="546120" y="-4680"/>
-              <a:ext cx="1033920" cy="2672280"/>
+              <a:ext cx="1032840" cy="2671200"/>
             </a:xfrm>
             <a:custGeom>
               <a:avLst/>
@@ -5860,7 +4528,7 @@
           <p:spPr>
             <a:xfrm>
               <a:off x="546120" y="2583000"/>
-              <a:ext cx="2692800" cy="4273920"/>
+              <a:ext cx="2691720" cy="4272840"/>
             </a:xfrm>
             <a:custGeom>
               <a:avLst/>
@@ -5911,7 +4579,7 @@
           <p:spPr>
             <a:xfrm>
               <a:off x="988920" y="2692440"/>
-              <a:ext cx="3331080" cy="4164480"/>
+              <a:ext cx="3330000" cy="4163400"/>
             </a:xfrm>
             <a:custGeom>
               <a:avLst/>
@@ -5961,7 +4629,7 @@
           <p:spPr>
             <a:xfrm>
               <a:off x="984240" y="2687760"/>
-              <a:ext cx="4575600" cy="4169160"/>
+              <a:ext cx="4574520" cy="4168080"/>
             </a:xfrm>
             <a:custGeom>
               <a:avLst/>
@@ -6017,7 +4685,7 @@
           <p:spPr>
             <a:xfrm>
               <a:off x="546120" y="2577960"/>
-              <a:ext cx="3583440" cy="4278960"/>
+              <a:ext cx="3582360" cy="4277880"/>
             </a:xfrm>
             <a:custGeom>
               <a:avLst/>
@@ -6084,8 +4752,8 @@
         </p:nvSpPr>
         <p:spPr>
           <a:xfrm>
-            <a:off x="609480" y="221040"/>
-            <a:ext cx="10972080" cy="1249920"/>
+            <a:off x="609480" y="273600"/>
+            <a:ext cx="10972440" cy="1144800"/>
           </a:xfrm>
           <a:prstGeom prst="rect">
             <a:avLst/>
@@ -6094,13 +4762,14 @@
         <p:txBody>
           <a:bodyPr lIns="0" rIns="0" tIns="0" bIns="0" anchor="ctr"/>
           <a:p>
+            <a:pPr algn="ctr"/>
             <a:r>
-              <a:rPr b="0" lang="en-US" sz="1800" spc="-1" strike="noStrike">
+              <a:rPr b="0" lang="en-US" sz="4400" spc="-1" strike="noStrike">
                 <a:latin typeface="Arial"/>
               </a:rPr>
               <a:t>Для правки текста заглавия щёлкните мышью</a:t>
             </a:r>
-            <a:endParaRPr b="0" lang="en-US" sz="1800" spc="-1" strike="noStrike">
+            <a:endParaRPr b="0" lang="en-US" sz="4400" spc="-1" strike="noStrike">
               <a:latin typeface="Arial"/>
             </a:endParaRPr>
           </a:p>
@@ -6119,7 +4788,7 @@
         <p:spPr>
           <a:xfrm>
             <a:off x="609480" y="1604520"/>
-            <a:ext cx="10972080" cy="3976920"/>
+            <a:ext cx="10972440" cy="3977280"/>
           </a:xfrm>
           <a:prstGeom prst="rect">
             <a:avLst/>
@@ -6142,12 +4811,12 @@
               <a:buChar char=""/>
             </a:pPr>
             <a:r>
-              <a:rPr b="0" lang="en-US" sz="1800" spc="-1" strike="noStrike">
+              <a:rPr b="0" lang="en-US" sz="3200" spc="-1" strike="noStrike">
                 <a:latin typeface="Arial"/>
               </a:rPr>
               <a:t>Для правки структуры щёлкните мышью</a:t>
             </a:r>
-            <a:endParaRPr b="0" lang="en-US" sz="1800" spc="-1" strike="noStrike">
+            <a:endParaRPr b="0" lang="en-US" sz="3200" spc="-1" strike="noStrike">
               <a:latin typeface="Arial"/>
             </a:endParaRPr>
           </a:p>
@@ -6164,12 +4833,12 @@
               <a:buChar char=""/>
             </a:pPr>
             <a:r>
-              <a:rPr b="0" lang="en-US" sz="1800" spc="-1" strike="noStrike">
+              <a:rPr b="0" lang="en-US" sz="2800" spc="-1" strike="noStrike">
                 <a:latin typeface="Arial"/>
               </a:rPr>
               <a:t>Второй уровень структуры</a:t>
             </a:r>
-            <a:endParaRPr b="0" lang="en-US" sz="1800" spc="-1" strike="noStrike">
+            <a:endParaRPr b="0" lang="en-US" sz="2800" spc="-1" strike="noStrike">
               <a:latin typeface="Arial"/>
             </a:endParaRPr>
           </a:p>
@@ -6186,12 +4855,12 @@
               <a:buChar char=""/>
             </a:pPr>
             <a:r>
-              <a:rPr b="0" lang="en-US" sz="1800" spc="-1" strike="noStrike">
+              <a:rPr b="0" lang="en-US" sz="2400" spc="-1" strike="noStrike">
                 <a:latin typeface="Arial"/>
               </a:rPr>
               <a:t>Третий уровень структуры</a:t>
             </a:r>
-            <a:endParaRPr b="0" lang="en-US" sz="1800" spc="-1" strike="noStrike">
+            <a:endParaRPr b="0" lang="en-US" sz="2400" spc="-1" strike="noStrike">
               <a:latin typeface="Arial"/>
             </a:endParaRPr>
           </a:p>
@@ -6208,12 +4877,12 @@
               <a:buChar char=""/>
             </a:pPr>
             <a:r>
-              <a:rPr b="0" lang="en-US" sz="1800" spc="-1" strike="noStrike">
+              <a:rPr b="0" lang="en-US" sz="2000" spc="-1" strike="noStrike">
                 <a:latin typeface="Arial"/>
               </a:rPr>
               <a:t>Четвёртый уровень структуры</a:t>
             </a:r>
-            <a:endParaRPr b="0" lang="en-US" sz="1800" spc="-1" strike="noStrike">
+            <a:endParaRPr b="0" lang="en-US" sz="2000" spc="-1" strike="noStrike">
               <a:latin typeface="Arial"/>
             </a:endParaRPr>
           </a:p>
@@ -6230,12 +4899,12 @@
               <a:buChar char=""/>
             </a:pPr>
             <a:r>
-              <a:rPr b="0" lang="en-US" sz="1800" spc="-1" strike="noStrike">
+              <a:rPr b="0" lang="en-US" sz="2000" spc="-1" strike="noStrike">
                 <a:latin typeface="Arial"/>
               </a:rPr>
               <a:t>Пятый уровень структуры</a:t>
             </a:r>
-            <a:endParaRPr b="0" lang="en-US" sz="1800" spc="-1" strike="noStrike">
+            <a:endParaRPr b="0" lang="en-US" sz="2000" spc="-1" strike="noStrike">
               <a:latin typeface="Arial"/>
             </a:endParaRPr>
           </a:p>
@@ -6252,12 +4921,12 @@
               <a:buChar char=""/>
             </a:pPr>
             <a:r>
-              <a:rPr b="0" lang="en-US" sz="1800" spc="-1" strike="noStrike">
+              <a:rPr b="0" lang="en-US" sz="2000" spc="-1" strike="noStrike">
                 <a:latin typeface="Arial"/>
               </a:rPr>
               <a:t>Шестой уровень структуры</a:t>
             </a:r>
-            <a:endParaRPr b="0" lang="en-US" sz="1800" spc="-1" strike="noStrike">
+            <a:endParaRPr b="0" lang="en-US" sz="2000" spc="-1" strike="noStrike">
               <a:latin typeface="Arial"/>
             </a:endParaRPr>
           </a:p>
@@ -6274,12 +4943,12 @@
               <a:buChar char=""/>
             </a:pPr>
             <a:r>
-              <a:rPr b="0" lang="en-US" sz="1800" spc="-1" strike="noStrike">
+              <a:rPr b="0" lang="en-US" sz="2000" spc="-1" strike="noStrike">
                 <a:latin typeface="Arial"/>
               </a:rPr>
               <a:t>Седьмой уровень структуры</a:t>
             </a:r>
-            <a:endParaRPr b="0" lang="en-US" sz="1800" spc="-1" strike="noStrike">
+            <a:endParaRPr b="0" lang="en-US" sz="2000" spc="-1" strike="noStrike">
               <a:latin typeface="Arial"/>
             </a:endParaRPr>
           </a:p>
@@ -6341,9 +5010,9 @@
         <p:grpSpPr>
           <a:xfrm>
             <a:off x="150840" y="0"/>
-            <a:ext cx="2435760" cy="6856920"/>
+            <a:ext cx="2434680" cy="6855840"/>
             <a:chOff x="150840" y="0"/>
-            <a:chExt cx="2435760" cy="6856920"/>
+            <a:chExt cx="2434680" cy="6855840"/>
           </a:xfrm>
         </p:grpSpPr>
         <p:sp>
@@ -6355,7 +5024,7 @@
           <p:spPr>
             <a:xfrm>
               <a:off x="457200" y="0"/>
-              <a:ext cx="1121400" cy="5328000"/>
+              <a:ext cx="1120320" cy="5326920"/>
             </a:xfrm>
             <a:custGeom>
               <a:avLst/>
@@ -6406,7 +5075,7 @@
           <p:spPr>
             <a:xfrm>
               <a:off x="150840" y="0"/>
-              <a:ext cx="1116360" cy="5275800"/>
+              <a:ext cx="1115280" cy="5274720"/>
             </a:xfrm>
             <a:custGeom>
               <a:avLst/>
@@ -6460,7 +5129,7 @@
           <p:spPr>
             <a:xfrm>
               <a:off x="150840" y="5238720"/>
-              <a:ext cx="1227600" cy="1618200"/>
+              <a:ext cx="1226520" cy="1617120"/>
             </a:xfrm>
             <a:custGeom>
               <a:avLst/>
@@ -6511,7 +5180,7 @@
           <p:spPr>
             <a:xfrm>
               <a:off x="457200" y="5291280"/>
-              <a:ext cx="1494360" cy="1565640"/>
+              <a:ext cx="1493280" cy="1564560"/>
             </a:xfrm>
             <a:custGeom>
               <a:avLst/>
@@ -6561,7 +5230,7 @@
           <p:spPr>
             <a:xfrm>
               <a:off x="457200" y="5286240"/>
-              <a:ext cx="2129400" cy="1570680"/>
+              <a:ext cx="2128320" cy="1569600"/>
             </a:xfrm>
             <a:custGeom>
               <a:avLst/>
@@ -6617,7 +5286,7 @@
           <p:spPr>
             <a:xfrm>
               <a:off x="150840" y="5238720"/>
-              <a:ext cx="1694520" cy="1618200"/>
+              <a:ext cx="1693440" cy="1617120"/>
             </a:xfrm>
             <a:custGeom>
               <a:avLst/>
@@ -6948,9 +5617,9 @@
         <p:grpSpPr>
           <a:xfrm>
             <a:off x="150840" y="0"/>
-            <a:ext cx="2435760" cy="6856920"/>
+            <a:ext cx="2434680" cy="6855840"/>
             <a:chOff x="150840" y="0"/>
-            <a:chExt cx="2435760" cy="6856920"/>
+            <a:chExt cx="2434680" cy="6855840"/>
           </a:xfrm>
         </p:grpSpPr>
         <p:sp>
@@ -6962,7 +5631,7 @@
           <p:spPr>
             <a:xfrm>
               <a:off x="457200" y="0"/>
-              <a:ext cx="1121400" cy="5328000"/>
+              <a:ext cx="1120320" cy="5326920"/>
             </a:xfrm>
             <a:custGeom>
               <a:avLst/>
@@ -7013,7 +5682,7 @@
           <p:spPr>
             <a:xfrm>
               <a:off x="150840" y="0"/>
-              <a:ext cx="1116360" cy="5275800"/>
+              <a:ext cx="1115280" cy="5274720"/>
             </a:xfrm>
             <a:custGeom>
               <a:avLst/>
@@ -7067,7 +5736,7 @@
           <p:spPr>
             <a:xfrm>
               <a:off x="150840" y="5238720"/>
-              <a:ext cx="1227600" cy="1618200"/>
+              <a:ext cx="1226520" cy="1617120"/>
             </a:xfrm>
             <a:custGeom>
               <a:avLst/>
@@ -7118,7 +5787,7 @@
           <p:spPr>
             <a:xfrm>
               <a:off x="457200" y="5291280"/>
-              <a:ext cx="1494360" cy="1565640"/>
+              <a:ext cx="1493280" cy="1564560"/>
             </a:xfrm>
             <a:custGeom>
               <a:avLst/>
@@ -7168,7 +5837,7 @@
           <p:spPr>
             <a:xfrm>
               <a:off x="457200" y="5286240"/>
-              <a:ext cx="2129400" cy="1570680"/>
+              <a:ext cx="2128320" cy="1569600"/>
             </a:xfrm>
             <a:custGeom>
               <a:avLst/>
@@ -7224,7 +5893,7 @@
           <p:spPr>
             <a:xfrm>
               <a:off x="150840" y="5238720"/>
-              <a:ext cx="1694520" cy="1618200"/>
+              <a:ext cx="1693440" cy="1617120"/>
             </a:xfrm>
             <a:custGeom>
               <a:avLst/>
@@ -7519,1507 +6188,6 @@
 </p:sldMaster>
 </file>
 
-<file path=ppt/slideMasters/slideMaster4.xml><?xml version="1.0" encoding="utf-8"?>
-<p:sldMaster xmlns:a="http://schemas.openxmlformats.org/drawingml/2006/main" xmlns:p="http://schemas.openxmlformats.org/presentationml/2006/main" xmlns:r="http://schemas.openxmlformats.org/officeDocument/2006/relationships" xmlns:p14="http://schemas.microsoft.com/office/powerpoint/2010/main" xmlns:p15="http://schemas.microsoft.com/office/powerpoint/2012/main" xmlns:mc="http://schemas.openxmlformats.org/markup-compatibility/2006">
-  <p:cSld>
-    <p:bg>
-      <p:bgPr>
-        <a:blipFill rotWithShape="0">
-          <a:blip r:embed="rId2"/>
-          <a:stretch>
-            <a:fillRect/>
-          </a:stretch>
-        </a:blipFill>
-      </p:bgPr>
-    </p:bg>
-    <p:spTree>
-      <p:nvGrpSpPr>
-        <p:cNvPr id="1" name=""/>
-        <p:cNvGrpSpPr/>
-        <p:nvPr/>
-      </p:nvGrpSpPr>
-      <p:grpSpPr>
-        <a:xfrm>
-          <a:off x="0" y="0"/>
-          <a:ext cx="0" cy="0"/>
-          <a:chOff x="0" y="0"/>
-          <a:chExt cx="0" cy="0"/>
-        </a:xfrm>
-      </p:grpSpPr>
-      <p:grpSp>
-        <p:nvGrpSpPr>
-          <p:cNvPr id="142" name="Group 1"/>
-          <p:cNvGrpSpPr/>
-          <p:nvPr/>
-        </p:nvGrpSpPr>
-        <p:grpSpPr>
-          <a:xfrm>
-            <a:off x="150840" y="0"/>
-            <a:ext cx="2435760" cy="6856920"/>
-            <a:chOff x="150840" y="0"/>
-            <a:chExt cx="2435760" cy="6856920"/>
-          </a:xfrm>
-        </p:grpSpPr>
-        <p:sp>
-          <p:nvSpPr>
-            <p:cNvPr id="143" name="CustomShape 2"/>
-            <p:cNvSpPr/>
-            <p:nvPr/>
-          </p:nvSpPr>
-          <p:spPr>
-            <a:xfrm>
-              <a:off x="457200" y="0"/>
-              <a:ext cx="1121400" cy="5328000"/>
-            </a:xfrm>
-            <a:custGeom>
-              <a:avLst/>
-              <a:gdLst/>
-              <a:ahLst/>
-              <a:rect l="l" t="t" r="r" b="b"/>
-              <a:pathLst>
-                <a:path w="707" h="3357">
-                  <a:moveTo>
-                    <a:pt x="0" y="3330"/>
-                  </a:moveTo>
-                  <a:lnTo>
-                    <a:pt x="156" y="3357"/>
-                  </a:lnTo>
-                  <a:lnTo>
-                    <a:pt x="707" y="0"/>
-                  </a:lnTo>
-                  <a:lnTo>
-                    <a:pt x="547" y="0"/>
-                  </a:lnTo>
-                  <a:lnTo>
-                    <a:pt x="0" y="3330"/>
-                  </a:lnTo>
-                  <a:close/>
-                </a:path>
-              </a:pathLst>
-            </a:custGeom>
-            <a:solidFill>
-              <a:schemeClr val="accent1"/>
-            </a:solidFill>
-            <a:ln>
-              <a:noFill/>
-            </a:ln>
-          </p:spPr>
-          <p:style>
-            <a:lnRef idx="0"/>
-            <a:fillRef idx="0"/>
-            <a:effectRef idx="0"/>
-            <a:fontRef idx="minor"/>
-          </p:style>
-        </p:sp>
-        <p:sp>
-          <p:nvSpPr>
-            <p:cNvPr id="144" name="CustomShape 3"/>
-            <p:cNvSpPr/>
-            <p:nvPr/>
-          </p:nvSpPr>
-          <p:spPr>
-            <a:xfrm>
-              <a:off x="150840" y="0"/>
-              <a:ext cx="1116360" cy="5275800"/>
-            </a:xfrm>
-            <a:custGeom>
-              <a:avLst/>
-              <a:gdLst/>
-              <a:ahLst/>
-              <a:rect l="l" t="t" r="r" b="b"/>
-              <a:pathLst>
-                <a:path w="704" h="3324">
-                  <a:moveTo>
-                    <a:pt x="704" y="0"/>
-                  </a:moveTo>
-                  <a:lnTo>
-                    <a:pt x="545" y="0"/>
-                  </a:lnTo>
-                  <a:lnTo>
-                    <a:pt x="0" y="3300"/>
-                  </a:lnTo>
-                  <a:lnTo>
-                    <a:pt x="157" y="3324"/>
-                  </a:lnTo>
-                  <a:lnTo>
-                    <a:pt x="704" y="0"/>
-                  </a:lnTo>
-                  <a:close/>
-                </a:path>
-              </a:pathLst>
-            </a:custGeom>
-            <a:solidFill>
-              <a:schemeClr val="tx1">
-                <a:lumMod val="65000"/>
-                <a:lumOff val="35000"/>
-              </a:schemeClr>
-            </a:solidFill>
-            <a:ln>
-              <a:noFill/>
-            </a:ln>
-          </p:spPr>
-          <p:style>
-            <a:lnRef idx="0"/>
-            <a:fillRef idx="0"/>
-            <a:effectRef idx="0"/>
-            <a:fontRef idx="minor"/>
-          </p:style>
-        </p:sp>
-        <p:sp>
-          <p:nvSpPr>
-            <p:cNvPr id="145" name="CustomShape 4"/>
-            <p:cNvSpPr/>
-            <p:nvPr/>
-          </p:nvSpPr>
-          <p:spPr>
-            <a:xfrm>
-              <a:off x="150840" y="5238720"/>
-              <a:ext cx="1227600" cy="1618200"/>
-            </a:xfrm>
-            <a:custGeom>
-              <a:avLst/>
-              <a:gdLst/>
-              <a:ahLst/>
-              <a:rect l="l" t="t" r="r" b="b"/>
-              <a:pathLst>
-                <a:path w="774" h="1020">
-                  <a:moveTo>
-                    <a:pt x="0" y="0"/>
-                  </a:moveTo>
-                  <a:lnTo>
-                    <a:pt x="740" y="1020"/>
-                  </a:lnTo>
-                  <a:lnTo>
-                    <a:pt x="774" y="1020"/>
-                  </a:lnTo>
-                  <a:lnTo>
-                    <a:pt x="0" y="0"/>
-                  </a:lnTo>
-                  <a:close/>
-                </a:path>
-              </a:pathLst>
-            </a:custGeom>
-            <a:solidFill>
-              <a:schemeClr val="tx1">
-                <a:lumMod val="85000"/>
-                <a:lumOff val="15000"/>
-              </a:schemeClr>
-            </a:solidFill>
-            <a:ln>
-              <a:noFill/>
-            </a:ln>
-          </p:spPr>
-          <p:style>
-            <a:lnRef idx="0"/>
-            <a:fillRef idx="0"/>
-            <a:effectRef idx="0"/>
-            <a:fontRef idx="minor"/>
-          </p:style>
-        </p:sp>
-        <p:sp>
-          <p:nvSpPr>
-            <p:cNvPr id="146" name="CustomShape 5"/>
-            <p:cNvSpPr/>
-            <p:nvPr/>
-          </p:nvSpPr>
-          <p:spPr>
-            <a:xfrm>
-              <a:off x="457200" y="5291280"/>
-              <a:ext cx="1494360" cy="1565640"/>
-            </a:xfrm>
-            <a:custGeom>
-              <a:avLst/>
-              <a:gdLst/>
-              <a:ahLst/>
-              <a:rect l="l" t="t" r="r" b="b"/>
-              <a:pathLst>
-                <a:path w="942" h="987">
-                  <a:moveTo>
-                    <a:pt x="0" y="0"/>
-                  </a:moveTo>
-                  <a:lnTo>
-                    <a:pt x="909" y="987"/>
-                  </a:lnTo>
-                  <a:lnTo>
-                    <a:pt x="942" y="987"/>
-                  </a:lnTo>
-                  <a:lnTo>
-                    <a:pt x="0" y="0"/>
-                  </a:lnTo>
-                  <a:close/>
-                </a:path>
-              </a:pathLst>
-            </a:custGeom>
-            <a:solidFill>
-              <a:schemeClr val="accent1">
-                <a:lumMod val="50000"/>
-              </a:schemeClr>
-            </a:solidFill>
-            <a:ln>
-              <a:noFill/>
-            </a:ln>
-          </p:spPr>
-          <p:style>
-            <a:lnRef idx="0"/>
-            <a:fillRef idx="0"/>
-            <a:effectRef idx="0"/>
-            <a:fontRef idx="minor"/>
-          </p:style>
-        </p:sp>
-        <p:sp>
-          <p:nvSpPr>
-            <p:cNvPr id="147" name="CustomShape 6"/>
-            <p:cNvSpPr/>
-            <p:nvPr/>
-          </p:nvSpPr>
-          <p:spPr>
-            <a:xfrm>
-              <a:off x="457200" y="5286240"/>
-              <a:ext cx="2129400" cy="1570680"/>
-            </a:xfrm>
-            <a:custGeom>
-              <a:avLst/>
-              <a:gdLst/>
-              <a:ahLst/>
-              <a:rect l="l" t="t" r="r" b="b"/>
-              <a:pathLst>
-                <a:path w="1342" h="990">
-                  <a:moveTo>
-                    <a:pt x="0" y="3"/>
-                  </a:moveTo>
-                  <a:lnTo>
-                    <a:pt x="942" y="990"/>
-                  </a:lnTo>
-                  <a:lnTo>
-                    <a:pt x="1342" y="990"/>
-                  </a:lnTo>
-                  <a:lnTo>
-                    <a:pt x="156" y="27"/>
-                  </a:lnTo>
-                  <a:lnTo>
-                    <a:pt x="0" y="0"/>
-                  </a:lnTo>
-                  <a:lnTo>
-                    <a:pt x="0" y="3"/>
-                  </a:lnTo>
-                  <a:close/>
-                </a:path>
-              </a:pathLst>
-            </a:custGeom>
-            <a:solidFill>
-              <a:schemeClr val="accent1">
-                <a:lumMod val="75000"/>
-              </a:schemeClr>
-            </a:solidFill>
-            <a:ln>
-              <a:noFill/>
-            </a:ln>
-          </p:spPr>
-          <p:style>
-            <a:lnRef idx="0"/>
-            <a:fillRef idx="0"/>
-            <a:effectRef idx="0"/>
-            <a:fontRef idx="minor"/>
-          </p:style>
-        </p:sp>
-        <p:sp>
-          <p:nvSpPr>
-            <p:cNvPr id="148" name="CustomShape 7"/>
-            <p:cNvSpPr/>
-            <p:nvPr/>
-          </p:nvSpPr>
-          <p:spPr>
-            <a:xfrm>
-              <a:off x="150840" y="5238720"/>
-              <a:ext cx="1694520" cy="1618200"/>
-            </a:xfrm>
-            <a:custGeom>
-              <a:avLst/>
-              <a:gdLst/>
-              <a:ahLst/>
-              <a:rect l="l" t="t" r="r" b="b"/>
-              <a:pathLst>
-                <a:path w="1068" h="1020">
-                  <a:moveTo>
-                    <a:pt x="1068" y="1020"/>
-                  </a:moveTo>
-                  <a:lnTo>
-                    <a:pt x="184" y="60"/>
-                  </a:lnTo>
-                  <a:lnTo>
-                    <a:pt x="154" y="27"/>
-                  </a:lnTo>
-                  <a:lnTo>
-                    <a:pt x="157" y="27"/>
-                  </a:lnTo>
-                  <a:lnTo>
-                    <a:pt x="157" y="24"/>
-                  </a:lnTo>
-                  <a:lnTo>
-                    <a:pt x="154" y="24"/>
-                  </a:lnTo>
-                  <a:lnTo>
-                    <a:pt x="0" y="0"/>
-                  </a:lnTo>
-                  <a:lnTo>
-                    <a:pt x="0" y="0"/>
-                  </a:lnTo>
-                  <a:lnTo>
-                    <a:pt x="774" y="1020"/>
-                  </a:lnTo>
-                  <a:lnTo>
-                    <a:pt x="1068" y="1020"/>
-                  </a:lnTo>
-                  <a:close/>
-                </a:path>
-              </a:pathLst>
-            </a:custGeom>
-            <a:solidFill>
-              <a:schemeClr val="tx1">
-                <a:lumMod val="75000"/>
-                <a:lumOff val="25000"/>
-              </a:schemeClr>
-            </a:solidFill>
-            <a:ln>
-              <a:noFill/>
-            </a:ln>
-          </p:spPr>
-          <p:style>
-            <a:lnRef idx="0"/>
-            <a:fillRef idx="0"/>
-            <a:effectRef idx="0"/>
-            <a:fontRef idx="minor"/>
-          </p:style>
-        </p:sp>
-      </p:grpSp>
-      <p:sp>
-        <p:nvSpPr>
-          <p:cNvPr id="149" name="PlaceHolder 8"/>
-          <p:cNvSpPr>
-            <a:spLocks noGrp="1"/>
-          </p:cNvSpPr>
-          <p:nvPr>
-            <p:ph type="title"/>
-          </p:nvPr>
-        </p:nvSpPr>
-        <p:spPr>
-          <a:xfrm>
-            <a:off x="609480" y="221040"/>
-            <a:ext cx="10972080" cy="1249920"/>
-          </a:xfrm>
-          <a:prstGeom prst="rect">
-            <a:avLst/>
-          </a:prstGeom>
-        </p:spPr>
-        <p:txBody>
-          <a:bodyPr lIns="0" rIns="0" tIns="0" bIns="0" anchor="ctr"/>
-          <a:p>
-            <a:r>
-              <a:rPr b="0" lang="en-US" sz="1800" spc="-1" strike="noStrike">
-                <a:latin typeface="Arial"/>
-              </a:rPr>
-              <a:t>Для правки текста заглавия щёлкните мышью</a:t>
-            </a:r>
-            <a:endParaRPr b="0" lang="en-US" sz="1800" spc="-1" strike="noStrike">
-              <a:latin typeface="Arial"/>
-            </a:endParaRPr>
-          </a:p>
-        </p:txBody>
-      </p:sp>
-      <p:sp>
-        <p:nvSpPr>
-          <p:cNvPr id="150" name="PlaceHolder 9"/>
-          <p:cNvSpPr>
-            <a:spLocks noGrp="1"/>
-          </p:cNvSpPr>
-          <p:nvPr>
-            <p:ph type="body"/>
-          </p:nvPr>
-        </p:nvSpPr>
-        <p:spPr>
-          <a:xfrm>
-            <a:off x="609480" y="1604520"/>
-            <a:ext cx="3532680" cy="1896480"/>
-          </a:xfrm>
-          <a:prstGeom prst="rect">
-            <a:avLst/>
-          </a:prstGeom>
-        </p:spPr>
-        <p:txBody>
-          <a:bodyPr lIns="0" rIns="0" tIns="0" bIns="0">
-            <a:normAutofit fontScale="15000"/>
-          </a:bodyPr>
-          <a:p>
-            <a:pPr marL="432000" indent="-324000">
-              <a:spcBef>
-                <a:spcPts val="1417"/>
-              </a:spcBef>
-              <a:buClr>
-                <a:srgbClr val="000000"/>
-              </a:buClr>
-              <a:buSzPct val="45000"/>
-              <a:buFont typeface="Wingdings" charset="2"/>
-              <a:buChar char=""/>
-            </a:pPr>
-            <a:r>
-              <a:rPr b="0" lang="en-US" sz="1800" spc="-1" strike="noStrike">
-                <a:latin typeface="Arial"/>
-              </a:rPr>
-              <a:t>Для правки структуры щёлкните мышью</a:t>
-            </a:r>
-            <a:endParaRPr b="0" lang="en-US" sz="1800" spc="-1" strike="noStrike">
-              <a:latin typeface="Arial"/>
-            </a:endParaRPr>
-          </a:p>
-          <a:p>
-            <a:pPr lvl="1" marL="864000" indent="-324000">
-              <a:spcBef>
-                <a:spcPts val="1134"/>
-              </a:spcBef>
-              <a:buClr>
-                <a:srgbClr val="000000"/>
-              </a:buClr>
-              <a:buSzPct val="75000"/>
-              <a:buFont typeface="Symbol" charset="2"/>
-              <a:buChar char=""/>
-            </a:pPr>
-            <a:r>
-              <a:rPr b="0" lang="en-US" sz="1800" spc="-1" strike="noStrike">
-                <a:latin typeface="Arial"/>
-              </a:rPr>
-              <a:t>Второй уровень структуры</a:t>
-            </a:r>
-            <a:endParaRPr b="0" lang="en-US" sz="1800" spc="-1" strike="noStrike">
-              <a:latin typeface="Arial"/>
-            </a:endParaRPr>
-          </a:p>
-          <a:p>
-            <a:pPr lvl="2" marL="1296000" indent="-288000">
-              <a:spcBef>
-                <a:spcPts val="850"/>
-              </a:spcBef>
-              <a:buClr>
-                <a:srgbClr val="000000"/>
-              </a:buClr>
-              <a:buSzPct val="45000"/>
-              <a:buFont typeface="Wingdings" charset="2"/>
-              <a:buChar char=""/>
-            </a:pPr>
-            <a:r>
-              <a:rPr b="0" lang="en-US" sz="1800" spc="-1" strike="noStrike">
-                <a:latin typeface="Arial"/>
-              </a:rPr>
-              <a:t>Третий уровень структуры</a:t>
-            </a:r>
-            <a:endParaRPr b="0" lang="en-US" sz="1800" spc="-1" strike="noStrike">
-              <a:latin typeface="Arial"/>
-            </a:endParaRPr>
-          </a:p>
-          <a:p>
-            <a:pPr lvl="3" marL="1728000" indent="-216000">
-              <a:spcBef>
-                <a:spcPts val="567"/>
-              </a:spcBef>
-              <a:buClr>
-                <a:srgbClr val="000000"/>
-              </a:buClr>
-              <a:buSzPct val="75000"/>
-              <a:buFont typeface="Symbol" charset="2"/>
-              <a:buChar char=""/>
-            </a:pPr>
-            <a:r>
-              <a:rPr b="0" lang="en-US" sz="1800" spc="-1" strike="noStrike">
-                <a:latin typeface="Arial"/>
-              </a:rPr>
-              <a:t>Четвёртый уровень структуры</a:t>
-            </a:r>
-            <a:endParaRPr b="0" lang="en-US" sz="1800" spc="-1" strike="noStrike">
-              <a:latin typeface="Arial"/>
-            </a:endParaRPr>
-          </a:p>
-          <a:p>
-            <a:pPr lvl="4" marL="2160000" indent="-216000">
-              <a:spcBef>
-                <a:spcPts val="283"/>
-              </a:spcBef>
-              <a:buClr>
-                <a:srgbClr val="000000"/>
-              </a:buClr>
-              <a:buSzPct val="45000"/>
-              <a:buFont typeface="Wingdings" charset="2"/>
-              <a:buChar char=""/>
-            </a:pPr>
-            <a:r>
-              <a:rPr b="0" lang="en-US" sz="1800" spc="-1" strike="noStrike">
-                <a:latin typeface="Arial"/>
-              </a:rPr>
-              <a:t>Пятый уровень структуры</a:t>
-            </a:r>
-            <a:endParaRPr b="0" lang="en-US" sz="1800" spc="-1" strike="noStrike">
-              <a:latin typeface="Arial"/>
-            </a:endParaRPr>
-          </a:p>
-          <a:p>
-            <a:pPr lvl="5" marL="2592000" indent="-216000">
-              <a:spcBef>
-                <a:spcPts val="283"/>
-              </a:spcBef>
-              <a:buClr>
-                <a:srgbClr val="000000"/>
-              </a:buClr>
-              <a:buSzPct val="45000"/>
-              <a:buFont typeface="Wingdings" charset="2"/>
-              <a:buChar char=""/>
-            </a:pPr>
-            <a:r>
-              <a:rPr b="0" lang="en-US" sz="1800" spc="-1" strike="noStrike">
-                <a:latin typeface="Arial"/>
-              </a:rPr>
-              <a:t>Шестой уровень структуры</a:t>
-            </a:r>
-            <a:endParaRPr b="0" lang="en-US" sz="1800" spc="-1" strike="noStrike">
-              <a:latin typeface="Arial"/>
-            </a:endParaRPr>
-          </a:p>
-          <a:p>
-            <a:pPr lvl="6" marL="3024000" indent="-216000">
-              <a:spcBef>
-                <a:spcPts val="283"/>
-              </a:spcBef>
-              <a:buClr>
-                <a:srgbClr val="000000"/>
-              </a:buClr>
-              <a:buSzPct val="45000"/>
-              <a:buFont typeface="Wingdings" charset="2"/>
-              <a:buChar char=""/>
-            </a:pPr>
-            <a:r>
-              <a:rPr b="0" lang="en-US" sz="1800" spc="-1" strike="noStrike">
-                <a:latin typeface="Arial"/>
-              </a:rPr>
-              <a:t>Седьмой уровень структуры</a:t>
-            </a:r>
-            <a:endParaRPr b="0" lang="en-US" sz="1800" spc="-1" strike="noStrike">
-              <a:latin typeface="Arial"/>
-            </a:endParaRPr>
-          </a:p>
-        </p:txBody>
-      </p:sp>
-      <p:sp>
-        <p:nvSpPr>
-          <p:cNvPr id="151" name="PlaceHolder 10"/>
-          <p:cNvSpPr>
-            <a:spLocks noGrp="1"/>
-          </p:cNvSpPr>
-          <p:nvPr>
-            <p:ph type="body"/>
-          </p:nvPr>
-        </p:nvSpPr>
-        <p:spPr>
-          <a:xfrm>
-            <a:off x="4319640" y="1604520"/>
-            <a:ext cx="3532680" cy="1896480"/>
-          </a:xfrm>
-          <a:prstGeom prst="rect">
-            <a:avLst/>
-          </a:prstGeom>
-        </p:spPr>
-        <p:txBody>
-          <a:bodyPr lIns="0" rIns="0" tIns="0" bIns="0">
-            <a:normAutofit fontScale="15000"/>
-          </a:bodyPr>
-          <a:p>
-            <a:pPr marL="432000" indent="-324000">
-              <a:spcBef>
-                <a:spcPts val="1417"/>
-              </a:spcBef>
-              <a:buClr>
-                <a:srgbClr val="000000"/>
-              </a:buClr>
-              <a:buSzPct val="45000"/>
-              <a:buFont typeface="Wingdings" charset="2"/>
-              <a:buChar char=""/>
-            </a:pPr>
-            <a:r>
-              <a:rPr b="0" lang="en-US" sz="1800" spc="-1" strike="noStrike">
-                <a:latin typeface="Arial"/>
-              </a:rPr>
-              <a:t>Для правки структуры щёлкните мышью</a:t>
-            </a:r>
-            <a:endParaRPr b="0" lang="en-US" sz="1800" spc="-1" strike="noStrike">
-              <a:latin typeface="Arial"/>
-            </a:endParaRPr>
-          </a:p>
-          <a:p>
-            <a:pPr lvl="1" marL="864000" indent="-324000">
-              <a:spcBef>
-                <a:spcPts val="1134"/>
-              </a:spcBef>
-              <a:buClr>
-                <a:srgbClr val="000000"/>
-              </a:buClr>
-              <a:buSzPct val="75000"/>
-              <a:buFont typeface="Symbol" charset="2"/>
-              <a:buChar char=""/>
-            </a:pPr>
-            <a:r>
-              <a:rPr b="0" lang="en-US" sz="1800" spc="-1" strike="noStrike">
-                <a:latin typeface="Arial"/>
-              </a:rPr>
-              <a:t>Второй уровень структуры</a:t>
-            </a:r>
-            <a:endParaRPr b="0" lang="en-US" sz="1800" spc="-1" strike="noStrike">
-              <a:latin typeface="Arial"/>
-            </a:endParaRPr>
-          </a:p>
-          <a:p>
-            <a:pPr lvl="2" marL="1296000" indent="-288000">
-              <a:spcBef>
-                <a:spcPts val="850"/>
-              </a:spcBef>
-              <a:buClr>
-                <a:srgbClr val="000000"/>
-              </a:buClr>
-              <a:buSzPct val="45000"/>
-              <a:buFont typeface="Wingdings" charset="2"/>
-              <a:buChar char=""/>
-            </a:pPr>
-            <a:r>
-              <a:rPr b="0" lang="en-US" sz="1800" spc="-1" strike="noStrike">
-                <a:latin typeface="Arial"/>
-              </a:rPr>
-              <a:t>Третий уровень структуры</a:t>
-            </a:r>
-            <a:endParaRPr b="0" lang="en-US" sz="1800" spc="-1" strike="noStrike">
-              <a:latin typeface="Arial"/>
-            </a:endParaRPr>
-          </a:p>
-          <a:p>
-            <a:pPr lvl="3" marL="1728000" indent="-216000">
-              <a:spcBef>
-                <a:spcPts val="567"/>
-              </a:spcBef>
-              <a:buClr>
-                <a:srgbClr val="000000"/>
-              </a:buClr>
-              <a:buSzPct val="75000"/>
-              <a:buFont typeface="Symbol" charset="2"/>
-              <a:buChar char=""/>
-            </a:pPr>
-            <a:r>
-              <a:rPr b="0" lang="en-US" sz="1800" spc="-1" strike="noStrike">
-                <a:latin typeface="Arial"/>
-              </a:rPr>
-              <a:t>Четвёртый уровень структуры</a:t>
-            </a:r>
-            <a:endParaRPr b="0" lang="en-US" sz="1800" spc="-1" strike="noStrike">
-              <a:latin typeface="Arial"/>
-            </a:endParaRPr>
-          </a:p>
-          <a:p>
-            <a:pPr lvl="4" marL="2160000" indent="-216000">
-              <a:spcBef>
-                <a:spcPts val="283"/>
-              </a:spcBef>
-              <a:buClr>
-                <a:srgbClr val="000000"/>
-              </a:buClr>
-              <a:buSzPct val="45000"/>
-              <a:buFont typeface="Wingdings" charset="2"/>
-              <a:buChar char=""/>
-            </a:pPr>
-            <a:r>
-              <a:rPr b="0" lang="en-US" sz="1800" spc="-1" strike="noStrike">
-                <a:latin typeface="Arial"/>
-              </a:rPr>
-              <a:t>Пятый уровень структуры</a:t>
-            </a:r>
-            <a:endParaRPr b="0" lang="en-US" sz="1800" spc="-1" strike="noStrike">
-              <a:latin typeface="Arial"/>
-            </a:endParaRPr>
-          </a:p>
-          <a:p>
-            <a:pPr lvl="5" marL="2592000" indent="-216000">
-              <a:spcBef>
-                <a:spcPts val="283"/>
-              </a:spcBef>
-              <a:buClr>
-                <a:srgbClr val="000000"/>
-              </a:buClr>
-              <a:buSzPct val="45000"/>
-              <a:buFont typeface="Wingdings" charset="2"/>
-              <a:buChar char=""/>
-            </a:pPr>
-            <a:r>
-              <a:rPr b="0" lang="en-US" sz="1800" spc="-1" strike="noStrike">
-                <a:latin typeface="Arial"/>
-              </a:rPr>
-              <a:t>Шестой уровень структуры</a:t>
-            </a:r>
-            <a:endParaRPr b="0" lang="en-US" sz="1800" spc="-1" strike="noStrike">
-              <a:latin typeface="Arial"/>
-            </a:endParaRPr>
-          </a:p>
-          <a:p>
-            <a:pPr lvl="6" marL="3024000" indent="-216000">
-              <a:spcBef>
-                <a:spcPts val="283"/>
-              </a:spcBef>
-              <a:buClr>
-                <a:srgbClr val="000000"/>
-              </a:buClr>
-              <a:buSzPct val="45000"/>
-              <a:buFont typeface="Wingdings" charset="2"/>
-              <a:buChar char=""/>
-            </a:pPr>
-            <a:r>
-              <a:rPr b="0" lang="en-US" sz="1800" spc="-1" strike="noStrike">
-                <a:latin typeface="Arial"/>
-              </a:rPr>
-              <a:t>Седьмой уровень структуры</a:t>
-            </a:r>
-            <a:endParaRPr b="0" lang="en-US" sz="1800" spc="-1" strike="noStrike">
-              <a:latin typeface="Arial"/>
-            </a:endParaRPr>
-          </a:p>
-        </p:txBody>
-      </p:sp>
-      <p:sp>
-        <p:nvSpPr>
-          <p:cNvPr id="152" name="PlaceHolder 11"/>
-          <p:cNvSpPr>
-            <a:spLocks noGrp="1"/>
-          </p:cNvSpPr>
-          <p:nvPr>
-            <p:ph type="body"/>
-          </p:nvPr>
-        </p:nvSpPr>
-        <p:spPr>
-          <a:xfrm>
-            <a:off x="8029800" y="1604520"/>
-            <a:ext cx="3532680" cy="1896480"/>
-          </a:xfrm>
-          <a:prstGeom prst="rect">
-            <a:avLst/>
-          </a:prstGeom>
-        </p:spPr>
-        <p:txBody>
-          <a:bodyPr lIns="0" rIns="0" tIns="0" bIns="0">
-            <a:normAutofit fontScale="15000"/>
-          </a:bodyPr>
-          <a:p>
-            <a:pPr marL="432000" indent="-324000">
-              <a:spcBef>
-                <a:spcPts val="1417"/>
-              </a:spcBef>
-              <a:buClr>
-                <a:srgbClr val="000000"/>
-              </a:buClr>
-              <a:buSzPct val="45000"/>
-              <a:buFont typeface="Wingdings" charset="2"/>
-              <a:buChar char=""/>
-            </a:pPr>
-            <a:r>
-              <a:rPr b="0" lang="en-US" sz="1800" spc="-1" strike="noStrike">
-                <a:latin typeface="Arial"/>
-              </a:rPr>
-              <a:t>Для правки структуры щёлкните мышью</a:t>
-            </a:r>
-            <a:endParaRPr b="0" lang="en-US" sz="1800" spc="-1" strike="noStrike">
-              <a:latin typeface="Arial"/>
-            </a:endParaRPr>
-          </a:p>
-          <a:p>
-            <a:pPr lvl="1" marL="864000" indent="-324000">
-              <a:spcBef>
-                <a:spcPts val="1134"/>
-              </a:spcBef>
-              <a:buClr>
-                <a:srgbClr val="000000"/>
-              </a:buClr>
-              <a:buSzPct val="75000"/>
-              <a:buFont typeface="Symbol" charset="2"/>
-              <a:buChar char=""/>
-            </a:pPr>
-            <a:r>
-              <a:rPr b="0" lang="en-US" sz="1800" spc="-1" strike="noStrike">
-                <a:latin typeface="Arial"/>
-              </a:rPr>
-              <a:t>Второй уровень структуры</a:t>
-            </a:r>
-            <a:endParaRPr b="0" lang="en-US" sz="1800" spc="-1" strike="noStrike">
-              <a:latin typeface="Arial"/>
-            </a:endParaRPr>
-          </a:p>
-          <a:p>
-            <a:pPr lvl="2" marL="1296000" indent="-288000">
-              <a:spcBef>
-                <a:spcPts val="850"/>
-              </a:spcBef>
-              <a:buClr>
-                <a:srgbClr val="000000"/>
-              </a:buClr>
-              <a:buSzPct val="45000"/>
-              <a:buFont typeface="Wingdings" charset="2"/>
-              <a:buChar char=""/>
-            </a:pPr>
-            <a:r>
-              <a:rPr b="0" lang="en-US" sz="1800" spc="-1" strike="noStrike">
-                <a:latin typeface="Arial"/>
-              </a:rPr>
-              <a:t>Третий уровень структуры</a:t>
-            </a:r>
-            <a:endParaRPr b="0" lang="en-US" sz="1800" spc="-1" strike="noStrike">
-              <a:latin typeface="Arial"/>
-            </a:endParaRPr>
-          </a:p>
-          <a:p>
-            <a:pPr lvl="3" marL="1728000" indent="-216000">
-              <a:spcBef>
-                <a:spcPts val="567"/>
-              </a:spcBef>
-              <a:buClr>
-                <a:srgbClr val="000000"/>
-              </a:buClr>
-              <a:buSzPct val="75000"/>
-              <a:buFont typeface="Symbol" charset="2"/>
-              <a:buChar char=""/>
-            </a:pPr>
-            <a:r>
-              <a:rPr b="0" lang="en-US" sz="1800" spc="-1" strike="noStrike">
-                <a:latin typeface="Arial"/>
-              </a:rPr>
-              <a:t>Четвёртый уровень структуры</a:t>
-            </a:r>
-            <a:endParaRPr b="0" lang="en-US" sz="1800" spc="-1" strike="noStrike">
-              <a:latin typeface="Arial"/>
-            </a:endParaRPr>
-          </a:p>
-          <a:p>
-            <a:pPr lvl="4" marL="2160000" indent="-216000">
-              <a:spcBef>
-                <a:spcPts val="283"/>
-              </a:spcBef>
-              <a:buClr>
-                <a:srgbClr val="000000"/>
-              </a:buClr>
-              <a:buSzPct val="45000"/>
-              <a:buFont typeface="Wingdings" charset="2"/>
-              <a:buChar char=""/>
-            </a:pPr>
-            <a:r>
-              <a:rPr b="0" lang="en-US" sz="1800" spc="-1" strike="noStrike">
-                <a:latin typeface="Arial"/>
-              </a:rPr>
-              <a:t>Пятый уровень структуры</a:t>
-            </a:r>
-            <a:endParaRPr b="0" lang="en-US" sz="1800" spc="-1" strike="noStrike">
-              <a:latin typeface="Arial"/>
-            </a:endParaRPr>
-          </a:p>
-          <a:p>
-            <a:pPr lvl="5" marL="2592000" indent="-216000">
-              <a:spcBef>
-                <a:spcPts val="283"/>
-              </a:spcBef>
-              <a:buClr>
-                <a:srgbClr val="000000"/>
-              </a:buClr>
-              <a:buSzPct val="45000"/>
-              <a:buFont typeface="Wingdings" charset="2"/>
-              <a:buChar char=""/>
-            </a:pPr>
-            <a:r>
-              <a:rPr b="0" lang="en-US" sz="1800" spc="-1" strike="noStrike">
-                <a:latin typeface="Arial"/>
-              </a:rPr>
-              <a:t>Шестой уровень структуры</a:t>
-            </a:r>
-            <a:endParaRPr b="0" lang="en-US" sz="1800" spc="-1" strike="noStrike">
-              <a:latin typeface="Arial"/>
-            </a:endParaRPr>
-          </a:p>
-          <a:p>
-            <a:pPr lvl="6" marL="3024000" indent="-216000">
-              <a:spcBef>
-                <a:spcPts val="283"/>
-              </a:spcBef>
-              <a:buClr>
-                <a:srgbClr val="000000"/>
-              </a:buClr>
-              <a:buSzPct val="45000"/>
-              <a:buFont typeface="Wingdings" charset="2"/>
-              <a:buChar char=""/>
-            </a:pPr>
-            <a:r>
-              <a:rPr b="0" lang="en-US" sz="1800" spc="-1" strike="noStrike">
-                <a:latin typeface="Arial"/>
-              </a:rPr>
-              <a:t>Седьмой уровень структуры</a:t>
-            </a:r>
-            <a:endParaRPr b="0" lang="en-US" sz="1800" spc="-1" strike="noStrike">
-              <a:latin typeface="Arial"/>
-            </a:endParaRPr>
-          </a:p>
-        </p:txBody>
-      </p:sp>
-      <p:sp>
-        <p:nvSpPr>
-          <p:cNvPr id="153" name="PlaceHolder 12"/>
-          <p:cNvSpPr>
-            <a:spLocks noGrp="1"/>
-          </p:cNvSpPr>
-          <p:nvPr>
-            <p:ph type="body"/>
-          </p:nvPr>
-        </p:nvSpPr>
-        <p:spPr>
-          <a:xfrm>
-            <a:off x="609480" y="3682080"/>
-            <a:ext cx="3532680" cy="1896480"/>
-          </a:xfrm>
-          <a:prstGeom prst="rect">
-            <a:avLst/>
-          </a:prstGeom>
-        </p:spPr>
-        <p:txBody>
-          <a:bodyPr lIns="0" rIns="0" tIns="0" bIns="0">
-            <a:normAutofit fontScale="15000"/>
-          </a:bodyPr>
-          <a:p>
-            <a:pPr marL="432000" indent="-324000">
-              <a:spcBef>
-                <a:spcPts val="1417"/>
-              </a:spcBef>
-              <a:buClr>
-                <a:srgbClr val="000000"/>
-              </a:buClr>
-              <a:buSzPct val="45000"/>
-              <a:buFont typeface="Wingdings" charset="2"/>
-              <a:buChar char=""/>
-            </a:pPr>
-            <a:r>
-              <a:rPr b="0" lang="en-US" sz="1800" spc="-1" strike="noStrike">
-                <a:latin typeface="Arial"/>
-              </a:rPr>
-              <a:t>Для правки структуры щёлкните мышью</a:t>
-            </a:r>
-            <a:endParaRPr b="0" lang="en-US" sz="1800" spc="-1" strike="noStrike">
-              <a:latin typeface="Arial"/>
-            </a:endParaRPr>
-          </a:p>
-          <a:p>
-            <a:pPr lvl="1" marL="864000" indent="-324000">
-              <a:spcBef>
-                <a:spcPts val="1134"/>
-              </a:spcBef>
-              <a:buClr>
-                <a:srgbClr val="000000"/>
-              </a:buClr>
-              <a:buSzPct val="75000"/>
-              <a:buFont typeface="Symbol" charset="2"/>
-              <a:buChar char=""/>
-            </a:pPr>
-            <a:r>
-              <a:rPr b="0" lang="en-US" sz="1800" spc="-1" strike="noStrike">
-                <a:latin typeface="Arial"/>
-              </a:rPr>
-              <a:t>Второй уровень структуры</a:t>
-            </a:r>
-            <a:endParaRPr b="0" lang="en-US" sz="1800" spc="-1" strike="noStrike">
-              <a:latin typeface="Arial"/>
-            </a:endParaRPr>
-          </a:p>
-          <a:p>
-            <a:pPr lvl="2" marL="1296000" indent="-288000">
-              <a:spcBef>
-                <a:spcPts val="850"/>
-              </a:spcBef>
-              <a:buClr>
-                <a:srgbClr val="000000"/>
-              </a:buClr>
-              <a:buSzPct val="45000"/>
-              <a:buFont typeface="Wingdings" charset="2"/>
-              <a:buChar char=""/>
-            </a:pPr>
-            <a:r>
-              <a:rPr b="0" lang="en-US" sz="1800" spc="-1" strike="noStrike">
-                <a:latin typeface="Arial"/>
-              </a:rPr>
-              <a:t>Третий уровень структуры</a:t>
-            </a:r>
-            <a:endParaRPr b="0" lang="en-US" sz="1800" spc="-1" strike="noStrike">
-              <a:latin typeface="Arial"/>
-            </a:endParaRPr>
-          </a:p>
-          <a:p>
-            <a:pPr lvl="3" marL="1728000" indent="-216000">
-              <a:spcBef>
-                <a:spcPts val="567"/>
-              </a:spcBef>
-              <a:buClr>
-                <a:srgbClr val="000000"/>
-              </a:buClr>
-              <a:buSzPct val="75000"/>
-              <a:buFont typeface="Symbol" charset="2"/>
-              <a:buChar char=""/>
-            </a:pPr>
-            <a:r>
-              <a:rPr b="0" lang="en-US" sz="1800" spc="-1" strike="noStrike">
-                <a:latin typeface="Arial"/>
-              </a:rPr>
-              <a:t>Четвёртый уровень структуры</a:t>
-            </a:r>
-            <a:endParaRPr b="0" lang="en-US" sz="1800" spc="-1" strike="noStrike">
-              <a:latin typeface="Arial"/>
-            </a:endParaRPr>
-          </a:p>
-          <a:p>
-            <a:pPr lvl="4" marL="2160000" indent="-216000">
-              <a:spcBef>
-                <a:spcPts val="283"/>
-              </a:spcBef>
-              <a:buClr>
-                <a:srgbClr val="000000"/>
-              </a:buClr>
-              <a:buSzPct val="45000"/>
-              <a:buFont typeface="Wingdings" charset="2"/>
-              <a:buChar char=""/>
-            </a:pPr>
-            <a:r>
-              <a:rPr b="0" lang="en-US" sz="1800" spc="-1" strike="noStrike">
-                <a:latin typeface="Arial"/>
-              </a:rPr>
-              <a:t>Пятый уровень структуры</a:t>
-            </a:r>
-            <a:endParaRPr b="0" lang="en-US" sz="1800" spc="-1" strike="noStrike">
-              <a:latin typeface="Arial"/>
-            </a:endParaRPr>
-          </a:p>
-          <a:p>
-            <a:pPr lvl="5" marL="2592000" indent="-216000">
-              <a:spcBef>
-                <a:spcPts val="283"/>
-              </a:spcBef>
-              <a:buClr>
-                <a:srgbClr val="000000"/>
-              </a:buClr>
-              <a:buSzPct val="45000"/>
-              <a:buFont typeface="Wingdings" charset="2"/>
-              <a:buChar char=""/>
-            </a:pPr>
-            <a:r>
-              <a:rPr b="0" lang="en-US" sz="1800" spc="-1" strike="noStrike">
-                <a:latin typeface="Arial"/>
-              </a:rPr>
-              <a:t>Шестой уровень структуры</a:t>
-            </a:r>
-            <a:endParaRPr b="0" lang="en-US" sz="1800" spc="-1" strike="noStrike">
-              <a:latin typeface="Arial"/>
-            </a:endParaRPr>
-          </a:p>
-          <a:p>
-            <a:pPr lvl="6" marL="3024000" indent="-216000">
-              <a:spcBef>
-                <a:spcPts val="283"/>
-              </a:spcBef>
-              <a:buClr>
-                <a:srgbClr val="000000"/>
-              </a:buClr>
-              <a:buSzPct val="45000"/>
-              <a:buFont typeface="Wingdings" charset="2"/>
-              <a:buChar char=""/>
-            </a:pPr>
-            <a:r>
-              <a:rPr b="0" lang="en-US" sz="1800" spc="-1" strike="noStrike">
-                <a:latin typeface="Arial"/>
-              </a:rPr>
-              <a:t>Седьмой уровень структуры</a:t>
-            </a:r>
-            <a:endParaRPr b="0" lang="en-US" sz="1800" spc="-1" strike="noStrike">
-              <a:latin typeface="Arial"/>
-            </a:endParaRPr>
-          </a:p>
-        </p:txBody>
-      </p:sp>
-      <p:sp>
-        <p:nvSpPr>
-          <p:cNvPr id="154" name="PlaceHolder 13"/>
-          <p:cNvSpPr>
-            <a:spLocks noGrp="1"/>
-          </p:cNvSpPr>
-          <p:nvPr>
-            <p:ph type="body"/>
-          </p:nvPr>
-        </p:nvSpPr>
-        <p:spPr>
-          <a:xfrm>
-            <a:off x="4319640" y="3682080"/>
-            <a:ext cx="3532680" cy="1896480"/>
-          </a:xfrm>
-          <a:prstGeom prst="rect">
-            <a:avLst/>
-          </a:prstGeom>
-        </p:spPr>
-        <p:txBody>
-          <a:bodyPr lIns="0" rIns="0" tIns="0" bIns="0">
-            <a:normAutofit fontScale="15000"/>
-          </a:bodyPr>
-          <a:p>
-            <a:pPr marL="432000" indent="-324000">
-              <a:spcBef>
-                <a:spcPts val="1417"/>
-              </a:spcBef>
-              <a:buClr>
-                <a:srgbClr val="000000"/>
-              </a:buClr>
-              <a:buSzPct val="45000"/>
-              <a:buFont typeface="Wingdings" charset="2"/>
-              <a:buChar char=""/>
-            </a:pPr>
-            <a:r>
-              <a:rPr b="0" lang="en-US" sz="1800" spc="-1" strike="noStrike">
-                <a:latin typeface="Arial"/>
-              </a:rPr>
-              <a:t>Для правки структуры щёлкните мышью</a:t>
-            </a:r>
-            <a:endParaRPr b="0" lang="en-US" sz="1800" spc="-1" strike="noStrike">
-              <a:latin typeface="Arial"/>
-            </a:endParaRPr>
-          </a:p>
-          <a:p>
-            <a:pPr lvl="1" marL="864000" indent="-324000">
-              <a:spcBef>
-                <a:spcPts val="1134"/>
-              </a:spcBef>
-              <a:buClr>
-                <a:srgbClr val="000000"/>
-              </a:buClr>
-              <a:buSzPct val="75000"/>
-              <a:buFont typeface="Symbol" charset="2"/>
-              <a:buChar char=""/>
-            </a:pPr>
-            <a:r>
-              <a:rPr b="0" lang="en-US" sz="1800" spc="-1" strike="noStrike">
-                <a:latin typeface="Arial"/>
-              </a:rPr>
-              <a:t>Второй уровень структуры</a:t>
-            </a:r>
-            <a:endParaRPr b="0" lang="en-US" sz="1800" spc="-1" strike="noStrike">
-              <a:latin typeface="Arial"/>
-            </a:endParaRPr>
-          </a:p>
-          <a:p>
-            <a:pPr lvl="2" marL="1296000" indent="-288000">
-              <a:spcBef>
-                <a:spcPts val="850"/>
-              </a:spcBef>
-              <a:buClr>
-                <a:srgbClr val="000000"/>
-              </a:buClr>
-              <a:buSzPct val="45000"/>
-              <a:buFont typeface="Wingdings" charset="2"/>
-              <a:buChar char=""/>
-            </a:pPr>
-            <a:r>
-              <a:rPr b="0" lang="en-US" sz="1800" spc="-1" strike="noStrike">
-                <a:latin typeface="Arial"/>
-              </a:rPr>
-              <a:t>Третий уровень структуры</a:t>
-            </a:r>
-            <a:endParaRPr b="0" lang="en-US" sz="1800" spc="-1" strike="noStrike">
-              <a:latin typeface="Arial"/>
-            </a:endParaRPr>
-          </a:p>
-          <a:p>
-            <a:pPr lvl="3" marL="1728000" indent="-216000">
-              <a:spcBef>
-                <a:spcPts val="567"/>
-              </a:spcBef>
-              <a:buClr>
-                <a:srgbClr val="000000"/>
-              </a:buClr>
-              <a:buSzPct val="75000"/>
-              <a:buFont typeface="Symbol" charset="2"/>
-              <a:buChar char=""/>
-            </a:pPr>
-            <a:r>
-              <a:rPr b="0" lang="en-US" sz="1800" spc="-1" strike="noStrike">
-                <a:latin typeface="Arial"/>
-              </a:rPr>
-              <a:t>Четвёртый уровень структуры</a:t>
-            </a:r>
-            <a:endParaRPr b="0" lang="en-US" sz="1800" spc="-1" strike="noStrike">
-              <a:latin typeface="Arial"/>
-            </a:endParaRPr>
-          </a:p>
-          <a:p>
-            <a:pPr lvl="4" marL="2160000" indent="-216000">
-              <a:spcBef>
-                <a:spcPts val="283"/>
-              </a:spcBef>
-              <a:buClr>
-                <a:srgbClr val="000000"/>
-              </a:buClr>
-              <a:buSzPct val="45000"/>
-              <a:buFont typeface="Wingdings" charset="2"/>
-              <a:buChar char=""/>
-            </a:pPr>
-            <a:r>
-              <a:rPr b="0" lang="en-US" sz="1800" spc="-1" strike="noStrike">
-                <a:latin typeface="Arial"/>
-              </a:rPr>
-              <a:t>Пятый уровень структуры</a:t>
-            </a:r>
-            <a:endParaRPr b="0" lang="en-US" sz="1800" spc="-1" strike="noStrike">
-              <a:latin typeface="Arial"/>
-            </a:endParaRPr>
-          </a:p>
-          <a:p>
-            <a:pPr lvl="5" marL="2592000" indent="-216000">
-              <a:spcBef>
-                <a:spcPts val="283"/>
-              </a:spcBef>
-              <a:buClr>
-                <a:srgbClr val="000000"/>
-              </a:buClr>
-              <a:buSzPct val="45000"/>
-              <a:buFont typeface="Wingdings" charset="2"/>
-              <a:buChar char=""/>
-            </a:pPr>
-            <a:r>
-              <a:rPr b="0" lang="en-US" sz="1800" spc="-1" strike="noStrike">
-                <a:latin typeface="Arial"/>
-              </a:rPr>
-              <a:t>Шестой уровень структуры</a:t>
-            </a:r>
-            <a:endParaRPr b="0" lang="en-US" sz="1800" spc="-1" strike="noStrike">
-              <a:latin typeface="Arial"/>
-            </a:endParaRPr>
-          </a:p>
-          <a:p>
-            <a:pPr lvl="6" marL="3024000" indent="-216000">
-              <a:spcBef>
-                <a:spcPts val="283"/>
-              </a:spcBef>
-              <a:buClr>
-                <a:srgbClr val="000000"/>
-              </a:buClr>
-              <a:buSzPct val="45000"/>
-              <a:buFont typeface="Wingdings" charset="2"/>
-              <a:buChar char=""/>
-            </a:pPr>
-            <a:r>
-              <a:rPr b="0" lang="en-US" sz="1800" spc="-1" strike="noStrike">
-                <a:latin typeface="Arial"/>
-              </a:rPr>
-              <a:t>Седьмой уровень структуры</a:t>
-            </a:r>
-            <a:endParaRPr b="0" lang="en-US" sz="1800" spc="-1" strike="noStrike">
-              <a:latin typeface="Arial"/>
-            </a:endParaRPr>
-          </a:p>
-        </p:txBody>
-      </p:sp>
-      <p:sp>
-        <p:nvSpPr>
-          <p:cNvPr id="155" name="PlaceHolder 14"/>
-          <p:cNvSpPr>
-            <a:spLocks noGrp="1"/>
-          </p:cNvSpPr>
-          <p:nvPr>
-            <p:ph type="body"/>
-          </p:nvPr>
-        </p:nvSpPr>
-        <p:spPr>
-          <a:xfrm>
-            <a:off x="8029800" y="3682080"/>
-            <a:ext cx="3532680" cy="1896480"/>
-          </a:xfrm>
-          <a:prstGeom prst="rect">
-            <a:avLst/>
-          </a:prstGeom>
-        </p:spPr>
-        <p:txBody>
-          <a:bodyPr lIns="0" rIns="0" tIns="0" bIns="0">
-            <a:normAutofit fontScale="15000"/>
-          </a:bodyPr>
-          <a:p>
-            <a:pPr marL="432000" indent="-324000">
-              <a:spcBef>
-                <a:spcPts val="1417"/>
-              </a:spcBef>
-              <a:buClr>
-                <a:srgbClr val="000000"/>
-              </a:buClr>
-              <a:buSzPct val="45000"/>
-              <a:buFont typeface="Wingdings" charset="2"/>
-              <a:buChar char=""/>
-            </a:pPr>
-            <a:r>
-              <a:rPr b="0" lang="en-US" sz="1800" spc="-1" strike="noStrike">
-                <a:latin typeface="Arial"/>
-              </a:rPr>
-              <a:t>Для правки структуры щёлкните мышью</a:t>
-            </a:r>
-            <a:endParaRPr b="0" lang="en-US" sz="1800" spc="-1" strike="noStrike">
-              <a:latin typeface="Arial"/>
-            </a:endParaRPr>
-          </a:p>
-          <a:p>
-            <a:pPr lvl="1" marL="864000" indent="-324000">
-              <a:spcBef>
-                <a:spcPts val="1134"/>
-              </a:spcBef>
-              <a:buClr>
-                <a:srgbClr val="000000"/>
-              </a:buClr>
-              <a:buSzPct val="75000"/>
-              <a:buFont typeface="Symbol" charset="2"/>
-              <a:buChar char=""/>
-            </a:pPr>
-            <a:r>
-              <a:rPr b="0" lang="en-US" sz="1800" spc="-1" strike="noStrike">
-                <a:latin typeface="Arial"/>
-              </a:rPr>
-              <a:t>Второй уровень структуры</a:t>
-            </a:r>
-            <a:endParaRPr b="0" lang="en-US" sz="1800" spc="-1" strike="noStrike">
-              <a:latin typeface="Arial"/>
-            </a:endParaRPr>
-          </a:p>
-          <a:p>
-            <a:pPr lvl="2" marL="1296000" indent="-288000">
-              <a:spcBef>
-                <a:spcPts val="850"/>
-              </a:spcBef>
-              <a:buClr>
-                <a:srgbClr val="000000"/>
-              </a:buClr>
-              <a:buSzPct val="45000"/>
-              <a:buFont typeface="Wingdings" charset="2"/>
-              <a:buChar char=""/>
-            </a:pPr>
-            <a:r>
-              <a:rPr b="0" lang="en-US" sz="1800" spc="-1" strike="noStrike">
-                <a:latin typeface="Arial"/>
-              </a:rPr>
-              <a:t>Третий уровень структуры</a:t>
-            </a:r>
-            <a:endParaRPr b="0" lang="en-US" sz="1800" spc="-1" strike="noStrike">
-              <a:latin typeface="Arial"/>
-            </a:endParaRPr>
-          </a:p>
-          <a:p>
-            <a:pPr lvl="3" marL="1728000" indent="-216000">
-              <a:spcBef>
-                <a:spcPts val="567"/>
-              </a:spcBef>
-              <a:buClr>
-                <a:srgbClr val="000000"/>
-              </a:buClr>
-              <a:buSzPct val="75000"/>
-              <a:buFont typeface="Symbol" charset="2"/>
-              <a:buChar char=""/>
-            </a:pPr>
-            <a:r>
-              <a:rPr b="0" lang="en-US" sz="1800" spc="-1" strike="noStrike">
-                <a:latin typeface="Arial"/>
-              </a:rPr>
-              <a:t>Четвёртый уровень структуры</a:t>
-            </a:r>
-            <a:endParaRPr b="0" lang="en-US" sz="1800" spc="-1" strike="noStrike">
-              <a:latin typeface="Arial"/>
-            </a:endParaRPr>
-          </a:p>
-          <a:p>
-            <a:pPr lvl="4" marL="2160000" indent="-216000">
-              <a:spcBef>
-                <a:spcPts val="283"/>
-              </a:spcBef>
-              <a:buClr>
-                <a:srgbClr val="000000"/>
-              </a:buClr>
-              <a:buSzPct val="45000"/>
-              <a:buFont typeface="Wingdings" charset="2"/>
-              <a:buChar char=""/>
-            </a:pPr>
-            <a:r>
-              <a:rPr b="0" lang="en-US" sz="1800" spc="-1" strike="noStrike">
-                <a:latin typeface="Arial"/>
-              </a:rPr>
-              <a:t>Пятый уровень структуры</a:t>
-            </a:r>
-            <a:endParaRPr b="0" lang="en-US" sz="1800" spc="-1" strike="noStrike">
-              <a:latin typeface="Arial"/>
-            </a:endParaRPr>
-          </a:p>
-          <a:p>
-            <a:pPr lvl="5" marL="2592000" indent="-216000">
-              <a:spcBef>
-                <a:spcPts val="283"/>
-              </a:spcBef>
-              <a:buClr>
-                <a:srgbClr val="000000"/>
-              </a:buClr>
-              <a:buSzPct val="45000"/>
-              <a:buFont typeface="Wingdings" charset="2"/>
-              <a:buChar char=""/>
-            </a:pPr>
-            <a:r>
-              <a:rPr b="0" lang="en-US" sz="1800" spc="-1" strike="noStrike">
-                <a:latin typeface="Arial"/>
-              </a:rPr>
-              <a:t>Шестой уровень структуры</a:t>
-            </a:r>
-            <a:endParaRPr b="0" lang="en-US" sz="1800" spc="-1" strike="noStrike">
-              <a:latin typeface="Arial"/>
-            </a:endParaRPr>
-          </a:p>
-          <a:p>
-            <a:pPr lvl="6" marL="3024000" indent="-216000">
-              <a:spcBef>
-                <a:spcPts val="283"/>
-              </a:spcBef>
-              <a:buClr>
-                <a:srgbClr val="000000"/>
-              </a:buClr>
-              <a:buSzPct val="45000"/>
-              <a:buFont typeface="Wingdings" charset="2"/>
-              <a:buChar char=""/>
-            </a:pPr>
-            <a:r>
-              <a:rPr b="0" lang="en-US" sz="1800" spc="-1" strike="noStrike">
-                <a:latin typeface="Arial"/>
-              </a:rPr>
-              <a:t>Седьмой уровень структуры</a:t>
-            </a:r>
-            <a:endParaRPr b="0" lang="en-US" sz="1800" spc="-1" strike="noStrike">
-              <a:latin typeface="Arial"/>
-            </a:endParaRPr>
-          </a:p>
-        </p:txBody>
-      </p:sp>
-    </p:spTree>
-  </p:cSld>
-  <p:clrMap bg1="lt1" bg2="lt2" tx1="dk1" tx2="dk2" accent1="accent1" accent2="accent2" accent3="accent3" accent4="accent4" accent5="accent5" accent6="accent6" hlink="hlink" folHlink="folHlink"/>
-  <p:sldLayoutIdLst>
-    <p:sldLayoutId id="2147483688" r:id="rId3"/>
-    <p:sldLayoutId id="2147483689" r:id="rId4"/>
-    <p:sldLayoutId id="2147483690" r:id="rId5"/>
-    <p:sldLayoutId id="2147483691" r:id="rId6"/>
-    <p:sldLayoutId id="2147483692" r:id="rId7"/>
-    <p:sldLayoutId id="2147483693" r:id="rId8"/>
-    <p:sldLayoutId id="2147483694" r:id="rId9"/>
-    <p:sldLayoutId id="2147483695" r:id="rId10"/>
-    <p:sldLayoutId id="2147483696" r:id="rId11"/>
-    <p:sldLayoutId id="2147483697" r:id="rId12"/>
-    <p:sldLayoutId id="2147483698" r:id="rId13"/>
-    <p:sldLayoutId id="2147483699" r:id="rId14"/>
-  </p:sldLayoutIdLst>
-</p:sldMaster>
-</file>
-
 <file path=ppt/slides/slide1.xml><?xml version="1.0" encoding="utf-8"?>
 <p:sld xmlns:a="http://schemas.openxmlformats.org/drawingml/2006/main" xmlns:p="http://schemas.openxmlformats.org/presentationml/2006/main" xmlns:r="http://schemas.openxmlformats.org/officeDocument/2006/relationships" xmlns:p14="http://schemas.microsoft.com/office/powerpoint/2010/main" xmlns:p15="http://schemas.microsoft.com/office/powerpoint/2012/main" xmlns:mc="http://schemas.openxmlformats.org/markup-compatibility/2006">
   <p:cSld>
@@ -9039,14 +6207,14 @@
       </p:grpSpPr>
       <p:sp>
         <p:nvSpPr>
-          <p:cNvPr id="192" name="CustomShape 1"/>
+          <p:cNvPr id="142" name="CustomShape 1"/>
           <p:cNvSpPr/>
           <p:nvPr/>
         </p:nvSpPr>
         <p:spPr>
           <a:xfrm>
             <a:off x="2070000" y="1380240"/>
-            <a:ext cx="9432000" cy="1740600"/>
+            <a:ext cx="9430920" cy="1739520"/>
           </a:xfrm>
           <a:prstGeom prst="rect">
             <a:avLst/>
@@ -9090,14 +6258,14 @@
       </p:sp>
       <p:sp>
         <p:nvSpPr>
-          <p:cNvPr id="193" name="CustomShape 2"/>
+          <p:cNvPr id="143" name="CustomShape 2"/>
           <p:cNvSpPr/>
           <p:nvPr/>
         </p:nvSpPr>
         <p:spPr>
           <a:xfrm>
             <a:off x="1484280" y="5763600"/>
-            <a:ext cx="10017720" cy="820800"/>
+            <a:ext cx="10016640" cy="819720"/>
           </a:xfrm>
           <a:prstGeom prst="rect">
             <a:avLst/>
@@ -9169,14 +6337,14 @@
       </p:sp>
       <p:sp>
         <p:nvSpPr>
-          <p:cNvPr id="194" name="CustomShape 3"/>
+          <p:cNvPr id="144" name="CustomShape 3"/>
           <p:cNvSpPr/>
           <p:nvPr/>
         </p:nvSpPr>
         <p:spPr>
           <a:xfrm>
             <a:off x="11503080" y="6220440"/>
-            <a:ext cx="550080" cy="363960"/>
+            <a:ext cx="549000" cy="362880"/>
           </a:xfrm>
           <a:prstGeom prst="rect">
             <a:avLst/>
@@ -9200,7 +6368,7 @@
                 <a:spcPct val="100000"/>
               </a:lnSpc>
             </a:pPr>
-            <a:fld id="{01226F5E-3A9A-45CE-BEAA-096EDD4F0338}" type="slidenum">
+            <a:fld id="{D965103F-2172-4CB5-9F4A-3189018F165D}" type="slidenum">
               <a:rPr b="0" lang="en-US" sz="1400" spc="-1" strike="noStrike">
                 <a:solidFill>
                   <a:srgbClr val="000000"/>
@@ -9275,14 +6443,14 @@
       </p:grpSpPr>
       <p:sp>
         <p:nvSpPr>
-          <p:cNvPr id="222" name="CustomShape 1"/>
+          <p:cNvPr id="172" name="CustomShape 1"/>
           <p:cNvSpPr/>
           <p:nvPr/>
         </p:nvSpPr>
         <p:spPr>
           <a:xfrm>
             <a:off x="4754880" y="328680"/>
-            <a:ext cx="4862160" cy="402480"/>
+            <a:ext cx="4861080" cy="401400"/>
           </a:xfrm>
           <a:prstGeom prst="rect">
             <a:avLst/>
@@ -9308,7 +6476,11 @@
             </a:pPr>
             <a:r>
               <a:rPr b="0" lang="en-US" sz="2200" spc="-1" strike="noStrike">
+                <a:solidFill>
+                  <a:srgbClr val="000000"/>
+                </a:solidFill>
                 <a:latin typeface="Arial"/>
+                <a:ea typeface="DejaVu Sans"/>
               </a:rPr>
               <a:t>Требования к REST API (swagger ui)</a:t>
             </a:r>
@@ -9320,7 +6492,7 @@
       </p:sp>
       <p:pic>
         <p:nvPicPr>
-          <p:cNvPr id="223" name="" descr=""/>
+          <p:cNvPr id="173" name="" descr=""/>
           <p:cNvPicPr/>
           <p:nvPr/>
         </p:nvPicPr>
@@ -9331,7 +6503,7 @@
         <p:spPr>
           <a:xfrm>
             <a:off x="1704960" y="822960"/>
-            <a:ext cx="9724680" cy="5943240"/>
+            <a:ext cx="9723600" cy="5942160"/>
           </a:xfrm>
           <a:prstGeom prst="rect">
             <a:avLst/>
@@ -9400,14 +6572,14 @@
       </p:grpSpPr>
       <p:sp>
         <p:nvSpPr>
-          <p:cNvPr id="224" name="CustomShape 1"/>
+          <p:cNvPr id="174" name="CustomShape 1"/>
           <p:cNvSpPr/>
           <p:nvPr/>
         </p:nvSpPr>
         <p:spPr>
           <a:xfrm>
             <a:off x="1554480" y="914400"/>
-            <a:ext cx="10017720" cy="561240"/>
+            <a:ext cx="10016640" cy="560160"/>
           </a:xfrm>
           <a:prstGeom prst="rect">
             <a:avLst/>
@@ -9426,14 +6598,14 @@
       </p:sp>
       <p:sp>
         <p:nvSpPr>
-          <p:cNvPr id="225" name="CustomShape 2"/>
+          <p:cNvPr id="175" name="CustomShape 2"/>
           <p:cNvSpPr/>
           <p:nvPr/>
         </p:nvSpPr>
         <p:spPr>
           <a:xfrm>
             <a:off x="1503360" y="732960"/>
-            <a:ext cx="10017720" cy="638280"/>
+            <a:ext cx="10016640" cy="637200"/>
           </a:xfrm>
           <a:prstGeom prst="rect">
             <a:avLst/>
@@ -9475,14 +6647,14 @@
       </p:sp>
       <p:sp>
         <p:nvSpPr>
-          <p:cNvPr id="226" name="CustomShape 3"/>
+          <p:cNvPr id="176" name="CustomShape 3"/>
           <p:cNvSpPr/>
           <p:nvPr/>
         </p:nvSpPr>
         <p:spPr>
           <a:xfrm>
             <a:off x="3566160" y="2013840"/>
-            <a:ext cx="4544280" cy="1003320"/>
+            <a:ext cx="4543200" cy="1002240"/>
           </a:xfrm>
           <a:prstGeom prst="rect">
             <a:avLst/>
@@ -9501,7 +6673,7 @@
         <p:txBody>
           <a:bodyPr lIns="90000" rIns="90000" tIns="45000" bIns="45000"/>
           <a:p>
-            <a:pPr marL="285840" indent="-284760">
+            <a:pPr marL="285840" indent="-283680">
               <a:lnSpc>
                 <a:spcPct val="100000"/>
               </a:lnSpc>
@@ -9527,7 +6699,7 @@
             </a:endParaRPr>
           </a:p>
           <a:p>
-            <a:pPr marL="285840" indent="-284760">
+            <a:pPr marL="285840" indent="-283680">
               <a:lnSpc>
                 <a:spcPct val="100000"/>
               </a:lnSpc>
@@ -9566,14 +6738,14 @@
       </p:sp>
       <p:sp>
         <p:nvSpPr>
-          <p:cNvPr id="227" name="CustomShape 4"/>
+          <p:cNvPr id="177" name="CustomShape 4"/>
           <p:cNvSpPr/>
           <p:nvPr/>
         </p:nvSpPr>
         <p:spPr>
           <a:xfrm>
             <a:off x="10951920" y="5867280"/>
-            <a:ext cx="550080" cy="363960"/>
+            <a:ext cx="549000" cy="362880"/>
           </a:xfrm>
           <a:prstGeom prst="rect">
             <a:avLst/>
@@ -9597,7 +6769,7 @@
                 <a:spcPct val="100000"/>
               </a:lnSpc>
             </a:pPr>
-            <a:fld id="{C71F3157-2AC3-4484-8C8C-D3D75C2CFE8C}" type="slidenum">
+            <a:fld id="{47F014F9-69D5-4D7D-93CD-25550EDF1A0E}" type="slidenum">
               <a:rPr b="0" lang="en-US" sz="1400" spc="-1" strike="noStrike">
                 <a:solidFill>
                   <a:srgbClr val="000000"/>
@@ -9605,7 +6777,7 @@
                 <a:latin typeface="Corbel"/>
                 <a:ea typeface="DejaVu Sans"/>
               </a:rPr>
-              <a:t>3</a:t>
+              <a:t>&lt;номер&gt;</a:t>
             </a:fld>
             <a:endParaRPr b="0" lang="en-US" sz="1400" spc="-1" strike="noStrike">
               <a:latin typeface="Arial"/>
@@ -9615,14 +6787,14 @@
       </p:sp>
       <p:sp>
         <p:nvSpPr>
-          <p:cNvPr id="228" name="CustomShape 5"/>
+          <p:cNvPr id="178" name="CustomShape 5"/>
           <p:cNvSpPr/>
           <p:nvPr/>
         </p:nvSpPr>
         <p:spPr>
           <a:xfrm>
             <a:off x="2468520" y="5577840"/>
-            <a:ext cx="9469080" cy="638280"/>
+            <a:ext cx="9468000" cy="637200"/>
           </a:xfrm>
           <a:prstGeom prst="rect">
             <a:avLst/>
@@ -9661,7 +6833,7 @@
             </a:endParaRPr>
           </a:p>
           <a:p>
-            <a:pPr marL="285840" indent="-284760">
+            <a:pPr marL="285840" indent="-283680">
               <a:lnSpc>
                 <a:spcPct val="100000"/>
               </a:lnSpc>
@@ -9688,7 +6860,7 @@
             </a:endParaRPr>
           </a:p>
           <a:p>
-            <a:pPr marL="285840" indent="-284760">
+            <a:pPr marL="285840" indent="-283680">
               <a:lnSpc>
                 <a:spcPct val="100000"/>
               </a:lnSpc>
@@ -9717,14 +6889,14 @@
       </p:sp>
       <p:sp>
         <p:nvSpPr>
-          <p:cNvPr id="229" name="CustomShape 6"/>
+          <p:cNvPr id="179" name="CustomShape 6"/>
           <p:cNvSpPr/>
           <p:nvPr/>
         </p:nvSpPr>
         <p:spPr>
           <a:xfrm>
             <a:off x="2377440" y="3659040"/>
-            <a:ext cx="9469080" cy="638280"/>
+            <a:ext cx="9468000" cy="637200"/>
           </a:xfrm>
           <a:prstGeom prst="rect">
             <a:avLst/>
@@ -9763,7 +6935,7 @@
             </a:endParaRPr>
           </a:p>
           <a:p>
-            <a:pPr marL="285840" indent="-284760">
+            <a:pPr marL="285840" indent="-283680">
               <a:lnSpc>
                 <a:spcPct val="100000"/>
               </a:lnSpc>
@@ -9849,14 +7021,14 @@
       </p:grpSpPr>
       <p:sp>
         <p:nvSpPr>
-          <p:cNvPr id="230" name="TextShape 1"/>
-          <p:cNvSpPr txBox="1"/>
+          <p:cNvPr id="180" name="CustomShape 1"/>
+          <p:cNvSpPr/>
           <p:nvPr/>
         </p:nvSpPr>
         <p:spPr>
           <a:xfrm>
             <a:off x="3665160" y="331920"/>
-            <a:ext cx="5662440" cy="487440"/>
+            <a:ext cx="5661360" cy="486360"/>
           </a:xfrm>
           <a:prstGeom prst="rect">
             <a:avLst/>
@@ -9866,10 +7038,20 @@
             <a:noFill/>
           </a:ln>
         </p:spPr>
+        <p:style>
+          <a:lnRef idx="0"/>
+          <a:fillRef idx="0"/>
+          <a:effectRef idx="0"/>
+          <a:fontRef idx="minor"/>
+        </p:style>
         <p:txBody>
           <a:bodyPr lIns="90000" rIns="90000" tIns="45000" bIns="45000"/>
           <a:p>
-            <a:pPr algn="ctr"/>
+            <a:pPr algn="ctr">
+              <a:lnSpc>
+                <a:spcPct val="100000"/>
+              </a:lnSpc>
+            </a:pPr>
             <a:r>
               <a:rPr b="0" lang="en-US" sz="2800" spc="-1" strike="noStrike">
                 <a:solidFill>
@@ -9888,14 +7070,14 @@
       </p:sp>
       <p:sp>
         <p:nvSpPr>
-          <p:cNvPr id="231" name="CustomShape 2"/>
+          <p:cNvPr id="181" name="CustomShape 2"/>
           <p:cNvSpPr/>
           <p:nvPr/>
         </p:nvSpPr>
         <p:spPr>
           <a:xfrm>
             <a:off x="1417680" y="2905560"/>
-            <a:ext cx="10212480" cy="1809360"/>
+            <a:ext cx="10211400" cy="1808280"/>
           </a:xfrm>
           <a:prstGeom prst="rect">
             <a:avLst/>
@@ -9916,7 +7098,7 @@
             <a:normAutofit fontScale="80000"/>
           </a:bodyPr>
           <a:p>
-            <a:pPr marL="285840" indent="-284760">
+            <a:pPr marL="285840" indent="-283680">
               <a:lnSpc>
                 <a:spcPct val="100000"/>
               </a:lnSpc>
@@ -9948,7 +7130,7 @@
             </a:endParaRPr>
           </a:p>
           <a:p>
-            <a:pPr marL="285840" indent="-284760">
+            <a:pPr marL="285840" indent="-283680">
               <a:lnSpc>
                 <a:spcPct val="100000"/>
               </a:lnSpc>
@@ -9980,7 +7162,7 @@
             </a:endParaRPr>
           </a:p>
           <a:p>
-            <a:pPr marL="285840" indent="-284760">
+            <a:pPr marL="285840" indent="-283680">
               <a:lnSpc>
                 <a:spcPct val="100000"/>
               </a:lnSpc>
@@ -10012,7 +7194,7 @@
             </a:endParaRPr>
           </a:p>
           <a:p>
-            <a:pPr marL="285840" indent="-284760">
+            <a:pPr marL="285840" indent="-283680">
               <a:lnSpc>
                 <a:spcPct val="100000"/>
               </a:lnSpc>
@@ -10047,14 +7229,14 @@
       </p:sp>
       <p:sp>
         <p:nvSpPr>
-          <p:cNvPr id="232" name="TextShape 3"/>
-          <p:cNvSpPr txBox="1"/>
+          <p:cNvPr id="182" name="CustomShape 3"/>
+          <p:cNvSpPr/>
           <p:nvPr/>
         </p:nvSpPr>
         <p:spPr>
           <a:xfrm>
             <a:off x="3713400" y="1533600"/>
-            <a:ext cx="5821200" cy="533520"/>
+            <a:ext cx="5820120" cy="532440"/>
           </a:xfrm>
           <a:prstGeom prst="rect">
             <a:avLst/>
@@ -10064,10 +7246,20 @@
             <a:noFill/>
           </a:ln>
         </p:spPr>
+        <p:style>
+          <a:lnRef idx="0"/>
+          <a:fillRef idx="0"/>
+          <a:effectRef idx="0"/>
+          <a:fontRef idx="minor"/>
+        </p:style>
         <p:txBody>
           <a:bodyPr lIns="90000" rIns="90000" tIns="45000" bIns="45000"/>
           <a:p>
-            <a:pPr algn="ctr"/>
+            <a:pPr algn="ctr">
+              <a:lnSpc>
+                <a:spcPct val="100000"/>
+              </a:lnSpc>
+            </a:pPr>
             <a:r>
               <a:rPr b="0" lang="en-US" sz="2800" spc="-1" strike="noStrike">
                 <a:solidFill>
@@ -10143,7 +7335,7 @@
       </p:grpSpPr>
       <p:pic>
         <p:nvPicPr>
-          <p:cNvPr id="233" name="" descr=""/>
+          <p:cNvPr id="183" name="" descr=""/>
           <p:cNvPicPr/>
           <p:nvPr/>
         </p:nvPicPr>
@@ -10153,8 +7345,8 @@
         </p:blipFill>
         <p:spPr>
           <a:xfrm>
-            <a:off x="3638160" y="1490400"/>
-            <a:ext cx="5124600" cy="4295880"/>
+            <a:off x="1733760" y="1490400"/>
+            <a:ext cx="5123520" cy="4294800"/>
           </a:xfrm>
           <a:prstGeom prst="rect">
             <a:avLst/>
@@ -10166,14 +7358,14 @@
       </p:pic>
       <p:sp>
         <p:nvSpPr>
-          <p:cNvPr id="234" name="TextShape 1"/>
-          <p:cNvSpPr txBox="1"/>
+          <p:cNvPr id="184" name="CustomShape 1"/>
+          <p:cNvSpPr/>
           <p:nvPr/>
         </p:nvSpPr>
         <p:spPr>
           <a:xfrm>
             <a:off x="3598920" y="360720"/>
-            <a:ext cx="5662440" cy="487440"/>
+            <a:ext cx="5661360" cy="486360"/>
           </a:xfrm>
           <a:prstGeom prst="rect">
             <a:avLst/>
@@ -10183,10 +7375,20 @@
             <a:noFill/>
           </a:ln>
         </p:spPr>
+        <p:style>
+          <a:lnRef idx="0"/>
+          <a:fillRef idx="0"/>
+          <a:effectRef idx="0"/>
+          <a:fontRef idx="minor"/>
+        </p:style>
         <p:txBody>
           <a:bodyPr lIns="90000" rIns="90000" tIns="45000" bIns="45000"/>
           <a:p>
-            <a:pPr algn="ctr"/>
+            <a:pPr algn="ctr">
+              <a:lnSpc>
+                <a:spcPct val="100000"/>
+              </a:lnSpc>
+            </a:pPr>
             <a:r>
               <a:rPr b="0" lang="en-US" sz="2800" spc="-1" strike="noStrike">
                 <a:solidFill>
@@ -10203,46 +7405,16 @@
           </a:p>
         </p:txBody>
       </p:sp>
-    </p:spTree>
-  </p:cSld>
-  <mc:AlternateContent>
-    <mc:Choice Requires="p14">
-      <p:transition spd="slow" p14:dur="2000"/>
-    </mc:Choice>
-    <mc:Fallback>
-      <p:transition spd="slow"/>
-    </mc:Fallback>
-  </mc:AlternateContent>
-</p:sld>
-</file>
-
-<file path=ppt/slides/slide14.xml><?xml version="1.0" encoding="utf-8"?>
-<p:sld xmlns:a="http://schemas.openxmlformats.org/drawingml/2006/main" xmlns:p="http://schemas.openxmlformats.org/presentationml/2006/main" xmlns:r="http://schemas.openxmlformats.org/officeDocument/2006/relationships" xmlns:p14="http://schemas.microsoft.com/office/powerpoint/2010/main" xmlns:p15="http://schemas.microsoft.com/office/powerpoint/2012/main" xmlns:mc="http://schemas.openxmlformats.org/markup-compatibility/2006">
-  <p:cSld>
-    <p:spTree>
-      <p:nvGrpSpPr>
-        <p:cNvPr id="1" name=""/>
-        <p:cNvGrpSpPr/>
-        <p:nvPr/>
-      </p:nvGrpSpPr>
-      <p:grpSpPr>
-        <a:xfrm>
-          <a:off x="0" y="0"/>
-          <a:ext cx="0" cy="0"/>
-          <a:chOff x="0" y="0"/>
-          <a:chExt cx="0" cy="0"/>
-        </a:xfrm>
-      </p:grpSpPr>
-      <p:sp>
-        <p:nvSpPr>
-          <p:cNvPr id="235" name="CustomShape 1"/>
+      <p:sp>
+        <p:nvSpPr>
+          <p:cNvPr id="185" name="CustomShape 2"/>
           <p:cNvSpPr/>
           <p:nvPr/>
         </p:nvSpPr>
         <p:spPr>
           <a:xfrm>
-            <a:off x="1484280" y="685800"/>
-            <a:ext cx="10017720" cy="1751400"/>
+            <a:off x="7223760" y="1798920"/>
+            <a:ext cx="3382560" cy="486360"/>
           </a:xfrm>
           <a:prstGeom prst="rect">
             <a:avLst/>
@@ -10259,24 +7431,122 @@
           <a:fontRef idx="minor"/>
         </p:style>
         <p:txBody>
-          <a:bodyPr lIns="90000" rIns="90000" tIns="45000" bIns="45000" anchor="ctr"/>
-          <a:p>
-            <a:pPr algn="ctr">
+          <a:bodyPr lIns="90000" rIns="90000" tIns="45000" bIns="45000"/>
+          <a:p>
+            <a:pPr>
               <a:lnSpc>
                 <a:spcPct val="100000"/>
               </a:lnSpc>
             </a:pPr>
             <a:r>
-              <a:rPr b="0" lang="en-US" sz="4000" spc="-1" strike="noStrike">
+              <a:rPr b="0" lang="en-US" sz="1800" spc="-1" strike="noStrike">
                 <a:solidFill>
                   <a:srgbClr val="000000"/>
                 </a:solidFill>
                 <a:latin typeface="Corbel"/>
                 <a:ea typeface="DejaVu Sans"/>
               </a:rPr>
-              <a:t>Thank you</a:t>
+              <a:t>k - экземпляров</a:t>
             </a:r>
-            <a:endParaRPr b="0" lang="en-US" sz="4000" spc="-1" strike="noStrike">
+            <a:endParaRPr b="0" lang="en-US" sz="1800" spc="-1" strike="noStrike">
+              <a:latin typeface="Arial"/>
+            </a:endParaRPr>
+          </a:p>
+        </p:txBody>
+      </p:sp>
+      <p:sp>
+        <p:nvSpPr>
+          <p:cNvPr id="186" name="CustomShape 3"/>
+          <p:cNvSpPr/>
+          <p:nvPr/>
+        </p:nvSpPr>
+        <p:spPr>
+          <a:xfrm>
+            <a:off x="7223760" y="2926080"/>
+            <a:ext cx="3382560" cy="486360"/>
+          </a:xfrm>
+          <a:prstGeom prst="rect">
+            <a:avLst/>
+          </a:prstGeom>
+          <a:noFill/>
+          <a:ln>
+            <a:noFill/>
+          </a:ln>
+        </p:spPr>
+        <p:style>
+          <a:lnRef idx="0"/>
+          <a:fillRef idx="0"/>
+          <a:effectRef idx="0"/>
+          <a:fontRef idx="minor"/>
+        </p:style>
+        <p:txBody>
+          <a:bodyPr lIns="90000" rIns="90000" tIns="45000" bIns="45000"/>
+          <a:p>
+            <a:pPr>
+              <a:lnSpc>
+                <a:spcPct val="100000"/>
+              </a:lnSpc>
+            </a:pPr>
+            <a:r>
+              <a:rPr b="0" lang="en-US" sz="1800" spc="-1" strike="noStrike">
+                <a:solidFill>
+                  <a:srgbClr val="000000"/>
+                </a:solidFill>
+                <a:latin typeface="Corbel"/>
+                <a:ea typeface="DejaVu Sans"/>
+              </a:rPr>
+              <a:t>l – экземпляров, где l &gt; k</a:t>
+            </a:r>
+            <a:endParaRPr b="0" lang="en-US" sz="1800" spc="-1" strike="noStrike">
+              <a:latin typeface="Arial"/>
+            </a:endParaRPr>
+          </a:p>
+        </p:txBody>
+      </p:sp>
+      <p:sp>
+        <p:nvSpPr>
+          <p:cNvPr id="187" name="CustomShape 4"/>
+          <p:cNvSpPr/>
+          <p:nvPr/>
+        </p:nvSpPr>
+        <p:spPr>
+          <a:xfrm>
+            <a:off x="7223760" y="4176360"/>
+            <a:ext cx="3382560" cy="486360"/>
+          </a:xfrm>
+          <a:prstGeom prst="rect">
+            <a:avLst/>
+          </a:prstGeom>
+          <a:noFill/>
+          <a:ln>
+            <a:noFill/>
+          </a:ln>
+        </p:spPr>
+        <p:style>
+          <a:lnRef idx="0"/>
+          <a:fillRef idx="0"/>
+          <a:effectRef idx="0"/>
+          <a:fontRef idx="minor"/>
+        </p:style>
+        <p:txBody>
+          <a:bodyPr lIns="90000" rIns="90000" tIns="45000" bIns="45000"/>
+          <a:p>
+            <a:pPr>
+              <a:lnSpc>
+                <a:spcPct val="100000"/>
+              </a:lnSpc>
+            </a:pPr>
+            <a:r>
+              <a:rPr b="0" lang="en-US" sz="1800" spc="-1" strike="noStrike">
+                <a:solidFill>
+                  <a:srgbClr val="000000"/>
+                </a:solidFill>
+                <a:latin typeface="Corbel"/>
+                <a:ea typeface="DejaVu Sans"/>
+              </a:rPr>
+              <a:t>m – экземпляров, где m &gt; l</a:t>
+            </a:r>
+            <a:endParaRPr b="0" lang="en-US" sz="1800" spc="-1" strike="noStrike">
               <a:latin typeface="Arial"/>
             </a:endParaRPr>
           </a:p>
@@ -10322,6 +7592,241 @@
 </p:sld>
 </file>
 
+<file path=ppt/slides/slide14.xml><?xml version="1.0" encoding="utf-8"?>
+<p:sld xmlns:a="http://schemas.openxmlformats.org/drawingml/2006/main" xmlns:p="http://schemas.openxmlformats.org/presentationml/2006/main" xmlns:r="http://schemas.openxmlformats.org/officeDocument/2006/relationships" xmlns:p14="http://schemas.microsoft.com/office/powerpoint/2010/main" xmlns:p15="http://schemas.microsoft.com/office/powerpoint/2012/main" xmlns:mc="http://schemas.openxmlformats.org/markup-compatibility/2006">
+  <p:cSld>
+    <p:spTree>
+      <p:nvGrpSpPr>
+        <p:cNvPr id="1" name=""/>
+        <p:cNvGrpSpPr/>
+        <p:nvPr/>
+      </p:nvGrpSpPr>
+      <p:grpSpPr>
+        <a:xfrm>
+          <a:off x="0" y="0"/>
+          <a:ext cx="0" cy="0"/>
+          <a:chOff x="0" y="0"/>
+          <a:chExt cx="0" cy="0"/>
+        </a:xfrm>
+      </p:grpSpPr>
+      <p:pic>
+        <p:nvPicPr>
+          <p:cNvPr id="188" name="" descr=""/>
+          <p:cNvPicPr/>
+          <p:nvPr/>
+        </p:nvPicPr>
+        <p:blipFill>
+          <a:blip r:embed="rId1"/>
+          <a:stretch/>
+        </p:blipFill>
+        <p:spPr>
+          <a:xfrm>
+            <a:off x="990720" y="1376280"/>
+            <a:ext cx="10229040" cy="4104720"/>
+          </a:xfrm>
+          <a:prstGeom prst="rect">
+            <a:avLst/>
+          </a:prstGeom>
+          <a:ln>
+            <a:noFill/>
+          </a:ln>
+        </p:spPr>
+      </p:pic>
+      <p:sp>
+        <p:nvSpPr>
+          <p:cNvPr id="189" name="CustomShape 1"/>
+          <p:cNvSpPr/>
+          <p:nvPr/>
+        </p:nvSpPr>
+        <p:spPr>
+          <a:xfrm>
+            <a:off x="3598920" y="360720"/>
+            <a:ext cx="5661360" cy="486360"/>
+          </a:xfrm>
+          <a:prstGeom prst="rect">
+            <a:avLst/>
+          </a:prstGeom>
+          <a:noFill/>
+          <a:ln>
+            <a:noFill/>
+          </a:ln>
+        </p:spPr>
+        <p:style>
+          <a:lnRef idx="0"/>
+          <a:fillRef idx="0"/>
+          <a:effectRef idx="0"/>
+          <a:fontRef idx="minor"/>
+        </p:style>
+        <p:txBody>
+          <a:bodyPr lIns="90000" rIns="90000" tIns="45000" bIns="45000"/>
+          <a:p>
+            <a:pPr algn="ctr">
+              <a:lnSpc>
+                <a:spcPct val="100000"/>
+              </a:lnSpc>
+            </a:pPr>
+            <a:r>
+              <a:rPr b="0" lang="en-US" sz="2800" spc="-1" strike="noStrike">
+                <a:solidFill>
+                  <a:srgbClr val="000000"/>
+                </a:solidFill>
+                <a:latin typeface="Corbel"/>
+                <a:ea typeface="DejaVu Sans"/>
+              </a:rPr>
+              <a:t>Пример интеграционного теста</a:t>
+            </a:r>
+            <a:endParaRPr b="0" lang="en-US" sz="2800" spc="-1" strike="noStrike">
+              <a:latin typeface="Arial"/>
+            </a:endParaRPr>
+          </a:p>
+        </p:txBody>
+      </p:sp>
+    </p:spTree>
+  </p:cSld>
+  <mc:AlternateContent>
+    <mc:Choice Requires="p14">
+      <p:transition spd="slow" p14:dur="2000"/>
+    </mc:Choice>
+    <mc:Fallback>
+      <p:transition spd="slow"/>
+    </mc:Fallback>
+  </mc:AlternateContent>
+  <p:timing>
+    <p:tnLst>
+      <p:par>
+        <p:cTn id="27" dur="indefinite" restart="never" nodeType="tmRoot">
+          <p:childTnLst>
+            <p:seq>
+              <p:cTn id="28" dur="indefinite" nodeType="mainSeq"/>
+              <p:prevCondLst>
+                <p:cond delay="0" evt="onPrev">
+                  <p:tgtEl>
+                    <p:sldTgt/>
+                  </p:tgtEl>
+                </p:cond>
+              </p:prevCondLst>
+              <p:nextCondLst>
+                <p:cond delay="0" evt="onNext">
+                  <p:tgtEl>
+                    <p:sldTgt/>
+                  </p:tgtEl>
+                </p:cond>
+              </p:nextCondLst>
+            </p:seq>
+          </p:childTnLst>
+        </p:cTn>
+      </p:par>
+    </p:tnLst>
+  </p:timing>
+</p:sld>
+</file>
+
+<file path=ppt/slides/slide15.xml><?xml version="1.0" encoding="utf-8"?>
+<p:sld xmlns:a="http://schemas.openxmlformats.org/drawingml/2006/main" xmlns:p="http://schemas.openxmlformats.org/presentationml/2006/main" xmlns:r="http://schemas.openxmlformats.org/officeDocument/2006/relationships" xmlns:p14="http://schemas.microsoft.com/office/powerpoint/2010/main" xmlns:p15="http://schemas.microsoft.com/office/powerpoint/2012/main" xmlns:mc="http://schemas.openxmlformats.org/markup-compatibility/2006">
+  <p:cSld>
+    <p:spTree>
+      <p:nvGrpSpPr>
+        <p:cNvPr id="1" name=""/>
+        <p:cNvGrpSpPr/>
+        <p:nvPr/>
+      </p:nvGrpSpPr>
+      <p:grpSpPr>
+        <a:xfrm>
+          <a:off x="0" y="0"/>
+          <a:ext cx="0" cy="0"/>
+          <a:chOff x="0" y="0"/>
+          <a:chExt cx="0" cy="0"/>
+        </a:xfrm>
+      </p:grpSpPr>
+      <p:sp>
+        <p:nvSpPr>
+          <p:cNvPr id="190" name="CustomShape 1"/>
+          <p:cNvSpPr/>
+          <p:nvPr/>
+        </p:nvSpPr>
+        <p:spPr>
+          <a:xfrm>
+            <a:off x="1484280" y="685800"/>
+            <a:ext cx="10016640" cy="1750320"/>
+          </a:xfrm>
+          <a:prstGeom prst="rect">
+            <a:avLst/>
+          </a:prstGeom>
+          <a:noFill/>
+          <a:ln>
+            <a:noFill/>
+          </a:ln>
+        </p:spPr>
+        <p:style>
+          <a:lnRef idx="0"/>
+          <a:fillRef idx="0"/>
+          <a:effectRef idx="0"/>
+          <a:fontRef idx="minor"/>
+        </p:style>
+        <p:txBody>
+          <a:bodyPr lIns="90000" rIns="90000" tIns="45000" bIns="45000" anchor="ctr"/>
+          <a:p>
+            <a:pPr algn="ctr">
+              <a:lnSpc>
+                <a:spcPct val="100000"/>
+              </a:lnSpc>
+            </a:pPr>
+            <a:r>
+              <a:rPr b="0" lang="en-US" sz="4000" spc="-1" strike="noStrike">
+                <a:solidFill>
+                  <a:srgbClr val="000000"/>
+                </a:solidFill>
+                <a:latin typeface="Corbel"/>
+                <a:ea typeface="DejaVu Sans"/>
+              </a:rPr>
+              <a:t>Спасибо</a:t>
+            </a:r>
+            <a:endParaRPr b="0" lang="en-US" sz="4000" spc="-1" strike="noStrike">
+              <a:latin typeface="Arial"/>
+            </a:endParaRPr>
+          </a:p>
+        </p:txBody>
+      </p:sp>
+    </p:spTree>
+  </p:cSld>
+  <mc:AlternateContent>
+    <mc:Choice Requires="p14">
+      <p:transition spd="slow" p14:dur="2000"/>
+    </mc:Choice>
+    <mc:Fallback>
+      <p:transition spd="slow"/>
+    </mc:Fallback>
+  </mc:AlternateContent>
+  <p:timing>
+    <p:tnLst>
+      <p:par>
+        <p:cTn id="29" dur="indefinite" restart="never" nodeType="tmRoot">
+          <p:childTnLst>
+            <p:seq>
+              <p:cTn id="30" dur="indefinite" nodeType="mainSeq"/>
+              <p:prevCondLst>
+                <p:cond delay="0" evt="onPrev">
+                  <p:tgtEl>
+                    <p:sldTgt/>
+                  </p:tgtEl>
+                </p:cond>
+              </p:prevCondLst>
+              <p:nextCondLst>
+                <p:cond delay="0" evt="onNext">
+                  <p:tgtEl>
+                    <p:sldTgt/>
+                  </p:tgtEl>
+                </p:cond>
+              </p:nextCondLst>
+            </p:seq>
+          </p:childTnLst>
+        </p:cTn>
+      </p:par>
+    </p:tnLst>
+  </p:timing>
+</p:sld>
+</file>
+
 <file path=ppt/slides/slide2.xml><?xml version="1.0" encoding="utf-8"?>
 <p:sld xmlns:a="http://schemas.openxmlformats.org/drawingml/2006/main" xmlns:p="http://schemas.openxmlformats.org/presentationml/2006/main" xmlns:r="http://schemas.openxmlformats.org/officeDocument/2006/relationships" xmlns:p14="http://schemas.microsoft.com/office/powerpoint/2010/main" xmlns:p15="http://schemas.microsoft.com/office/powerpoint/2012/main" xmlns:mc="http://schemas.openxmlformats.org/markup-compatibility/2006">
   <p:cSld>
@@ -10341,14 +7846,14 @@
       </p:grpSpPr>
       <p:sp>
         <p:nvSpPr>
-          <p:cNvPr id="195" name="CustomShape 1"/>
+          <p:cNvPr id="145" name="CustomShape 1"/>
           <p:cNvSpPr/>
           <p:nvPr/>
         </p:nvSpPr>
         <p:spPr>
           <a:xfrm>
             <a:off x="1484280" y="550080"/>
-            <a:ext cx="10017720" cy="561240"/>
+            <a:ext cx="10016640" cy="560160"/>
           </a:xfrm>
           <a:prstGeom prst="rect">
             <a:avLst/>
@@ -10392,14 +7897,14 @@
       </p:sp>
       <p:sp>
         <p:nvSpPr>
-          <p:cNvPr id="196" name="CustomShape 2"/>
+          <p:cNvPr id="146" name="CustomShape 2"/>
           <p:cNvSpPr/>
           <p:nvPr/>
         </p:nvSpPr>
         <p:spPr>
           <a:xfrm>
             <a:off x="1484280" y="1458000"/>
-            <a:ext cx="10017720" cy="1315800"/>
+            <a:ext cx="10016640" cy="1314720"/>
           </a:xfrm>
           <a:prstGeom prst="rect">
             <a:avLst/>
@@ -10420,7 +7925,7 @@
             <a:normAutofit fontScale="91000"/>
           </a:bodyPr>
           <a:p>
-            <a:pPr marL="285840" indent="-284760">
+            <a:pPr marL="285840" indent="-283680">
               <a:lnSpc>
                 <a:spcPct val="100000"/>
               </a:lnSpc>
@@ -10452,7 +7957,7 @@
             </a:endParaRPr>
           </a:p>
           <a:p>
-            <a:pPr marL="285840" indent="-284760">
+            <a:pPr marL="285840" indent="-283680">
               <a:lnSpc>
                 <a:spcPct val="100000"/>
               </a:lnSpc>
@@ -10487,14 +7992,14 @@
       </p:sp>
       <p:sp>
         <p:nvSpPr>
-          <p:cNvPr id="197" name="CustomShape 3"/>
+          <p:cNvPr id="147" name="CustomShape 3"/>
           <p:cNvSpPr/>
           <p:nvPr/>
         </p:nvSpPr>
         <p:spPr>
           <a:xfrm>
             <a:off x="1484280" y="3176280"/>
-            <a:ext cx="10017720" cy="638280"/>
+            <a:ext cx="10016640" cy="637200"/>
           </a:xfrm>
           <a:prstGeom prst="rect">
             <a:avLst/>
@@ -10536,14 +8041,14 @@
       </p:sp>
       <p:sp>
         <p:nvSpPr>
-          <p:cNvPr id="198" name="CustomShape 4"/>
+          <p:cNvPr id="148" name="CustomShape 4"/>
           <p:cNvSpPr/>
           <p:nvPr/>
         </p:nvSpPr>
         <p:spPr>
           <a:xfrm>
             <a:off x="1484280" y="4233600"/>
-            <a:ext cx="9756360" cy="1003320"/>
+            <a:ext cx="9755280" cy="1002240"/>
           </a:xfrm>
           <a:prstGeom prst="rect">
             <a:avLst/>
@@ -10562,7 +8067,7 @@
         <p:txBody>
           <a:bodyPr lIns="90000" rIns="90000" tIns="45000" bIns="45000"/>
           <a:p>
-            <a:pPr marL="285840" indent="-284760">
+            <a:pPr marL="285840" indent="-283680">
               <a:lnSpc>
                 <a:spcPct val="100000"/>
               </a:lnSpc>
@@ -10588,7 +8093,7 @@
             </a:endParaRPr>
           </a:p>
           <a:p>
-            <a:pPr marL="285840" indent="-284760">
+            <a:pPr marL="285840" indent="-283680">
               <a:lnSpc>
                 <a:spcPct val="100000"/>
               </a:lnSpc>
@@ -10614,7 +8119,7 @@
             </a:endParaRPr>
           </a:p>
           <a:p>
-            <a:pPr marL="285840" indent="-284760">
+            <a:pPr marL="285840" indent="-283680">
               <a:lnSpc>
                 <a:spcPct val="100000"/>
               </a:lnSpc>
@@ -10643,14 +8148,14 @@
       </p:sp>
       <p:sp>
         <p:nvSpPr>
-          <p:cNvPr id="199" name="CustomShape 5"/>
+          <p:cNvPr id="149" name="CustomShape 5"/>
           <p:cNvSpPr/>
           <p:nvPr/>
         </p:nvSpPr>
         <p:spPr>
           <a:xfrm>
             <a:off x="10951920" y="5867280"/>
-            <a:ext cx="550080" cy="363960"/>
+            <a:ext cx="549000" cy="362880"/>
           </a:xfrm>
           <a:prstGeom prst="rect">
             <a:avLst/>
@@ -10674,7 +8179,7 @@
                 <a:spcPct val="100000"/>
               </a:lnSpc>
             </a:pPr>
-            <a:fld id="{522A09C6-411E-4860-943B-B5D08F41B612}" type="slidenum">
+            <a:fld id="{1FEEFCA6-AD60-4551-8207-5329C075BFA6}" type="slidenum">
               <a:rPr b="0" lang="en-US" sz="1400" spc="-1" strike="noStrike">
                 <a:solidFill>
                   <a:srgbClr val="000000"/>
@@ -10749,14 +8254,14 @@
       </p:grpSpPr>
       <p:sp>
         <p:nvSpPr>
-          <p:cNvPr id="200" name="CustomShape 1"/>
+          <p:cNvPr id="150" name="CustomShape 1"/>
           <p:cNvSpPr/>
           <p:nvPr/>
         </p:nvSpPr>
         <p:spPr>
           <a:xfrm>
             <a:off x="1484280" y="685800"/>
-            <a:ext cx="10017720" cy="456120"/>
+            <a:ext cx="10016640" cy="455040"/>
           </a:xfrm>
           <a:prstGeom prst="rect">
             <a:avLst/>
@@ -10800,14 +8305,14 @@
       </p:sp>
       <p:sp>
         <p:nvSpPr>
-          <p:cNvPr id="201" name="CustomShape 2"/>
+          <p:cNvPr id="151" name="CustomShape 2"/>
           <p:cNvSpPr/>
           <p:nvPr/>
         </p:nvSpPr>
         <p:spPr>
           <a:xfrm>
             <a:off x="1484280" y="1493280"/>
-            <a:ext cx="10017720" cy="3159720"/>
+            <a:ext cx="10016640" cy="3158640"/>
           </a:xfrm>
           <a:prstGeom prst="rect">
             <a:avLst/>
@@ -10828,7 +8333,7 @@
             <a:normAutofit/>
           </a:bodyPr>
           <a:p>
-            <a:pPr marL="285840" indent="-284760">
+            <a:pPr marL="285840" indent="-283680">
               <a:lnSpc>
                 <a:spcPct val="100000"/>
               </a:lnSpc>
@@ -10860,7 +8365,7 @@
             </a:endParaRPr>
           </a:p>
           <a:p>
-            <a:pPr marL="285840" indent="-284760">
+            <a:pPr marL="285840" indent="-283680">
               <a:lnSpc>
                 <a:spcPct val="100000"/>
               </a:lnSpc>
@@ -10892,7 +8397,7 @@
             </a:endParaRPr>
           </a:p>
           <a:p>
-            <a:pPr marL="285840" indent="-284760">
+            <a:pPr marL="285840" indent="-283680">
               <a:lnSpc>
                 <a:spcPct val="100000"/>
               </a:lnSpc>
@@ -10924,7 +8429,7 @@
             </a:endParaRPr>
           </a:p>
           <a:p>
-            <a:pPr marL="285840" indent="-284760">
+            <a:pPr marL="285840" indent="-283680">
               <a:lnSpc>
                 <a:spcPct val="100000"/>
               </a:lnSpc>
@@ -10969,14 +8474,14 @@
       </p:sp>
       <p:sp>
         <p:nvSpPr>
-          <p:cNvPr id="202" name="CustomShape 3"/>
+          <p:cNvPr id="152" name="CustomShape 3"/>
           <p:cNvSpPr/>
           <p:nvPr/>
         </p:nvSpPr>
         <p:spPr>
           <a:xfrm>
             <a:off x="10951920" y="5867280"/>
-            <a:ext cx="550080" cy="363960"/>
+            <a:ext cx="549000" cy="362880"/>
           </a:xfrm>
           <a:prstGeom prst="rect">
             <a:avLst/>
@@ -11000,7 +8505,7 @@
                 <a:spcPct val="100000"/>
               </a:lnSpc>
             </a:pPr>
-            <a:fld id="{B860EDAA-B6BA-424E-B122-F6E0382AEC6A}" type="slidenum">
+            <a:fld id="{8DC26019-DEA7-4505-B65B-B98A23E29E6C}" type="slidenum">
               <a:rPr b="0" lang="en-US" sz="1400" spc="-1" strike="noStrike">
                 <a:solidFill>
                   <a:srgbClr val="000000"/>
@@ -11075,7 +8580,7 @@
       </p:grpSpPr>
       <p:pic>
         <p:nvPicPr>
-          <p:cNvPr id="203" name="" descr=""/>
+          <p:cNvPr id="153" name="" descr=""/>
           <p:cNvPicPr/>
           <p:nvPr/>
         </p:nvPicPr>
@@ -11086,7 +8591,7 @@
         <p:spPr>
           <a:xfrm>
             <a:off x="2269800" y="2268360"/>
-            <a:ext cx="7724520" cy="2085480"/>
+            <a:ext cx="7723440" cy="2084400"/>
           </a:xfrm>
           <a:prstGeom prst="rect">
             <a:avLst/>
@@ -11098,14 +8603,14 @@
       </p:pic>
       <p:sp>
         <p:nvSpPr>
-          <p:cNvPr id="204" name="CustomShape 1"/>
+          <p:cNvPr id="154" name="CustomShape 1"/>
           <p:cNvSpPr/>
           <p:nvPr/>
         </p:nvSpPr>
         <p:spPr>
           <a:xfrm>
             <a:off x="3455280" y="731520"/>
-            <a:ext cx="5668920" cy="851760"/>
+            <a:ext cx="5667840" cy="850680"/>
           </a:xfrm>
           <a:prstGeom prst="rect">
             <a:avLst/>
@@ -11135,6 +8640,7 @@
                   <a:srgbClr val="000000"/>
                 </a:solidFill>
                 <a:latin typeface="Corbel"/>
+                <a:ea typeface="DejaVu Sans"/>
               </a:rPr>
               <a:t>Вводная часть с определениями</a:t>
             </a:r>
@@ -11203,7 +8709,7 @@
       </p:grpSpPr>
       <p:pic>
         <p:nvPicPr>
-          <p:cNvPr id="205" name="" descr=""/>
+          <p:cNvPr id="155" name="" descr=""/>
           <p:cNvPicPr/>
           <p:nvPr/>
         </p:nvPicPr>
@@ -11214,7 +8720,7 @@
         <p:spPr>
           <a:xfrm>
             <a:off x="1434960" y="1608120"/>
-            <a:ext cx="2770920" cy="3695040"/>
+            <a:ext cx="2769840" cy="3693960"/>
           </a:xfrm>
           <a:prstGeom prst="rect">
             <a:avLst/>
@@ -11226,7 +8732,7 @@
       </p:pic>
       <p:pic>
         <p:nvPicPr>
-          <p:cNvPr id="206" name="" descr=""/>
+          <p:cNvPr id="156" name="" descr=""/>
           <p:cNvPicPr/>
           <p:nvPr/>
         </p:nvPicPr>
@@ -11237,7 +8743,7 @@
         <p:spPr>
           <a:xfrm>
             <a:off x="4937760" y="2560320"/>
-            <a:ext cx="6505200" cy="1819080"/>
+            <a:ext cx="6504120" cy="1818000"/>
           </a:xfrm>
           <a:prstGeom prst="rect">
             <a:avLst/>
@@ -11249,14 +8755,14 @@
       </p:pic>
       <p:sp>
         <p:nvSpPr>
-          <p:cNvPr id="207" name="CustomShape 1"/>
+          <p:cNvPr id="157" name="CustomShape 1"/>
           <p:cNvSpPr/>
           <p:nvPr/>
         </p:nvSpPr>
         <p:spPr>
           <a:xfrm>
             <a:off x="5394960" y="2011680"/>
-            <a:ext cx="3382920" cy="365400"/>
+            <a:ext cx="3381840" cy="364320"/>
           </a:xfrm>
           <a:prstGeom prst="rect">
             <a:avLst/>
@@ -11286,6 +8792,7 @@
                   <a:srgbClr val="000000"/>
                 </a:solidFill>
                 <a:latin typeface="Corbel"/>
+                <a:ea typeface="DejaVu Sans"/>
               </a:rPr>
               <a:t>Рассмотри внутринности HttpClient</a:t>
             </a:r>
@@ -11297,14 +8804,14 @@
       </p:sp>
       <p:sp>
         <p:nvSpPr>
-          <p:cNvPr id="208" name="CustomShape 2"/>
+          <p:cNvPr id="158" name="CustomShape 2"/>
           <p:cNvSpPr/>
           <p:nvPr/>
         </p:nvSpPr>
         <p:spPr>
           <a:xfrm>
             <a:off x="1371600" y="1097280"/>
-            <a:ext cx="2925720" cy="365400"/>
+            <a:ext cx="2924640" cy="364320"/>
           </a:xfrm>
           <a:prstGeom prst="rect">
             <a:avLst/>
@@ -11334,6 +8841,7 @@
                   <a:srgbClr val="000000"/>
                 </a:solidFill>
                 <a:latin typeface="Corbel"/>
+                <a:ea typeface="DejaVu Sans"/>
               </a:rPr>
               <a:t>Коммуникация клиент - сервер</a:t>
             </a:r>
@@ -11402,7 +8910,7 @@
       </p:grpSpPr>
       <p:pic>
         <p:nvPicPr>
-          <p:cNvPr id="209" name="" descr=""/>
+          <p:cNvPr id="159" name="" descr=""/>
           <p:cNvPicPr/>
           <p:nvPr/>
         </p:nvPicPr>
@@ -11413,7 +8921,7 @@
         <p:spPr>
           <a:xfrm>
             <a:off x="19440" y="2449440"/>
-            <a:ext cx="4754520" cy="2305080"/>
+            <a:ext cx="4753440" cy="2304000"/>
           </a:xfrm>
           <a:prstGeom prst="rect">
             <a:avLst/>
@@ -11425,7 +8933,7 @@
       </p:pic>
       <p:pic>
         <p:nvPicPr>
-          <p:cNvPr id="210" name="" descr=""/>
+          <p:cNvPr id="160" name="" descr=""/>
           <p:cNvPicPr/>
           <p:nvPr/>
         </p:nvPicPr>
@@ -11436,7 +8944,7 @@
         <p:spPr>
           <a:xfrm>
             <a:off x="4901760" y="1097280"/>
-            <a:ext cx="7219080" cy="4704480"/>
+            <a:ext cx="7218000" cy="4703400"/>
           </a:xfrm>
           <a:prstGeom prst="rect">
             <a:avLst/>
@@ -11448,14 +8956,14 @@
       </p:pic>
       <p:sp>
         <p:nvSpPr>
-          <p:cNvPr id="211" name="CustomShape 1"/>
+          <p:cNvPr id="161" name="CustomShape 1"/>
           <p:cNvSpPr/>
           <p:nvPr/>
         </p:nvSpPr>
         <p:spPr>
           <a:xfrm>
             <a:off x="4546800" y="365760"/>
-            <a:ext cx="4583160" cy="429840"/>
+            <a:ext cx="4582080" cy="428760"/>
           </a:xfrm>
           <a:prstGeom prst="rect">
             <a:avLst/>
@@ -11481,7 +8989,11 @@
             </a:pPr>
             <a:r>
               <a:rPr b="0" lang="en-US" sz="2400" spc="-1" strike="noStrike">
+                <a:solidFill>
+                  <a:srgbClr val="000000"/>
+                </a:solidFill>
                 <a:latin typeface="Arial"/>
+                <a:ea typeface="DejaVu Sans"/>
               </a:rPr>
               <a:t>Request / Response description </a:t>
             </a:r>
@@ -11550,14 +9062,14 @@
       </p:grpSpPr>
       <p:sp>
         <p:nvSpPr>
-          <p:cNvPr id="212" name="CustomShape 1"/>
+          <p:cNvPr id="162" name="CustomShape 1"/>
           <p:cNvSpPr/>
           <p:nvPr/>
         </p:nvSpPr>
         <p:spPr>
           <a:xfrm>
             <a:off x="3291840" y="328680"/>
-            <a:ext cx="7020000" cy="402480"/>
+            <a:ext cx="7018920" cy="401400"/>
           </a:xfrm>
           <a:prstGeom prst="rect">
             <a:avLst/>
@@ -11583,7 +9095,11 @@
             </a:pPr>
             <a:r>
               <a:rPr b="0" lang="en-US" sz="2200" spc="-1" strike="noStrike">
+                <a:solidFill>
+                  <a:srgbClr val="000000"/>
+                </a:solidFill>
                 <a:latin typeface="Arial"/>
+                <a:ea typeface="DejaVu Sans"/>
               </a:rPr>
               <a:t>Автогенерация клиентов на основе Swagger (OAS 3)</a:t>
             </a:r>
@@ -11595,14 +9111,14 @@
       </p:sp>
       <p:sp>
         <p:nvSpPr>
-          <p:cNvPr id="213" name="CustomShape 2"/>
+          <p:cNvPr id="163" name="CustomShape 2"/>
           <p:cNvSpPr/>
           <p:nvPr/>
         </p:nvSpPr>
         <p:spPr>
           <a:xfrm>
             <a:off x="2468520" y="5852160"/>
-            <a:ext cx="9469080" cy="638280"/>
+            <a:ext cx="9468000" cy="637200"/>
           </a:xfrm>
           <a:prstGeom prst="rect">
             <a:avLst/>
@@ -11641,7 +9157,7 @@
             </a:endParaRPr>
           </a:p>
           <a:p>
-            <a:pPr marL="285840" indent="-284760">
+            <a:pPr marL="285840" indent="-283680">
               <a:lnSpc>
                 <a:spcPct val="100000"/>
               </a:lnSpc>
@@ -11680,7 +9196,7 @@
       </p:sp>
       <p:pic>
         <p:nvPicPr>
-          <p:cNvPr id="214" name="" descr=""/>
+          <p:cNvPr id="164" name="" descr=""/>
           <p:cNvPicPr/>
           <p:nvPr/>
         </p:nvPicPr>
@@ -11691,7 +9207,7 @@
         <p:spPr>
           <a:xfrm>
             <a:off x="91440" y="1844280"/>
-            <a:ext cx="2178720" cy="2178720"/>
+            <a:ext cx="2177640" cy="2177640"/>
           </a:xfrm>
           <a:prstGeom prst="rect">
             <a:avLst/>
@@ -11703,7 +9219,7 @@
       </p:pic>
       <p:pic>
         <p:nvPicPr>
-          <p:cNvPr id="215" name="" descr=""/>
+          <p:cNvPr id="165" name="" descr=""/>
           <p:cNvPicPr/>
           <p:nvPr/>
         </p:nvPicPr>
@@ -11714,7 +9230,7 @@
         <p:spPr>
           <a:xfrm>
             <a:off x="2560320" y="1828800"/>
-            <a:ext cx="9569880" cy="2194200"/>
+            <a:ext cx="9568800" cy="2193120"/>
           </a:xfrm>
           <a:prstGeom prst="rect">
             <a:avLst/>
@@ -11783,14 +9299,14 @@
       </p:grpSpPr>
       <p:sp>
         <p:nvSpPr>
-          <p:cNvPr id="216" name="CustomShape 1"/>
+          <p:cNvPr id="166" name="CustomShape 1"/>
           <p:cNvSpPr/>
           <p:nvPr/>
         </p:nvSpPr>
         <p:spPr>
           <a:xfrm>
             <a:off x="4754880" y="328680"/>
-            <a:ext cx="4863600" cy="402480"/>
+            <a:ext cx="4862520" cy="401400"/>
           </a:xfrm>
           <a:prstGeom prst="rect">
             <a:avLst/>
@@ -11816,7 +9332,11 @@
             </a:pPr>
             <a:r>
               <a:rPr b="0" lang="en-US" sz="2200" spc="-1" strike="noStrike">
+                <a:solidFill>
+                  <a:srgbClr val="000000"/>
+                </a:solidFill>
                 <a:latin typeface="Arial"/>
+                <a:ea typeface="DejaVu Sans"/>
               </a:rPr>
               <a:t>Требования к REST API (confluence)</a:t>
             </a:r>
@@ -11828,7 +9348,7 @@
       </p:sp>
       <p:pic>
         <p:nvPicPr>
-          <p:cNvPr id="217" name="" descr=""/>
+          <p:cNvPr id="167" name="" descr=""/>
           <p:cNvPicPr/>
           <p:nvPr/>
         </p:nvPicPr>
@@ -11839,7 +9359,7 @@
         <p:spPr>
           <a:xfrm>
             <a:off x="1350000" y="914400"/>
-            <a:ext cx="10353960" cy="5028840"/>
+            <a:ext cx="10352880" cy="5027760"/>
           </a:xfrm>
           <a:prstGeom prst="rect">
             <a:avLst/>
@@ -11851,14 +9371,14 @@
       </p:pic>
       <p:sp>
         <p:nvSpPr>
-          <p:cNvPr id="218" name="CustomShape 2"/>
+          <p:cNvPr id="168" name="CustomShape 2"/>
           <p:cNvSpPr/>
           <p:nvPr/>
         </p:nvSpPr>
         <p:spPr>
           <a:xfrm>
             <a:off x="2468520" y="6062760"/>
-            <a:ext cx="9469080" cy="638280"/>
+            <a:ext cx="9468000" cy="637200"/>
           </a:xfrm>
           <a:prstGeom prst="rect">
             <a:avLst/>
@@ -11897,7 +9417,7 @@
             </a:endParaRPr>
           </a:p>
           <a:p>
-            <a:pPr marL="285840" indent="-284760">
+            <a:pPr marL="285840" indent="-283680">
               <a:lnSpc>
                 <a:spcPct val="100000"/>
               </a:lnSpc>
@@ -11983,14 +9503,14 @@
       </p:grpSpPr>
       <p:sp>
         <p:nvSpPr>
-          <p:cNvPr id="219" name="CustomShape 1"/>
+          <p:cNvPr id="169" name="CustomShape 1"/>
           <p:cNvSpPr/>
           <p:nvPr/>
         </p:nvSpPr>
         <p:spPr>
           <a:xfrm>
             <a:off x="4754880" y="328680"/>
-            <a:ext cx="4971960" cy="402480"/>
+            <a:ext cx="4970880" cy="401400"/>
           </a:xfrm>
           <a:prstGeom prst="rect">
             <a:avLst/>
@@ -12016,7 +9536,11 @@
             </a:pPr>
             <a:r>
               <a:rPr b="0" lang="en-US" sz="2200" spc="-1" strike="noStrike">
+                <a:solidFill>
+                  <a:srgbClr val="000000"/>
+                </a:solidFill>
                 <a:latin typeface="Arial"/>
+                <a:ea typeface="DejaVu Sans"/>
               </a:rPr>
               <a:t>Требования к REST API (aspnet core)</a:t>
             </a:r>
@@ -12028,7 +9552,7 @@
       </p:sp>
       <p:pic>
         <p:nvPicPr>
-          <p:cNvPr id="220" name="" descr=""/>
+          <p:cNvPr id="170" name="" descr=""/>
           <p:cNvPicPr/>
           <p:nvPr/>
         </p:nvPicPr>
@@ -12039,7 +9563,7 @@
         <p:spPr>
           <a:xfrm>
             <a:off x="476280" y="1211400"/>
-            <a:ext cx="11410560" cy="1257120"/>
+            <a:ext cx="11409480" cy="1256040"/>
           </a:xfrm>
           <a:prstGeom prst="rect">
             <a:avLst/>
@@ -12051,7 +9575,7 @@
       </p:pic>
       <p:pic>
         <p:nvPicPr>
-          <p:cNvPr id="221" name="" descr=""/>
+          <p:cNvPr id="171" name="" descr=""/>
           <p:cNvPicPr/>
           <p:nvPr/>
         </p:nvPicPr>
@@ -12062,7 +9586,7 @@
         <p:spPr>
           <a:xfrm>
             <a:off x="822960" y="2981160"/>
-            <a:ext cx="10762920" cy="2047680"/>
+            <a:ext cx="10761840" cy="2046600"/>
           </a:xfrm>
           <a:prstGeom prst="rect">
             <a:avLst/>
@@ -12779,227 +10303,4 @@
     </a:fmtScheme>
   </a:themeElements>
 </a:theme>
-</file>
-
-<file path=ppt/theme/theme4.xml><?xml version="1.0" encoding="utf-8"?>
-<a:theme xmlns:a="http://schemas.openxmlformats.org/drawingml/2006/main" name="Office Theme">
-  <a:themeElements>
-    <a:clrScheme name="Office">
-      <a:dk1>
-        <a:sysClr val="windowText" lastClr="000000"/>
-      </a:dk1>
-      <a:lt1>
-        <a:sysClr val="window" lastClr="FFFFFF"/>
-      </a:lt1>
-      <a:dk2>
-        <a:srgbClr val="212121"/>
-      </a:dk2>
-      <a:lt2>
-        <a:srgbClr val="cdd0d1"/>
-      </a:lt2>
-      <a:accent1>
-        <a:srgbClr val="eb8f22"/>
-      </a:accent1>
-      <a:accent2>
-        <a:srgbClr val="cd4223"/>
-      </a:accent2>
-      <a:accent3>
-        <a:srgbClr val="a89374"/>
-      </a:accent3>
-      <a:accent4>
-        <a:srgbClr val="83aa67"/>
-      </a:accent4>
-      <a:accent5>
-        <a:srgbClr val="4fa9c1"/>
-      </a:accent5>
-      <a:accent6>
-        <a:srgbClr val="9390af"/>
-      </a:accent6>
-      <a:hlink>
-        <a:srgbClr val="ec7220"/>
-      </a:hlink>
-      <a:folHlink>
-        <a:srgbClr val="f09355"/>
-      </a:folHlink>
-    </a:clrScheme>
-    <a:fontScheme name="Office">
-      <a:majorFont>
-        <a:latin typeface="Arial"/>
-        <a:ea typeface="DejaVu Sans"/>
-        <a:cs typeface="DejaVu Sans"/>
-      </a:majorFont>
-      <a:minorFont>
-        <a:latin typeface="Arial"/>
-        <a:ea typeface="DejaVu Sans"/>
-        <a:cs typeface="DejaVu Sans"/>
-      </a:minorFont>
-    </a:fontScheme>
-    <a:fmtScheme name="Office">
-      <a:fillStyleLst>
-        <a:solidFill>
-          <a:schemeClr val="phClr"/>
-        </a:solidFill>
-        <a:gradFill rotWithShape="1">
-          <a:gsLst>
-            <a:gs pos="0">
-              <a:schemeClr val="phClr">
-                <a:tint val="50000"/>
-                <a:satMod val="300000"/>
-              </a:schemeClr>
-            </a:gs>
-            <a:gs pos="35000">
-              <a:schemeClr val="phClr">
-                <a:tint val="37000"/>
-                <a:satMod val="300000"/>
-              </a:schemeClr>
-            </a:gs>
-            <a:gs pos="100000">
-              <a:schemeClr val="phClr">
-                <a:tint val="15000"/>
-                <a:satMod val="350000"/>
-              </a:schemeClr>
-            </a:gs>
-          </a:gsLst>
-          <a:lin ang="16200000" scaled="1"/>
-        </a:gradFill>
-        <a:gradFill rotWithShape="1">
-          <a:gsLst>
-            <a:gs pos="0">
-              <a:schemeClr val="phClr">
-                <a:shade val="51000"/>
-                <a:satMod val="130000"/>
-              </a:schemeClr>
-            </a:gs>
-            <a:gs pos="80000">
-              <a:schemeClr val="phClr">
-                <a:shade val="93000"/>
-                <a:satMod val="130000"/>
-              </a:schemeClr>
-            </a:gs>
-            <a:gs pos="100000">
-              <a:schemeClr val="phClr">
-                <a:shade val="94000"/>
-                <a:satMod val="135000"/>
-              </a:schemeClr>
-            </a:gs>
-          </a:gsLst>
-          <a:lin ang="16200000" scaled="0"/>
-        </a:gradFill>
-      </a:fillStyleLst>
-      <a:lnStyleLst>
-        <a:ln w="9525" cap="flat" cmpd="sng" algn="ctr">
-          <a:solidFill>
-            <a:schemeClr val="phClr">
-              <a:shade val="95000"/>
-              <a:satMod val="105000"/>
-            </a:schemeClr>
-          </a:solidFill>
-          <a:prstDash val="solid"/>
-        </a:ln>
-        <a:ln w="25400" cap="flat" cmpd="sng" algn="ctr">
-          <a:solidFill>
-            <a:schemeClr val="phClr"/>
-          </a:solidFill>
-          <a:prstDash val="solid"/>
-        </a:ln>
-        <a:ln w="38100" cap="flat" cmpd="sng" algn="ctr">
-          <a:solidFill>
-            <a:schemeClr val="phClr"/>
-          </a:solidFill>
-          <a:prstDash val="solid"/>
-        </a:ln>
-      </a:lnStyleLst>
-      <a:effectStyleLst>
-        <a:effectStyle>
-          <a:effectLst>
-            <a:outerShdw blurRad="40000" dist="20000" dir="5400000" rotWithShape="0">
-              <a:srgbClr val="000000">
-                <a:alpha val="38000"/>
-              </a:srgbClr>
-            </a:outerShdw>
-          </a:effectLst>
-        </a:effectStyle>
-        <a:effectStyle>
-          <a:effectLst>
-            <a:outerShdw blurRad="40000" dist="23000" dir="5400000" rotWithShape="0">
-              <a:srgbClr val="000000">
-                <a:alpha val="35000"/>
-              </a:srgbClr>
-            </a:outerShdw>
-          </a:effectLst>
-        </a:effectStyle>
-        <a:effectStyle>
-          <a:effectLst>
-            <a:outerShdw blurRad="40000" dist="23000" dir="5400000" rotWithShape="0">
-              <a:srgbClr val="000000">
-                <a:alpha val="35000"/>
-              </a:srgbClr>
-            </a:outerShdw>
-          </a:effectLst>
-          <a:scene3d>
-            <a:camera prst="orthographicFront">
-              <a:rot lat="0" lon="0" rev="0"/>
-            </a:camera>
-            <a:lightRig rig="threePt" dir="t">
-              <a:rot lat="0" lon="0" rev="1200000"/>
-            </a:lightRig>
-          </a:scene3d>
-          <a:sp3d>
-            <a:bevelT w="63500" h="25400"/>
-          </a:sp3d>
-        </a:effectStyle>
-      </a:effectStyleLst>
-      <a:bgFillStyleLst>
-        <a:solidFill>
-          <a:schemeClr val="phClr"/>
-        </a:solidFill>
-        <a:gradFill rotWithShape="1">
-          <a:gsLst>
-            <a:gs pos="0">
-              <a:schemeClr val="phClr">
-                <a:tint val="40000"/>
-                <a:satMod val="350000"/>
-              </a:schemeClr>
-            </a:gs>
-            <a:gs pos="40000">
-              <a:schemeClr val="phClr">
-                <a:tint val="45000"/>
-                <a:shade val="99000"/>
-                <a:satMod val="350000"/>
-              </a:schemeClr>
-            </a:gs>
-            <a:gs pos="100000">
-              <a:schemeClr val="phClr">
-                <a:shade val="20000"/>
-                <a:satMod val="255000"/>
-              </a:schemeClr>
-            </a:gs>
-          </a:gsLst>
-          <a:path path="circle">
-            <a:fillToRect l="50000" t="-80000" r="50000" b="180000"/>
-          </a:path>
-        </a:gradFill>
-        <a:gradFill rotWithShape="1">
-          <a:gsLst>
-            <a:gs pos="0">
-              <a:schemeClr val="phClr">
-                <a:tint val="80000"/>
-                <a:satMod val="300000"/>
-              </a:schemeClr>
-            </a:gs>
-            <a:gs pos="100000">
-              <a:schemeClr val="phClr">
-                <a:shade val="30000"/>
-                <a:satMod val="200000"/>
-              </a:schemeClr>
-            </a:gs>
-          </a:gsLst>
-          <a:path path="circle">
-            <a:fillToRect l="50000" t="50000" r="50000" b="50000"/>
-          </a:path>
-        </a:gradFill>
-      </a:bgFillStyleLst>
-    </a:fmtScheme>
-  </a:themeElements>
-</a:theme>
 </file>